--- a/AI_07_2023.08.08 - reference.pptx
+++ b/AI_07_2023.08.08 - reference.pptx
@@ -7,6 +7,8 @@
   <p:sldIdLst>
     <p:sldId id="361" r:id="rId2"/>
     <p:sldId id="362" r:id="rId3"/>
+    <p:sldId id="363" r:id="rId4"/>
+    <p:sldId id="364" r:id="rId5"/>
   </p:sldIdLst>
   <p:sldSz cx="12192000" cy="6858000"/>
   <p:notesSz cx="6858000" cy="9144000"/>
@@ -272,7 +274,7 @@
           <a:p>
             <a:fld id="{BB789E1C-4929-4D74-917C-88CF2680D5EC}" type="datetimeFigureOut">
               <a:rPr lang="ko-KR" altLang="en-US" smtClean="0"/>
-              <a:t>2023-07-20</a:t>
+              <a:t>2023-07-24</a:t>
             </a:fld>
             <a:endParaRPr lang="ko-KR" altLang="en-US"/>
           </a:p>
@@ -470,7 +472,7 @@
           <a:p>
             <a:fld id="{BB789E1C-4929-4D74-917C-88CF2680D5EC}" type="datetimeFigureOut">
               <a:rPr lang="ko-KR" altLang="en-US" smtClean="0"/>
-              <a:t>2023-07-20</a:t>
+              <a:t>2023-07-24</a:t>
             </a:fld>
             <a:endParaRPr lang="ko-KR" altLang="en-US"/>
           </a:p>
@@ -678,7 +680,7 @@
           <a:p>
             <a:fld id="{BB789E1C-4929-4D74-917C-88CF2680D5EC}" type="datetimeFigureOut">
               <a:rPr lang="ko-KR" altLang="en-US" smtClean="0"/>
-              <a:t>2023-07-20</a:t>
+              <a:t>2023-07-24</a:t>
             </a:fld>
             <a:endParaRPr lang="ko-KR" altLang="en-US"/>
           </a:p>
@@ -876,7 +878,7 @@
           <a:p>
             <a:fld id="{BB789E1C-4929-4D74-917C-88CF2680D5EC}" type="datetimeFigureOut">
               <a:rPr lang="ko-KR" altLang="en-US" smtClean="0"/>
-              <a:t>2023-07-20</a:t>
+              <a:t>2023-07-24</a:t>
             </a:fld>
             <a:endParaRPr lang="ko-KR" altLang="en-US"/>
           </a:p>
@@ -1151,7 +1153,7 @@
           <a:p>
             <a:fld id="{BB789E1C-4929-4D74-917C-88CF2680D5EC}" type="datetimeFigureOut">
               <a:rPr lang="ko-KR" altLang="en-US" smtClean="0"/>
-              <a:t>2023-07-20</a:t>
+              <a:t>2023-07-24</a:t>
             </a:fld>
             <a:endParaRPr lang="ko-KR" altLang="en-US"/>
           </a:p>
@@ -1416,7 +1418,7 @@
           <a:p>
             <a:fld id="{BB789E1C-4929-4D74-917C-88CF2680D5EC}" type="datetimeFigureOut">
               <a:rPr lang="ko-KR" altLang="en-US" smtClean="0"/>
-              <a:t>2023-07-20</a:t>
+              <a:t>2023-07-24</a:t>
             </a:fld>
             <a:endParaRPr lang="ko-KR" altLang="en-US"/>
           </a:p>
@@ -1828,7 +1830,7 @@
           <a:p>
             <a:fld id="{BB789E1C-4929-4D74-917C-88CF2680D5EC}" type="datetimeFigureOut">
               <a:rPr lang="ko-KR" altLang="en-US" smtClean="0"/>
-              <a:t>2023-07-20</a:t>
+              <a:t>2023-07-24</a:t>
             </a:fld>
             <a:endParaRPr lang="ko-KR" altLang="en-US"/>
           </a:p>
@@ -1969,7 +1971,7 @@
           <a:p>
             <a:fld id="{BB789E1C-4929-4D74-917C-88CF2680D5EC}" type="datetimeFigureOut">
               <a:rPr lang="ko-KR" altLang="en-US" smtClean="0"/>
-              <a:t>2023-07-20</a:t>
+              <a:t>2023-07-24</a:t>
             </a:fld>
             <a:endParaRPr lang="ko-KR" altLang="en-US"/>
           </a:p>
@@ -2082,7 +2084,7 @@
           <a:p>
             <a:fld id="{BB789E1C-4929-4D74-917C-88CF2680D5EC}" type="datetimeFigureOut">
               <a:rPr lang="ko-KR" altLang="en-US" smtClean="0"/>
-              <a:t>2023-07-20</a:t>
+              <a:t>2023-07-24</a:t>
             </a:fld>
             <a:endParaRPr lang="ko-KR" altLang="en-US"/>
           </a:p>
@@ -2393,7 +2395,7 @@
           <a:p>
             <a:fld id="{BB789E1C-4929-4D74-917C-88CF2680D5EC}" type="datetimeFigureOut">
               <a:rPr lang="ko-KR" altLang="en-US" smtClean="0"/>
-              <a:t>2023-07-20</a:t>
+              <a:t>2023-07-24</a:t>
             </a:fld>
             <a:endParaRPr lang="ko-KR" altLang="en-US"/>
           </a:p>
@@ -2681,7 +2683,7 @@
           <a:p>
             <a:fld id="{BB789E1C-4929-4D74-917C-88CF2680D5EC}" type="datetimeFigureOut">
               <a:rPr lang="ko-KR" altLang="en-US" smtClean="0"/>
-              <a:t>2023-07-20</a:t>
+              <a:t>2023-07-24</a:t>
             </a:fld>
             <a:endParaRPr lang="ko-KR" altLang="en-US"/>
           </a:p>
@@ -2922,7 +2924,7 @@
           <a:p>
             <a:fld id="{BB789E1C-4929-4D74-917C-88CF2680D5EC}" type="datetimeFigureOut">
               <a:rPr lang="ko-KR" altLang="en-US" smtClean="0"/>
-              <a:t>2023-07-20</a:t>
+              <a:t>2023-07-24</a:t>
             </a:fld>
             <a:endParaRPr lang="ko-KR" altLang="en-US"/>
           </a:p>
@@ -3858,6 +3860,4140 @@
 </p:sld>
 </file>
 
+<file path=ppt/slides/slide3.xml><?xml version="1.0" encoding="utf-8"?>
+<p:sld xmlns:a="http://schemas.openxmlformats.org/drawingml/2006/main" xmlns:r="http://schemas.openxmlformats.org/officeDocument/2006/relationships" xmlns:p="http://schemas.openxmlformats.org/presentationml/2006/main">
+  <p:cSld>
+    <p:spTree>
+      <p:nvGrpSpPr>
+        <p:cNvPr id="1" name=""/>
+        <p:cNvGrpSpPr/>
+        <p:nvPr/>
+      </p:nvGrpSpPr>
+      <p:grpSpPr>
+        <a:xfrm>
+          <a:off x="0" y="0"/>
+          <a:ext cx="0" cy="0"/>
+          <a:chOff x="0" y="0"/>
+          <a:chExt cx="0" cy="0"/>
+        </a:xfrm>
+      </p:grpSpPr>
+      <p:cxnSp>
+        <p:nvCxnSpPr>
+          <p:cNvPr id="11" name="직선 화살표 연결선 10">
+            <a:extLst>
+              <a:ext uri="{FF2B5EF4-FFF2-40B4-BE49-F238E27FC236}">
+                <a16:creationId xmlns:a16="http://schemas.microsoft.com/office/drawing/2014/main" id="{E8693445-9C95-4EFC-8C86-34EA35A3E618}"/>
+              </a:ext>
+            </a:extLst>
+          </p:cNvPr>
+          <p:cNvCxnSpPr>
+            <a:cxnSpLocks/>
+          </p:cNvCxnSpPr>
+          <p:nvPr/>
+        </p:nvCxnSpPr>
+        <p:spPr>
+          <a:xfrm>
+            <a:off x="270588" y="130629"/>
+            <a:ext cx="11644604" cy="6596742"/>
+          </a:xfrm>
+          <a:prstGeom prst="straightConnector1">
+            <a:avLst/>
+          </a:prstGeom>
+          <a:ln>
+            <a:tailEnd type="triangle"/>
+          </a:ln>
+        </p:spPr>
+        <p:style>
+          <a:lnRef idx="1">
+            <a:schemeClr val="accent1"/>
+          </a:lnRef>
+          <a:fillRef idx="0">
+            <a:schemeClr val="accent1"/>
+          </a:fillRef>
+          <a:effectRef idx="0">
+            <a:schemeClr val="accent1"/>
+          </a:effectRef>
+          <a:fontRef idx="minor">
+            <a:schemeClr val="tx1"/>
+          </a:fontRef>
+        </p:style>
+      </p:cxnSp>
+      <p:sp>
+        <p:nvSpPr>
+          <p:cNvPr id="4" name="직사각형 3">
+            <a:extLst>
+              <a:ext uri="{FF2B5EF4-FFF2-40B4-BE49-F238E27FC236}">
+                <a16:creationId xmlns:a16="http://schemas.microsoft.com/office/drawing/2014/main" id="{2ECF0058-CEF2-41C7-9AB0-784116DEE949}"/>
+              </a:ext>
+            </a:extLst>
+          </p:cNvPr>
+          <p:cNvSpPr/>
+          <p:nvPr/>
+        </p:nvSpPr>
+        <p:spPr>
+          <a:xfrm>
+            <a:off x="167952" y="130629"/>
+            <a:ext cx="1404885" cy="300805"/>
+          </a:xfrm>
+          <a:prstGeom prst="rect">
+            <a:avLst/>
+          </a:prstGeom>
+        </p:spPr>
+        <p:style>
+          <a:lnRef idx="2">
+            <a:schemeClr val="accent1">
+              <a:shade val="50000"/>
+            </a:schemeClr>
+          </a:lnRef>
+          <a:fillRef idx="1">
+            <a:schemeClr val="accent1"/>
+          </a:fillRef>
+          <a:effectRef idx="0">
+            <a:schemeClr val="accent1"/>
+          </a:effectRef>
+          <a:fontRef idx="minor">
+            <a:schemeClr val="lt1"/>
+          </a:fontRef>
+        </p:style>
+        <p:txBody>
+          <a:bodyPr rtlCol="0" anchor="ctr"/>
+          <a:lstStyle/>
+          <a:p>
+            <a:pPr algn="ctr"/>
+            <a:r>
+              <a:rPr lang="en-US" altLang="ko-KR" sz="900" dirty="0"/>
+              <a:t>Perceptron  1957</a:t>
+            </a:r>
+            <a:endParaRPr lang="ko-KR" altLang="en-US" sz="900" dirty="0"/>
+          </a:p>
+        </p:txBody>
+      </p:sp>
+      <p:sp>
+        <p:nvSpPr>
+          <p:cNvPr id="5" name="직사각형 4">
+            <a:extLst>
+              <a:ext uri="{FF2B5EF4-FFF2-40B4-BE49-F238E27FC236}">
+                <a16:creationId xmlns:a16="http://schemas.microsoft.com/office/drawing/2014/main" id="{1D866D73-900D-4050-9624-2B7DB79E396A}"/>
+              </a:ext>
+            </a:extLst>
+          </p:cNvPr>
+          <p:cNvSpPr/>
+          <p:nvPr/>
+        </p:nvSpPr>
+        <p:spPr>
+          <a:xfrm>
+            <a:off x="6195526" y="137981"/>
+            <a:ext cx="2412674" cy="300805"/>
+          </a:xfrm>
+          <a:prstGeom prst="rect">
+            <a:avLst/>
+          </a:prstGeom>
+        </p:spPr>
+        <p:style>
+          <a:lnRef idx="2">
+            <a:schemeClr val="accent1">
+              <a:shade val="50000"/>
+            </a:schemeClr>
+          </a:lnRef>
+          <a:fillRef idx="1">
+            <a:schemeClr val="accent1"/>
+          </a:fillRef>
+          <a:effectRef idx="0">
+            <a:schemeClr val="accent1"/>
+          </a:effectRef>
+          <a:fontRef idx="minor">
+            <a:schemeClr val="lt1"/>
+          </a:fontRef>
+        </p:style>
+        <p:txBody>
+          <a:bodyPr rtlCol="0" anchor="ctr"/>
+          <a:lstStyle/>
+          <a:p>
+            <a:pPr algn="ctr"/>
+            <a:r>
+              <a:rPr lang="ko-KR" altLang="ko-KR" sz="900" dirty="0" err="1"/>
+              <a:t>Multiple</a:t>
+            </a:r>
+            <a:r>
+              <a:rPr lang="ko-KR" altLang="ko-KR" sz="900" dirty="0"/>
+              <a:t> </a:t>
+            </a:r>
+            <a:r>
+              <a:rPr lang="ko-KR" altLang="ko-KR" sz="900" dirty="0" err="1"/>
+              <a:t>layer</a:t>
+            </a:r>
+            <a:r>
+              <a:rPr lang="ko-KR" altLang="ko-KR" sz="900" dirty="0"/>
+              <a:t> </a:t>
+            </a:r>
+            <a:r>
+              <a:rPr lang="ko-KR" altLang="ko-KR" sz="900" dirty="0" err="1"/>
+              <a:t>neural</a:t>
+            </a:r>
+            <a:r>
+              <a:rPr lang="ko-KR" altLang="ko-KR" sz="900" dirty="0"/>
+              <a:t> </a:t>
+            </a:r>
+            <a:r>
+              <a:rPr lang="ko-KR" altLang="ko-KR" sz="900" dirty="0" err="1"/>
+              <a:t>networks</a:t>
+            </a:r>
+            <a:r>
+              <a:rPr lang="en-US" altLang="ko-KR" sz="900" dirty="0"/>
+              <a:t>  1969</a:t>
+            </a:r>
+            <a:endParaRPr lang="ko-KR" altLang="en-US" sz="900" dirty="0"/>
+          </a:p>
+        </p:txBody>
+      </p:sp>
+      <p:sp>
+        <p:nvSpPr>
+          <p:cNvPr id="6" name="직사각형 5">
+            <a:extLst>
+              <a:ext uri="{FF2B5EF4-FFF2-40B4-BE49-F238E27FC236}">
+                <a16:creationId xmlns:a16="http://schemas.microsoft.com/office/drawing/2014/main" id="{C29548B8-55BF-4B99-B7B8-1D4FEAA3F093}"/>
+              </a:ext>
+            </a:extLst>
+          </p:cNvPr>
+          <p:cNvSpPr/>
+          <p:nvPr/>
+        </p:nvSpPr>
+        <p:spPr>
+          <a:xfrm>
+            <a:off x="167952" y="648950"/>
+            <a:ext cx="2808514" cy="457200"/>
+          </a:xfrm>
+          <a:prstGeom prst="rect">
+            <a:avLst/>
+          </a:prstGeom>
+        </p:spPr>
+        <p:style>
+          <a:lnRef idx="2">
+            <a:schemeClr val="accent1">
+              <a:shade val="50000"/>
+            </a:schemeClr>
+          </a:lnRef>
+          <a:fillRef idx="1">
+            <a:schemeClr val="accent1"/>
+          </a:fillRef>
+          <a:effectRef idx="0">
+            <a:schemeClr val="accent1"/>
+          </a:effectRef>
+          <a:fontRef idx="minor">
+            <a:schemeClr val="lt1"/>
+          </a:fontRef>
+        </p:style>
+        <p:txBody>
+          <a:bodyPr rtlCol="0" anchor="ctr"/>
+          <a:lstStyle/>
+          <a:p>
+            <a:pPr algn="ctr"/>
+            <a:r>
+              <a:rPr lang="en-US" altLang="ko-KR" dirty="0"/>
+              <a:t>Deep Learning  2006 </a:t>
+            </a:r>
+            <a:endParaRPr lang="ko-KR" altLang="en-US" dirty="0"/>
+          </a:p>
+        </p:txBody>
+      </p:sp>
+      <p:sp>
+        <p:nvSpPr>
+          <p:cNvPr id="7" name="직사각형 6">
+            <a:extLst>
+              <a:ext uri="{FF2B5EF4-FFF2-40B4-BE49-F238E27FC236}">
+                <a16:creationId xmlns:a16="http://schemas.microsoft.com/office/drawing/2014/main" id="{B7321584-6BD0-48C2-A933-6433C1D478E3}"/>
+              </a:ext>
+            </a:extLst>
+          </p:cNvPr>
+          <p:cNvSpPr/>
+          <p:nvPr/>
+        </p:nvSpPr>
+        <p:spPr>
+          <a:xfrm>
+            <a:off x="3052805" y="2477490"/>
+            <a:ext cx="2469501" cy="457200"/>
+          </a:xfrm>
+          <a:prstGeom prst="rect">
+            <a:avLst/>
+          </a:prstGeom>
+        </p:spPr>
+        <p:style>
+          <a:lnRef idx="2">
+            <a:schemeClr val="accent1">
+              <a:shade val="50000"/>
+            </a:schemeClr>
+          </a:lnRef>
+          <a:fillRef idx="1">
+            <a:schemeClr val="accent1"/>
+          </a:fillRef>
+          <a:effectRef idx="0">
+            <a:schemeClr val="accent1"/>
+          </a:effectRef>
+          <a:fontRef idx="minor">
+            <a:schemeClr val="lt1"/>
+          </a:fontRef>
+        </p:style>
+        <p:txBody>
+          <a:bodyPr rtlCol="0" anchor="ctr"/>
+          <a:lstStyle/>
+          <a:p>
+            <a:pPr algn="ctr"/>
+            <a:r>
+              <a:rPr lang="en-US" altLang="ko-KR" dirty="0"/>
+              <a:t>Scale Law  2019</a:t>
+            </a:r>
+            <a:endParaRPr lang="ko-KR" altLang="en-US" dirty="0"/>
+          </a:p>
+        </p:txBody>
+      </p:sp>
+      <p:sp>
+        <p:nvSpPr>
+          <p:cNvPr id="8" name="직사각형 7">
+            <a:extLst>
+              <a:ext uri="{FF2B5EF4-FFF2-40B4-BE49-F238E27FC236}">
+                <a16:creationId xmlns:a16="http://schemas.microsoft.com/office/drawing/2014/main" id="{FD6AEFF7-D8EB-4B52-A6E7-91647C652584}"/>
+              </a:ext>
+            </a:extLst>
+          </p:cNvPr>
+          <p:cNvSpPr/>
+          <p:nvPr/>
+        </p:nvSpPr>
+        <p:spPr>
+          <a:xfrm>
+            <a:off x="2450440" y="1933891"/>
+            <a:ext cx="2469501" cy="457200"/>
+          </a:xfrm>
+          <a:prstGeom prst="rect">
+            <a:avLst/>
+          </a:prstGeom>
+        </p:spPr>
+        <p:style>
+          <a:lnRef idx="2">
+            <a:schemeClr val="accent1">
+              <a:shade val="50000"/>
+            </a:schemeClr>
+          </a:lnRef>
+          <a:fillRef idx="1">
+            <a:schemeClr val="accent1"/>
+          </a:fillRef>
+          <a:effectRef idx="0">
+            <a:schemeClr val="accent1"/>
+          </a:effectRef>
+          <a:fontRef idx="minor">
+            <a:schemeClr val="lt1"/>
+          </a:fontRef>
+        </p:style>
+        <p:txBody>
+          <a:bodyPr rtlCol="0" anchor="ctr"/>
+          <a:lstStyle/>
+          <a:p>
+            <a:pPr algn="ctr"/>
+            <a:r>
+              <a:rPr lang="en-US" altLang="ko-KR" dirty="0"/>
+              <a:t>Transformer 2018</a:t>
+            </a:r>
+            <a:endParaRPr lang="ko-KR" altLang="en-US" dirty="0"/>
+          </a:p>
+        </p:txBody>
+      </p:sp>
+      <p:sp>
+        <p:nvSpPr>
+          <p:cNvPr id="9" name="직사각형 8">
+            <a:extLst>
+              <a:ext uri="{FF2B5EF4-FFF2-40B4-BE49-F238E27FC236}">
+                <a16:creationId xmlns:a16="http://schemas.microsoft.com/office/drawing/2014/main" id="{A378784C-315D-4020-9C59-7D7E09F187E9}"/>
+              </a:ext>
+            </a:extLst>
+          </p:cNvPr>
+          <p:cNvSpPr/>
+          <p:nvPr/>
+        </p:nvSpPr>
+        <p:spPr>
+          <a:xfrm>
+            <a:off x="5059058" y="3659965"/>
+            <a:ext cx="2824065" cy="457200"/>
+          </a:xfrm>
+          <a:prstGeom prst="rect">
+            <a:avLst/>
+          </a:prstGeom>
+        </p:spPr>
+        <p:style>
+          <a:lnRef idx="2">
+            <a:schemeClr val="accent6">
+              <a:shade val="50000"/>
+            </a:schemeClr>
+          </a:lnRef>
+          <a:fillRef idx="1">
+            <a:schemeClr val="accent6"/>
+          </a:fillRef>
+          <a:effectRef idx="0">
+            <a:schemeClr val="accent6"/>
+          </a:effectRef>
+          <a:fontRef idx="minor">
+            <a:schemeClr val="lt1"/>
+          </a:fontRef>
+        </p:style>
+        <p:txBody>
+          <a:bodyPr rtlCol="0" anchor="ctr"/>
+          <a:lstStyle/>
+          <a:p>
+            <a:pPr algn="ctr"/>
+            <a:r>
+              <a:rPr lang="en-US" altLang="ko-KR" dirty="0" err="1"/>
+              <a:t>chatGPT</a:t>
+            </a:r>
+            <a:r>
+              <a:rPr lang="en-US" altLang="ko-KR" dirty="0"/>
+              <a:t> 3.0  2020</a:t>
+            </a:r>
+            <a:endParaRPr lang="ko-KR" altLang="en-US" dirty="0"/>
+          </a:p>
+        </p:txBody>
+      </p:sp>
+      <p:sp>
+        <p:nvSpPr>
+          <p:cNvPr id="12" name="직사각형 11">
+            <a:extLst>
+              <a:ext uri="{FF2B5EF4-FFF2-40B4-BE49-F238E27FC236}">
+                <a16:creationId xmlns:a16="http://schemas.microsoft.com/office/drawing/2014/main" id="{AE703358-B393-4A12-B1D0-C2349045A49E}"/>
+              </a:ext>
+            </a:extLst>
+          </p:cNvPr>
+          <p:cNvSpPr/>
+          <p:nvPr/>
+        </p:nvSpPr>
+        <p:spPr>
+          <a:xfrm>
+            <a:off x="8714622" y="5525871"/>
+            <a:ext cx="2824065" cy="457200"/>
+          </a:xfrm>
+          <a:prstGeom prst="rect">
+            <a:avLst/>
+          </a:prstGeom>
+        </p:spPr>
+        <p:style>
+          <a:lnRef idx="2">
+            <a:schemeClr val="accent6">
+              <a:shade val="50000"/>
+            </a:schemeClr>
+          </a:lnRef>
+          <a:fillRef idx="1">
+            <a:schemeClr val="accent6"/>
+          </a:fillRef>
+          <a:effectRef idx="0">
+            <a:schemeClr val="accent6"/>
+          </a:effectRef>
+          <a:fontRef idx="minor">
+            <a:schemeClr val="lt1"/>
+          </a:fontRef>
+        </p:style>
+        <p:txBody>
+          <a:bodyPr rtlCol="0" anchor="ctr"/>
+          <a:lstStyle/>
+          <a:p>
+            <a:pPr algn="ctr"/>
+            <a:r>
+              <a:rPr lang="en-US" altLang="ko-KR" dirty="0" err="1"/>
+              <a:t>chatGPT</a:t>
+            </a:r>
+            <a:r>
+              <a:rPr lang="en-US" altLang="ko-KR" dirty="0"/>
+              <a:t> 3.5  2022</a:t>
+            </a:r>
+            <a:endParaRPr lang="ko-KR" altLang="en-US" dirty="0"/>
+          </a:p>
+        </p:txBody>
+      </p:sp>
+      <p:sp>
+        <p:nvSpPr>
+          <p:cNvPr id="13" name="직사각형 12">
+            <a:extLst>
+              <a:ext uri="{FF2B5EF4-FFF2-40B4-BE49-F238E27FC236}">
+                <a16:creationId xmlns:a16="http://schemas.microsoft.com/office/drawing/2014/main" id="{07587988-33D8-418E-A084-DF604B180D9F}"/>
+              </a:ext>
+            </a:extLst>
+          </p:cNvPr>
+          <p:cNvSpPr/>
+          <p:nvPr/>
+        </p:nvSpPr>
+        <p:spPr>
+          <a:xfrm>
+            <a:off x="9091127" y="6043440"/>
+            <a:ext cx="2824065" cy="457200"/>
+          </a:xfrm>
+          <a:prstGeom prst="rect">
+            <a:avLst/>
+          </a:prstGeom>
+        </p:spPr>
+        <p:style>
+          <a:lnRef idx="2">
+            <a:schemeClr val="accent6">
+              <a:shade val="50000"/>
+            </a:schemeClr>
+          </a:lnRef>
+          <a:fillRef idx="1">
+            <a:schemeClr val="accent6"/>
+          </a:fillRef>
+          <a:effectRef idx="0">
+            <a:schemeClr val="accent6"/>
+          </a:effectRef>
+          <a:fontRef idx="minor">
+            <a:schemeClr val="lt1"/>
+          </a:fontRef>
+        </p:style>
+        <p:txBody>
+          <a:bodyPr rtlCol="0" anchor="ctr"/>
+          <a:lstStyle/>
+          <a:p>
+            <a:pPr algn="ctr"/>
+            <a:r>
+              <a:rPr lang="en-US" altLang="ko-KR" dirty="0" err="1"/>
+              <a:t>chatGPT</a:t>
+            </a:r>
+            <a:r>
+              <a:rPr lang="en-US" altLang="ko-KR" dirty="0"/>
+              <a:t> 4  2023</a:t>
+            </a:r>
+            <a:endParaRPr lang="ko-KR" altLang="en-US" dirty="0"/>
+          </a:p>
+        </p:txBody>
+      </p:sp>
+      <p:sp>
+        <p:nvSpPr>
+          <p:cNvPr id="15" name="직사각형 14">
+            <a:extLst>
+              <a:ext uri="{FF2B5EF4-FFF2-40B4-BE49-F238E27FC236}">
+                <a16:creationId xmlns:a16="http://schemas.microsoft.com/office/drawing/2014/main" id="{7122F45D-3011-4D7E-8E2E-69F22BC3D7C5}"/>
+              </a:ext>
+            </a:extLst>
+          </p:cNvPr>
+          <p:cNvSpPr/>
+          <p:nvPr/>
+        </p:nvSpPr>
+        <p:spPr>
+          <a:xfrm>
+            <a:off x="4916751" y="1831132"/>
+            <a:ext cx="784446" cy="276999"/>
+          </a:xfrm>
+          <a:prstGeom prst="rect">
+            <a:avLst/>
+          </a:prstGeom>
+        </p:spPr>
+        <p:txBody>
+          <a:bodyPr wrap="none">
+            <a:spAutoFit/>
+          </a:bodyPr>
+          <a:lstStyle/>
+          <a:p>
+            <a:r>
+              <a:rPr lang="en-US" altLang="ko-KR" sz="1200" dirty="0" err="1">
+                <a:solidFill>
+                  <a:srgbClr val="1F1F1F"/>
+                </a:solidFill>
+                <a:latin typeface="Google Sans"/>
+              </a:rPr>
+              <a:t>Attension</a:t>
+            </a:r>
+            <a:endParaRPr lang="en-US" altLang="ko-KR" sz="1200" dirty="0">
+              <a:solidFill>
+                <a:srgbClr val="1F1F1F"/>
+              </a:solidFill>
+              <a:latin typeface="Google Sans"/>
+            </a:endParaRPr>
+          </a:p>
+        </p:txBody>
+      </p:sp>
+      <p:sp>
+        <p:nvSpPr>
+          <p:cNvPr id="17" name="직사각형 16">
+            <a:extLst>
+              <a:ext uri="{FF2B5EF4-FFF2-40B4-BE49-F238E27FC236}">
+                <a16:creationId xmlns:a16="http://schemas.microsoft.com/office/drawing/2014/main" id="{2452D06C-4873-465D-8993-082D5E6659CB}"/>
+              </a:ext>
+            </a:extLst>
+          </p:cNvPr>
+          <p:cNvSpPr/>
+          <p:nvPr/>
+        </p:nvSpPr>
+        <p:spPr>
+          <a:xfrm>
+            <a:off x="5827201" y="2947764"/>
+            <a:ext cx="2932021" cy="461665"/>
+          </a:xfrm>
+          <a:prstGeom prst="rect">
+            <a:avLst/>
+          </a:prstGeom>
+        </p:spPr>
+        <p:txBody>
+          <a:bodyPr wrap="none">
+            <a:spAutoFit/>
+          </a:bodyPr>
+          <a:lstStyle/>
+          <a:p>
+            <a:pPr marL="228600" indent="-228600">
+              <a:buFont typeface="Arial" panose="020B0604020202020204" pitchFamily="34" charset="0"/>
+              <a:buChar char="•"/>
+            </a:pPr>
+            <a:r>
+              <a:rPr lang="ko-KR" altLang="ko-KR" sz="1200" dirty="0" err="1"/>
+              <a:t>generate</a:t>
+            </a:r>
+            <a:r>
+              <a:rPr lang="ko-KR" altLang="ko-KR" sz="1200" dirty="0"/>
+              <a:t> </a:t>
+            </a:r>
+            <a:r>
+              <a:rPr lang="ko-KR" altLang="ko-KR" sz="1200" dirty="0" err="1"/>
+              <a:t>more</a:t>
+            </a:r>
+            <a:r>
+              <a:rPr lang="ko-KR" altLang="ko-KR" sz="1200" dirty="0"/>
+              <a:t> </a:t>
+            </a:r>
+            <a:r>
+              <a:rPr lang="ko-KR" altLang="ko-KR" sz="1200" dirty="0" err="1"/>
+              <a:t>creative</a:t>
+            </a:r>
+            <a:r>
+              <a:rPr lang="ko-KR" altLang="ko-KR" sz="1200" dirty="0"/>
+              <a:t> </a:t>
+            </a:r>
+            <a:r>
+              <a:rPr lang="ko-KR" altLang="ko-KR" sz="1200" dirty="0" err="1"/>
+              <a:t>text</a:t>
+            </a:r>
+            <a:r>
+              <a:rPr lang="ko-KR" altLang="ko-KR" sz="1200" dirty="0"/>
+              <a:t> </a:t>
+            </a:r>
+            <a:r>
+              <a:rPr lang="ko-KR" altLang="ko-KR" sz="1200" dirty="0" err="1"/>
+              <a:t>formats</a:t>
+            </a:r>
+            <a:endParaRPr lang="en-US" altLang="ko-KR" sz="1200" dirty="0"/>
+          </a:p>
+          <a:p>
+            <a:pPr marL="228600" indent="-228600">
+              <a:buFont typeface="Arial" panose="020B0604020202020204" pitchFamily="34" charset="0"/>
+              <a:buChar char="•"/>
+            </a:pPr>
+            <a:r>
+              <a:rPr lang="ko-KR" altLang="ko-KR" sz="1200" dirty="0" err="1"/>
+              <a:t>to</a:t>
+            </a:r>
+            <a:r>
+              <a:rPr lang="ko-KR" altLang="ko-KR" sz="1200" dirty="0"/>
+              <a:t> </a:t>
+            </a:r>
+            <a:r>
+              <a:rPr lang="ko-KR" altLang="ko-KR" sz="1200" dirty="0" err="1"/>
+              <a:t>translate</a:t>
+            </a:r>
+            <a:r>
+              <a:rPr lang="ko-KR" altLang="ko-KR" sz="1200" dirty="0"/>
+              <a:t> </a:t>
+            </a:r>
+            <a:r>
+              <a:rPr lang="ko-KR" altLang="ko-KR" sz="1200" dirty="0" err="1"/>
+              <a:t>more</a:t>
+            </a:r>
+            <a:r>
+              <a:rPr lang="ko-KR" altLang="ko-KR" sz="1200" dirty="0"/>
+              <a:t> </a:t>
+            </a:r>
+            <a:r>
+              <a:rPr lang="ko-KR" altLang="ko-KR" sz="1200" dirty="0" err="1"/>
+              <a:t>accurately</a:t>
+            </a:r>
+            <a:endParaRPr lang="ko-KR" altLang="en-US" sz="1200" dirty="0"/>
+          </a:p>
+        </p:txBody>
+      </p:sp>
+      <p:sp>
+        <p:nvSpPr>
+          <p:cNvPr id="19" name="직사각형 18">
+            <a:extLst>
+              <a:ext uri="{FF2B5EF4-FFF2-40B4-BE49-F238E27FC236}">
+                <a16:creationId xmlns:a16="http://schemas.microsoft.com/office/drawing/2014/main" id="{D2F845E5-F772-4F9B-841F-0636D6A33D63}"/>
+              </a:ext>
+            </a:extLst>
+          </p:cNvPr>
+          <p:cNvSpPr/>
+          <p:nvPr/>
+        </p:nvSpPr>
+        <p:spPr>
+          <a:xfrm>
+            <a:off x="8861858" y="125997"/>
+            <a:ext cx="1649548" cy="300805"/>
+          </a:xfrm>
+          <a:prstGeom prst="rect">
+            <a:avLst/>
+          </a:prstGeom>
+        </p:spPr>
+        <p:style>
+          <a:lnRef idx="2">
+            <a:schemeClr val="accent1">
+              <a:shade val="50000"/>
+            </a:schemeClr>
+          </a:lnRef>
+          <a:fillRef idx="1">
+            <a:schemeClr val="accent1"/>
+          </a:fillRef>
+          <a:effectRef idx="0">
+            <a:schemeClr val="accent1"/>
+          </a:effectRef>
+          <a:fontRef idx="minor">
+            <a:schemeClr val="lt1"/>
+          </a:fontRef>
+        </p:style>
+        <p:txBody>
+          <a:bodyPr rtlCol="0" anchor="ctr"/>
+          <a:lstStyle/>
+          <a:p>
+            <a:pPr algn="ctr"/>
+            <a:r>
+              <a:rPr lang="ko-KR" altLang="ko-KR" sz="900" dirty="0" err="1">
+                <a:ea typeface="Arial" panose="020B0604020202020204" pitchFamily="34" charset="0"/>
+              </a:rPr>
+              <a:t>Backpropagation</a:t>
+            </a:r>
+            <a:r>
+              <a:rPr lang="en-US" altLang="ko-KR" sz="900" dirty="0">
+                <a:ea typeface="Arial" panose="020B0604020202020204" pitchFamily="34" charset="0"/>
+              </a:rPr>
+              <a:t> </a:t>
+            </a:r>
+            <a:r>
+              <a:rPr lang="ko-KR" altLang="en-US" sz="900" dirty="0"/>
+              <a:t> </a:t>
+            </a:r>
+            <a:r>
+              <a:rPr lang="en-US" altLang="ko-KR" sz="900" dirty="0"/>
+              <a:t>1974</a:t>
+            </a:r>
+            <a:endParaRPr lang="ko-KR" altLang="en-US" sz="900" dirty="0"/>
+          </a:p>
+        </p:txBody>
+      </p:sp>
+      <p:graphicFrame>
+        <p:nvGraphicFramePr>
+          <p:cNvPr id="21" name="표 20">
+            <a:extLst>
+              <a:ext uri="{FF2B5EF4-FFF2-40B4-BE49-F238E27FC236}">
+                <a16:creationId xmlns:a16="http://schemas.microsoft.com/office/drawing/2014/main" id="{9D1677AC-6CCB-4D8D-9F4C-D10FF419D8CE}"/>
+              </a:ext>
+            </a:extLst>
+          </p:cNvPr>
+          <p:cNvGraphicFramePr>
+            <a:graphicFrameLocks noGrp="1"/>
+          </p:cNvGraphicFramePr>
+          <p:nvPr>
+            <p:extLst>
+              <p:ext uri="{D42A27DB-BD31-4B8C-83A1-F6EECF244321}">
+                <p14:modId xmlns:p14="http://schemas.microsoft.com/office/powerpoint/2010/main" val="4030191349"/>
+              </p:ext>
+            </p:extLst>
+          </p:nvPr>
+        </p:nvGraphicFramePr>
+        <p:xfrm>
+          <a:off x="576995" y="4476375"/>
+          <a:ext cx="7216377" cy="1916036"/>
+        </p:xfrm>
+        <a:graphic>
+          <a:graphicData uri="http://schemas.openxmlformats.org/drawingml/2006/table">
+            <a:tbl>
+              <a:tblPr/>
+              <a:tblGrid>
+                <a:gridCol w="2135456">
+                  <a:extLst>
+                    <a:ext uri="{9D8B030D-6E8A-4147-A177-3AD203B41FA5}">
+                      <a16:colId xmlns:a16="http://schemas.microsoft.com/office/drawing/2014/main" val="3988967132"/>
+                    </a:ext>
+                  </a:extLst>
+                </a:gridCol>
+                <a:gridCol w="1731063">
+                  <a:extLst>
+                    <a:ext uri="{9D8B030D-6E8A-4147-A177-3AD203B41FA5}">
+                      <a16:colId xmlns:a16="http://schemas.microsoft.com/office/drawing/2014/main" val="2966344843"/>
+                    </a:ext>
+                  </a:extLst>
+                </a:gridCol>
+                <a:gridCol w="1731063">
+                  <a:extLst>
+                    <a:ext uri="{9D8B030D-6E8A-4147-A177-3AD203B41FA5}">
+                      <a16:colId xmlns:a16="http://schemas.microsoft.com/office/drawing/2014/main" val="772031227"/>
+                    </a:ext>
+                  </a:extLst>
+                </a:gridCol>
+                <a:gridCol w="1618795">
+                  <a:extLst>
+                    <a:ext uri="{9D8B030D-6E8A-4147-A177-3AD203B41FA5}">
+                      <a16:colId xmlns:a16="http://schemas.microsoft.com/office/drawing/2014/main" val="3779165448"/>
+                    </a:ext>
+                  </a:extLst>
+                </a:gridCol>
+              </a:tblGrid>
+              <a:tr h="367459">
+                <a:tc>
+                  <a:txBody>
+                    <a:bodyPr/>
+                    <a:lstStyle/>
+                    <a:p>
+                      <a:pPr marL="0" marR="0" fontAlgn="t">
+                        <a:spcBef>
+                          <a:spcPts val="0"/>
+                        </a:spcBef>
+                        <a:spcAft>
+                          <a:spcPts val="0"/>
+                        </a:spcAft>
+                      </a:pPr>
+                      <a:r>
+                        <a:rPr lang="ko-KR" sz="1400">
+                          <a:solidFill>
+                            <a:srgbClr val="1F1F1F"/>
+                          </a:solidFill>
+                          <a:effectLst/>
+                          <a:ea typeface="Google Sans"/>
+                        </a:rPr>
+                        <a:t>Feature</a:t>
+                      </a:r>
+                    </a:p>
+                  </a:txBody>
+                  <a:tcPr marL="50800" marR="50800" marT="50800" marB="50800">
+                    <a:lnL>
+                      <a:noFill/>
+                    </a:lnL>
+                    <a:lnR>
+                      <a:noFill/>
+                    </a:lnR>
+                    <a:lnT>
+                      <a:noFill/>
+                    </a:lnT>
+                    <a:lnB>
+                      <a:noFill/>
+                    </a:lnB>
+                    <a:solidFill>
+                      <a:srgbClr val="FFFFFF"/>
+                    </a:solidFill>
+                  </a:tcPr>
+                </a:tc>
+                <a:tc>
+                  <a:txBody>
+                    <a:bodyPr/>
+                    <a:lstStyle/>
+                    <a:p>
+                      <a:pPr marL="0" marR="0" fontAlgn="t">
+                        <a:spcBef>
+                          <a:spcPts val="0"/>
+                        </a:spcBef>
+                        <a:spcAft>
+                          <a:spcPts val="0"/>
+                        </a:spcAft>
+                      </a:pPr>
+                      <a:r>
+                        <a:rPr lang="ko-KR" sz="1400" dirty="0">
+                          <a:solidFill>
+                            <a:srgbClr val="1F1F1F"/>
+                          </a:solidFill>
+                          <a:effectLst/>
+                          <a:ea typeface="Google Sans"/>
+                        </a:rPr>
+                        <a:t>ChatGPT3.0</a:t>
+                      </a:r>
+                    </a:p>
+                  </a:txBody>
+                  <a:tcPr marL="50800" marR="50800" marT="50800" marB="50800">
+                    <a:lnL>
+                      <a:noFill/>
+                    </a:lnL>
+                    <a:lnR>
+                      <a:noFill/>
+                    </a:lnR>
+                    <a:lnT>
+                      <a:noFill/>
+                    </a:lnT>
+                    <a:lnB>
+                      <a:noFill/>
+                    </a:lnB>
+                    <a:solidFill>
+                      <a:srgbClr val="FFFFFF"/>
+                    </a:solidFill>
+                  </a:tcPr>
+                </a:tc>
+                <a:tc>
+                  <a:txBody>
+                    <a:bodyPr/>
+                    <a:lstStyle/>
+                    <a:p>
+                      <a:pPr marL="0" marR="0" fontAlgn="t">
+                        <a:spcBef>
+                          <a:spcPts val="0"/>
+                        </a:spcBef>
+                        <a:spcAft>
+                          <a:spcPts val="0"/>
+                        </a:spcAft>
+                      </a:pPr>
+                      <a:r>
+                        <a:rPr lang="ko-KR" sz="1400">
+                          <a:solidFill>
+                            <a:srgbClr val="1F1F1F"/>
+                          </a:solidFill>
+                          <a:effectLst/>
+                          <a:ea typeface="Google Sans"/>
+                        </a:rPr>
+                        <a:t>ChatGPT3.5</a:t>
+                      </a:r>
+                    </a:p>
+                  </a:txBody>
+                  <a:tcPr marL="50800" marR="50800" marT="50800" marB="50800">
+                    <a:lnL>
+                      <a:noFill/>
+                    </a:lnL>
+                    <a:lnR>
+                      <a:noFill/>
+                    </a:lnR>
+                    <a:lnT>
+                      <a:noFill/>
+                    </a:lnT>
+                    <a:lnB>
+                      <a:noFill/>
+                    </a:lnB>
+                    <a:solidFill>
+                      <a:srgbClr val="FFFFFF"/>
+                    </a:solidFill>
+                  </a:tcPr>
+                </a:tc>
+                <a:tc>
+                  <a:txBody>
+                    <a:bodyPr/>
+                    <a:lstStyle/>
+                    <a:p>
+                      <a:pPr marL="0" marR="0" fontAlgn="t">
+                        <a:spcBef>
+                          <a:spcPts val="0"/>
+                        </a:spcBef>
+                        <a:spcAft>
+                          <a:spcPts val="0"/>
+                        </a:spcAft>
+                      </a:pPr>
+                      <a:r>
+                        <a:rPr lang="ko-KR" sz="1400" dirty="0">
+                          <a:solidFill>
+                            <a:srgbClr val="1F1F1F"/>
+                          </a:solidFill>
+                          <a:effectLst/>
+                          <a:ea typeface="Google Sans"/>
+                        </a:rPr>
+                        <a:t>ChatGPT4.0</a:t>
+                      </a:r>
+                    </a:p>
+                  </a:txBody>
+                  <a:tcPr marL="50800" marR="50800" marT="50800" marB="50800">
+                    <a:lnL>
+                      <a:noFill/>
+                    </a:lnL>
+                    <a:lnR>
+                      <a:noFill/>
+                    </a:lnR>
+                    <a:lnT>
+                      <a:noFill/>
+                    </a:lnT>
+                    <a:lnB>
+                      <a:noFill/>
+                    </a:lnB>
+                    <a:solidFill>
+                      <a:srgbClr val="FFFFFF"/>
+                    </a:solidFill>
+                  </a:tcPr>
+                </a:tc>
+                <a:extLst>
+                  <a:ext uri="{0D108BD9-81ED-4DB2-BD59-A6C34878D82A}">
+                    <a16:rowId xmlns:a16="http://schemas.microsoft.com/office/drawing/2014/main" val="333555948"/>
+                  </a:ext>
+                </a:extLst>
+              </a:tr>
+              <a:tr h="367459">
+                <a:tc>
+                  <a:txBody>
+                    <a:bodyPr/>
+                    <a:lstStyle/>
+                    <a:p>
+                      <a:pPr marL="0" marR="0" fontAlgn="t">
+                        <a:spcBef>
+                          <a:spcPts val="0"/>
+                        </a:spcBef>
+                        <a:spcAft>
+                          <a:spcPts val="0"/>
+                        </a:spcAft>
+                      </a:pPr>
+                      <a:endParaRPr lang="ko-KR" sz="1400" dirty="0">
+                        <a:solidFill>
+                          <a:srgbClr val="1F1F1F"/>
+                        </a:solidFill>
+                        <a:effectLst/>
+                        <a:ea typeface="Google Sans"/>
+                      </a:endParaRPr>
+                    </a:p>
+                  </a:txBody>
+                  <a:tcPr marL="50800" marR="50800" marT="50800" marB="50800">
+                    <a:lnL>
+                      <a:noFill/>
+                    </a:lnL>
+                    <a:lnR>
+                      <a:noFill/>
+                    </a:lnR>
+                    <a:lnT>
+                      <a:noFill/>
+                    </a:lnT>
+                    <a:lnB>
+                      <a:noFill/>
+                    </a:lnB>
+                    <a:solidFill>
+                      <a:srgbClr val="FFFFFF"/>
+                    </a:solidFill>
+                  </a:tcPr>
+                </a:tc>
+                <a:tc>
+                  <a:txBody>
+                    <a:bodyPr/>
+                    <a:lstStyle/>
+                    <a:p>
+                      <a:pPr marL="0" marR="0" fontAlgn="t">
+                        <a:spcBef>
+                          <a:spcPts val="0"/>
+                        </a:spcBef>
+                        <a:spcAft>
+                          <a:spcPts val="0"/>
+                        </a:spcAft>
+                      </a:pPr>
+                      <a:endParaRPr lang="ko-KR" sz="1400" dirty="0">
+                        <a:solidFill>
+                          <a:srgbClr val="1F1F1F"/>
+                        </a:solidFill>
+                        <a:effectLst/>
+                        <a:ea typeface="Google Sans"/>
+                      </a:endParaRPr>
+                    </a:p>
+                  </a:txBody>
+                  <a:tcPr marL="50800" marR="50800" marT="50800" marB="50800">
+                    <a:lnL>
+                      <a:noFill/>
+                    </a:lnL>
+                    <a:lnR>
+                      <a:noFill/>
+                    </a:lnR>
+                    <a:lnT>
+                      <a:noFill/>
+                    </a:lnT>
+                    <a:lnB>
+                      <a:noFill/>
+                    </a:lnB>
+                    <a:solidFill>
+                      <a:srgbClr val="FFFFFF"/>
+                    </a:solidFill>
+                  </a:tcPr>
+                </a:tc>
+                <a:tc>
+                  <a:txBody>
+                    <a:bodyPr/>
+                    <a:lstStyle/>
+                    <a:p>
+                      <a:pPr marL="0" marR="0" fontAlgn="t">
+                        <a:spcBef>
+                          <a:spcPts val="0"/>
+                        </a:spcBef>
+                        <a:spcAft>
+                          <a:spcPts val="0"/>
+                        </a:spcAft>
+                      </a:pPr>
+                      <a:endParaRPr lang="ko-KR" sz="1400" dirty="0">
+                        <a:solidFill>
+                          <a:srgbClr val="1F1F1F"/>
+                        </a:solidFill>
+                        <a:effectLst/>
+                        <a:ea typeface="Google Sans"/>
+                      </a:endParaRPr>
+                    </a:p>
+                  </a:txBody>
+                  <a:tcPr marL="50800" marR="50800" marT="50800" marB="50800">
+                    <a:lnL>
+                      <a:noFill/>
+                    </a:lnL>
+                    <a:lnR>
+                      <a:noFill/>
+                    </a:lnR>
+                    <a:lnT>
+                      <a:noFill/>
+                    </a:lnT>
+                    <a:lnB>
+                      <a:noFill/>
+                    </a:lnB>
+                    <a:solidFill>
+                      <a:srgbClr val="FFFFFF"/>
+                    </a:solidFill>
+                  </a:tcPr>
+                </a:tc>
+                <a:tc>
+                  <a:txBody>
+                    <a:bodyPr/>
+                    <a:lstStyle/>
+                    <a:p>
+                      <a:pPr marL="0" marR="0" fontAlgn="t">
+                        <a:spcBef>
+                          <a:spcPts val="0"/>
+                        </a:spcBef>
+                        <a:spcAft>
+                          <a:spcPts val="0"/>
+                        </a:spcAft>
+                      </a:pPr>
+                      <a:endParaRPr lang="ko-KR" sz="1400" dirty="0">
+                        <a:solidFill>
+                          <a:srgbClr val="1F1F1F"/>
+                        </a:solidFill>
+                        <a:effectLst/>
+                        <a:ea typeface="Google Sans"/>
+                      </a:endParaRPr>
+                    </a:p>
+                  </a:txBody>
+                  <a:tcPr marL="50800" marR="50800" marT="50800" marB="50800">
+                    <a:lnL>
+                      <a:noFill/>
+                    </a:lnL>
+                    <a:lnR>
+                      <a:noFill/>
+                    </a:lnR>
+                    <a:lnT>
+                      <a:noFill/>
+                    </a:lnT>
+                    <a:lnB>
+                      <a:noFill/>
+                    </a:lnB>
+                    <a:solidFill>
+                      <a:srgbClr val="FFFFFF"/>
+                    </a:solidFill>
+                  </a:tcPr>
+                </a:tc>
+                <a:extLst>
+                  <a:ext uri="{0D108BD9-81ED-4DB2-BD59-A6C34878D82A}">
+                    <a16:rowId xmlns:a16="http://schemas.microsoft.com/office/drawing/2014/main" val="3583762308"/>
+                  </a:ext>
+                </a:extLst>
+              </a:tr>
+              <a:tr h="367459">
+                <a:tc>
+                  <a:txBody>
+                    <a:bodyPr/>
+                    <a:lstStyle/>
+                    <a:p>
+                      <a:pPr marL="0" marR="0" fontAlgn="t">
+                        <a:spcBef>
+                          <a:spcPts val="0"/>
+                        </a:spcBef>
+                        <a:spcAft>
+                          <a:spcPts val="0"/>
+                        </a:spcAft>
+                      </a:pPr>
+                      <a:r>
+                        <a:rPr lang="ko-KR" sz="1400" dirty="0" err="1">
+                          <a:solidFill>
+                            <a:srgbClr val="1F1F1F"/>
+                          </a:solidFill>
+                          <a:effectLst/>
+                          <a:ea typeface="Google Sans"/>
+                        </a:rPr>
+                        <a:t>Number</a:t>
+                      </a:r>
+                      <a:r>
+                        <a:rPr lang="ko-KR" sz="1400" dirty="0">
+                          <a:solidFill>
+                            <a:srgbClr val="1F1F1F"/>
+                          </a:solidFill>
+                          <a:effectLst/>
+                          <a:ea typeface="Google Sans"/>
+                        </a:rPr>
+                        <a:t> of </a:t>
+                      </a:r>
+                      <a:r>
+                        <a:rPr lang="ko-KR" sz="1400" dirty="0" err="1">
+                          <a:solidFill>
+                            <a:srgbClr val="1F1F1F"/>
+                          </a:solidFill>
+                          <a:effectLst/>
+                          <a:ea typeface="Google Sans"/>
+                        </a:rPr>
+                        <a:t>parameters</a:t>
+                      </a:r>
+                      <a:endParaRPr lang="ko-KR" sz="1400" dirty="0">
+                        <a:solidFill>
+                          <a:srgbClr val="1F1F1F"/>
+                        </a:solidFill>
+                        <a:effectLst/>
+                        <a:ea typeface="Google Sans"/>
+                      </a:endParaRPr>
+                    </a:p>
+                  </a:txBody>
+                  <a:tcPr marL="50800" marR="50800" marT="50800" marB="50800">
+                    <a:lnL>
+                      <a:noFill/>
+                    </a:lnL>
+                    <a:lnR>
+                      <a:noFill/>
+                    </a:lnR>
+                    <a:lnT>
+                      <a:noFill/>
+                    </a:lnT>
+                    <a:lnB>
+                      <a:noFill/>
+                    </a:lnB>
+                    <a:solidFill>
+                      <a:srgbClr val="FFFFFF"/>
+                    </a:solidFill>
+                  </a:tcPr>
+                </a:tc>
+                <a:tc>
+                  <a:txBody>
+                    <a:bodyPr/>
+                    <a:lstStyle/>
+                    <a:p>
+                      <a:pPr marL="0" marR="0" fontAlgn="t">
+                        <a:spcBef>
+                          <a:spcPts val="0"/>
+                        </a:spcBef>
+                        <a:spcAft>
+                          <a:spcPts val="0"/>
+                        </a:spcAft>
+                      </a:pPr>
+                      <a:r>
+                        <a:rPr lang="ko-KR" sz="1400" dirty="0">
+                          <a:solidFill>
+                            <a:srgbClr val="1F1F1F"/>
+                          </a:solidFill>
+                          <a:effectLst/>
+                          <a:ea typeface="Google Sans"/>
+                        </a:rPr>
+                        <a:t>137M</a:t>
+                      </a:r>
+                    </a:p>
+                  </a:txBody>
+                  <a:tcPr marL="50800" marR="50800" marT="50800" marB="50800">
+                    <a:lnL>
+                      <a:noFill/>
+                    </a:lnL>
+                    <a:lnR>
+                      <a:noFill/>
+                    </a:lnR>
+                    <a:lnT>
+                      <a:noFill/>
+                    </a:lnT>
+                    <a:lnB>
+                      <a:noFill/>
+                    </a:lnB>
+                    <a:solidFill>
+                      <a:srgbClr val="FFFFFF"/>
+                    </a:solidFill>
+                  </a:tcPr>
+                </a:tc>
+                <a:tc>
+                  <a:txBody>
+                    <a:bodyPr/>
+                    <a:lstStyle/>
+                    <a:p>
+                      <a:pPr marL="0" marR="0" fontAlgn="t">
+                        <a:spcBef>
+                          <a:spcPts val="0"/>
+                        </a:spcBef>
+                        <a:spcAft>
+                          <a:spcPts val="0"/>
+                        </a:spcAft>
+                      </a:pPr>
+                      <a:r>
+                        <a:rPr lang="ko-KR" sz="1400" dirty="0">
+                          <a:solidFill>
+                            <a:srgbClr val="1F1F1F"/>
+                          </a:solidFill>
+                          <a:effectLst/>
+                          <a:ea typeface="Google Sans"/>
+                        </a:rPr>
+                        <a:t>150M</a:t>
+                      </a:r>
+                    </a:p>
+                  </a:txBody>
+                  <a:tcPr marL="50800" marR="50800" marT="50800" marB="50800">
+                    <a:lnL>
+                      <a:noFill/>
+                    </a:lnL>
+                    <a:lnR>
+                      <a:noFill/>
+                    </a:lnR>
+                    <a:lnT>
+                      <a:noFill/>
+                    </a:lnT>
+                    <a:lnB>
+                      <a:noFill/>
+                    </a:lnB>
+                    <a:solidFill>
+                      <a:srgbClr val="FFFFFF"/>
+                    </a:solidFill>
+                  </a:tcPr>
+                </a:tc>
+                <a:tc>
+                  <a:txBody>
+                    <a:bodyPr/>
+                    <a:lstStyle/>
+                    <a:p>
+                      <a:pPr marL="0" marR="0" fontAlgn="t">
+                        <a:spcBef>
+                          <a:spcPts val="0"/>
+                        </a:spcBef>
+                        <a:spcAft>
+                          <a:spcPts val="0"/>
+                        </a:spcAft>
+                      </a:pPr>
+                      <a:r>
+                        <a:rPr lang="ko-KR" sz="1400" dirty="0">
+                          <a:solidFill>
+                            <a:srgbClr val="1F1F1F"/>
+                          </a:solidFill>
+                          <a:effectLst/>
+                          <a:ea typeface="Google Sans"/>
+                        </a:rPr>
+                        <a:t>1.75B</a:t>
+                      </a:r>
+                    </a:p>
+                  </a:txBody>
+                  <a:tcPr marL="50800" marR="50800" marT="50800" marB="50800">
+                    <a:lnL>
+                      <a:noFill/>
+                    </a:lnL>
+                    <a:lnR>
+                      <a:noFill/>
+                    </a:lnR>
+                    <a:lnT>
+                      <a:noFill/>
+                    </a:lnT>
+                    <a:lnB>
+                      <a:noFill/>
+                    </a:lnB>
+                    <a:solidFill>
+                      <a:srgbClr val="FFFFFF"/>
+                    </a:solidFill>
+                  </a:tcPr>
+                </a:tc>
+                <a:extLst>
+                  <a:ext uri="{0D108BD9-81ED-4DB2-BD59-A6C34878D82A}">
+                    <a16:rowId xmlns:a16="http://schemas.microsoft.com/office/drawing/2014/main" val="4112302274"/>
+                  </a:ext>
+                </a:extLst>
+              </a:tr>
+              <a:tr h="446200">
+                <a:tc>
+                  <a:txBody>
+                    <a:bodyPr/>
+                    <a:lstStyle/>
+                    <a:p>
+                      <a:pPr marL="0" marR="0" fontAlgn="t">
+                        <a:spcBef>
+                          <a:spcPts val="0"/>
+                        </a:spcBef>
+                        <a:spcAft>
+                          <a:spcPts val="0"/>
+                        </a:spcAft>
+                      </a:pPr>
+                      <a:r>
+                        <a:rPr lang="ko-KR" sz="1600" b="1" dirty="0" err="1">
+                          <a:solidFill>
+                            <a:srgbClr val="1F1F1F"/>
+                          </a:solidFill>
+                          <a:effectLst/>
+                          <a:ea typeface="Google Sans"/>
+                        </a:rPr>
+                        <a:t>Training</a:t>
+                      </a:r>
+                      <a:r>
+                        <a:rPr lang="ko-KR" sz="1600" b="1" dirty="0">
+                          <a:solidFill>
+                            <a:srgbClr val="1F1F1F"/>
+                          </a:solidFill>
+                          <a:effectLst/>
+                          <a:ea typeface="Google Sans"/>
+                        </a:rPr>
+                        <a:t> </a:t>
+                      </a:r>
+                      <a:r>
+                        <a:rPr lang="ko-KR" sz="1600" b="1" dirty="0" err="1">
+                          <a:solidFill>
+                            <a:srgbClr val="1F1F1F"/>
+                          </a:solidFill>
+                          <a:effectLst/>
+                          <a:ea typeface="Google Sans"/>
+                        </a:rPr>
+                        <a:t>data</a:t>
+                      </a:r>
+                      <a:endParaRPr lang="ko-KR" sz="1600" b="1" dirty="0">
+                        <a:solidFill>
+                          <a:srgbClr val="1F1F1F"/>
+                        </a:solidFill>
+                        <a:effectLst/>
+                        <a:ea typeface="Google Sans"/>
+                      </a:endParaRPr>
+                    </a:p>
+                  </a:txBody>
+                  <a:tcPr marL="50800" marR="50800" marT="50800" marB="50800">
+                    <a:lnL>
+                      <a:noFill/>
+                    </a:lnL>
+                    <a:lnR>
+                      <a:noFill/>
+                    </a:lnR>
+                    <a:lnT>
+                      <a:noFill/>
+                    </a:lnT>
+                    <a:lnB>
+                      <a:noFill/>
+                    </a:lnB>
+                    <a:solidFill>
+                      <a:srgbClr val="FFFFFF"/>
+                    </a:solidFill>
+                  </a:tcPr>
+                </a:tc>
+                <a:tc>
+                  <a:txBody>
+                    <a:bodyPr/>
+                    <a:lstStyle/>
+                    <a:p>
+                      <a:pPr marL="0" marR="0" fontAlgn="t">
+                        <a:spcBef>
+                          <a:spcPts val="0"/>
+                        </a:spcBef>
+                        <a:spcAft>
+                          <a:spcPts val="0"/>
+                        </a:spcAft>
+                      </a:pPr>
+                      <a:r>
+                        <a:rPr lang="ko-KR" sz="1800" b="1" dirty="0">
+                          <a:solidFill>
+                            <a:srgbClr val="1F1F1F"/>
+                          </a:solidFill>
+                          <a:effectLst/>
+                          <a:highlight>
+                            <a:srgbClr val="FFFF00"/>
+                          </a:highlight>
+                          <a:ea typeface="Google Sans"/>
+                        </a:rPr>
+                        <a:t>1.56B </a:t>
+                      </a:r>
+                    </a:p>
+                  </a:txBody>
+                  <a:tcPr marL="50800" marR="50800" marT="50800" marB="50800">
+                    <a:lnL>
+                      <a:noFill/>
+                    </a:lnL>
+                    <a:lnR>
+                      <a:noFill/>
+                    </a:lnR>
+                    <a:lnT>
+                      <a:noFill/>
+                    </a:lnT>
+                    <a:lnB>
+                      <a:noFill/>
+                    </a:lnB>
+                    <a:solidFill>
+                      <a:srgbClr val="FFFFFF"/>
+                    </a:solidFill>
+                  </a:tcPr>
+                </a:tc>
+                <a:tc>
+                  <a:txBody>
+                    <a:bodyPr/>
+                    <a:lstStyle/>
+                    <a:p>
+                      <a:pPr marL="0" marR="0" fontAlgn="t">
+                        <a:spcBef>
+                          <a:spcPts val="0"/>
+                        </a:spcBef>
+                        <a:spcAft>
+                          <a:spcPts val="0"/>
+                        </a:spcAft>
+                      </a:pPr>
+                      <a:r>
+                        <a:rPr lang="ko-KR" sz="1800" b="1" dirty="0">
+                          <a:solidFill>
+                            <a:srgbClr val="1F1F1F"/>
+                          </a:solidFill>
+                          <a:effectLst/>
+                          <a:highlight>
+                            <a:srgbClr val="FFFF00"/>
+                          </a:highlight>
+                          <a:ea typeface="Google Sans"/>
+                        </a:rPr>
+                        <a:t>2B </a:t>
+                      </a:r>
+                    </a:p>
+                  </a:txBody>
+                  <a:tcPr marL="50800" marR="50800" marT="50800" marB="50800">
+                    <a:lnL>
+                      <a:noFill/>
+                    </a:lnL>
+                    <a:lnR>
+                      <a:noFill/>
+                    </a:lnR>
+                    <a:lnT>
+                      <a:noFill/>
+                    </a:lnT>
+                    <a:lnB>
+                      <a:noFill/>
+                    </a:lnB>
+                    <a:solidFill>
+                      <a:srgbClr val="FFFFFF"/>
+                    </a:solidFill>
+                  </a:tcPr>
+                </a:tc>
+                <a:tc>
+                  <a:txBody>
+                    <a:bodyPr/>
+                    <a:lstStyle/>
+                    <a:p>
+                      <a:pPr marL="0" marR="0" fontAlgn="t">
+                        <a:spcBef>
+                          <a:spcPts val="0"/>
+                        </a:spcBef>
+                        <a:spcAft>
+                          <a:spcPts val="0"/>
+                        </a:spcAft>
+                      </a:pPr>
+                      <a:r>
+                        <a:rPr lang="ko-KR" sz="1800" b="1" dirty="0">
+                          <a:solidFill>
+                            <a:srgbClr val="1F1F1F"/>
+                          </a:solidFill>
+                          <a:effectLst/>
+                          <a:highlight>
+                            <a:srgbClr val="FFFF00"/>
+                          </a:highlight>
+                          <a:ea typeface="Google Sans"/>
+                        </a:rPr>
+                        <a:t>600B </a:t>
+                      </a:r>
+                      <a:r>
+                        <a:rPr lang="ko-KR" sz="1800" b="1" dirty="0" err="1">
+                          <a:solidFill>
+                            <a:srgbClr val="1F1F1F"/>
+                          </a:solidFill>
+                          <a:effectLst/>
+                          <a:highlight>
+                            <a:srgbClr val="FFFF00"/>
+                          </a:highlight>
+                          <a:ea typeface="Google Sans"/>
+                        </a:rPr>
+                        <a:t>tokens</a:t>
+                      </a:r>
+                      <a:endParaRPr lang="ko-KR" sz="1800" b="1" dirty="0">
+                        <a:solidFill>
+                          <a:srgbClr val="1F1F1F"/>
+                        </a:solidFill>
+                        <a:effectLst/>
+                        <a:highlight>
+                          <a:srgbClr val="FFFF00"/>
+                        </a:highlight>
+                        <a:ea typeface="Google Sans"/>
+                      </a:endParaRPr>
+                    </a:p>
+                  </a:txBody>
+                  <a:tcPr marL="50800" marR="50800" marT="50800" marB="50800">
+                    <a:lnL>
+                      <a:noFill/>
+                    </a:lnL>
+                    <a:lnR>
+                      <a:noFill/>
+                    </a:lnR>
+                    <a:lnT>
+                      <a:noFill/>
+                    </a:lnT>
+                    <a:lnB>
+                      <a:noFill/>
+                    </a:lnB>
+                    <a:solidFill>
+                      <a:srgbClr val="FFFFFF"/>
+                    </a:solidFill>
+                  </a:tcPr>
+                </a:tc>
+                <a:extLst>
+                  <a:ext uri="{0D108BD9-81ED-4DB2-BD59-A6C34878D82A}">
+                    <a16:rowId xmlns:a16="http://schemas.microsoft.com/office/drawing/2014/main" val="4222142789"/>
+                  </a:ext>
+                </a:extLst>
+              </a:tr>
+              <a:tr h="367459">
+                <a:tc>
+                  <a:txBody>
+                    <a:bodyPr/>
+                    <a:lstStyle/>
+                    <a:p>
+                      <a:pPr marL="0" marR="0" fontAlgn="t">
+                        <a:spcBef>
+                          <a:spcPts val="0"/>
+                        </a:spcBef>
+                        <a:spcAft>
+                          <a:spcPts val="0"/>
+                        </a:spcAft>
+                      </a:pPr>
+                      <a:r>
+                        <a:rPr lang="ko-KR" sz="1400" dirty="0" err="1">
+                          <a:solidFill>
+                            <a:srgbClr val="1F1F1F"/>
+                          </a:solidFill>
+                          <a:effectLst/>
+                          <a:ea typeface="Google Sans"/>
+                        </a:rPr>
+                        <a:t>Scaling</a:t>
+                      </a:r>
+                      <a:r>
+                        <a:rPr lang="ko-KR" sz="1400" dirty="0">
+                          <a:solidFill>
+                            <a:srgbClr val="1F1F1F"/>
+                          </a:solidFill>
+                          <a:effectLst/>
+                          <a:ea typeface="Google Sans"/>
+                        </a:rPr>
+                        <a:t> </a:t>
+                      </a:r>
+                      <a:r>
+                        <a:rPr lang="ko-KR" sz="1400" dirty="0" err="1">
+                          <a:solidFill>
+                            <a:srgbClr val="1F1F1F"/>
+                          </a:solidFill>
+                          <a:effectLst/>
+                          <a:ea typeface="Google Sans"/>
+                        </a:rPr>
+                        <a:t>laws</a:t>
+                      </a:r>
+                      <a:endParaRPr lang="ko-KR" sz="1400" dirty="0">
+                        <a:solidFill>
+                          <a:srgbClr val="1F1F1F"/>
+                        </a:solidFill>
+                        <a:effectLst/>
+                        <a:ea typeface="Google Sans"/>
+                      </a:endParaRPr>
+                    </a:p>
+                  </a:txBody>
+                  <a:tcPr marL="50800" marR="50800" marT="50800" marB="50800">
+                    <a:lnL>
+                      <a:noFill/>
+                    </a:lnL>
+                    <a:lnR>
+                      <a:noFill/>
+                    </a:lnR>
+                    <a:lnT>
+                      <a:noFill/>
+                    </a:lnT>
+                    <a:lnB>
+                      <a:noFill/>
+                    </a:lnB>
+                    <a:solidFill>
+                      <a:srgbClr val="FFFFFF"/>
+                    </a:solidFill>
+                  </a:tcPr>
+                </a:tc>
+                <a:tc>
+                  <a:txBody>
+                    <a:bodyPr/>
+                    <a:lstStyle/>
+                    <a:p>
+                      <a:pPr marL="0" marR="0" fontAlgn="t">
+                        <a:spcBef>
+                          <a:spcPts val="0"/>
+                        </a:spcBef>
+                        <a:spcAft>
+                          <a:spcPts val="0"/>
+                        </a:spcAft>
+                      </a:pPr>
+                      <a:r>
+                        <a:rPr lang="ko-KR" sz="1400" dirty="0" err="1">
+                          <a:solidFill>
+                            <a:srgbClr val="1F1F1F"/>
+                          </a:solidFill>
+                          <a:effectLst/>
+                          <a:ea typeface="Google Sans"/>
+                        </a:rPr>
+                        <a:t>Linear</a:t>
+                      </a:r>
+                      <a:endParaRPr lang="ko-KR" sz="1400" dirty="0">
+                        <a:solidFill>
+                          <a:srgbClr val="1F1F1F"/>
+                        </a:solidFill>
+                        <a:effectLst/>
+                        <a:ea typeface="Google Sans"/>
+                      </a:endParaRPr>
+                    </a:p>
+                  </a:txBody>
+                  <a:tcPr marL="50800" marR="50800" marT="50800" marB="50800">
+                    <a:lnL>
+                      <a:noFill/>
+                    </a:lnL>
+                    <a:lnR>
+                      <a:noFill/>
+                    </a:lnR>
+                    <a:lnT>
+                      <a:noFill/>
+                    </a:lnT>
+                    <a:lnB>
+                      <a:noFill/>
+                    </a:lnB>
+                    <a:solidFill>
+                      <a:srgbClr val="FFFFFF"/>
+                    </a:solidFill>
+                  </a:tcPr>
+                </a:tc>
+                <a:tc>
+                  <a:txBody>
+                    <a:bodyPr/>
+                    <a:lstStyle/>
+                    <a:p>
+                      <a:pPr marL="0" marR="0" fontAlgn="t">
+                        <a:spcBef>
+                          <a:spcPts val="0"/>
+                        </a:spcBef>
+                        <a:spcAft>
+                          <a:spcPts val="0"/>
+                        </a:spcAft>
+                      </a:pPr>
+                      <a:r>
+                        <a:rPr lang="ko-KR" sz="1400" dirty="0" err="1">
+                          <a:solidFill>
+                            <a:srgbClr val="1F1F1F"/>
+                          </a:solidFill>
+                          <a:effectLst/>
+                          <a:ea typeface="Google Sans"/>
+                        </a:rPr>
+                        <a:t>Sublinear</a:t>
+                      </a:r>
+                      <a:endParaRPr lang="ko-KR" sz="1400" dirty="0">
+                        <a:solidFill>
+                          <a:srgbClr val="1F1F1F"/>
+                        </a:solidFill>
+                        <a:effectLst/>
+                        <a:ea typeface="Google Sans"/>
+                      </a:endParaRPr>
+                    </a:p>
+                  </a:txBody>
+                  <a:tcPr marL="50800" marR="50800" marT="50800" marB="50800">
+                    <a:lnL>
+                      <a:noFill/>
+                    </a:lnL>
+                    <a:lnR>
+                      <a:noFill/>
+                    </a:lnR>
+                    <a:lnT>
+                      <a:noFill/>
+                    </a:lnT>
+                    <a:lnB>
+                      <a:noFill/>
+                    </a:lnB>
+                    <a:solidFill>
+                      <a:srgbClr val="FFFFFF"/>
+                    </a:solidFill>
+                  </a:tcPr>
+                </a:tc>
+                <a:tc>
+                  <a:txBody>
+                    <a:bodyPr/>
+                    <a:lstStyle/>
+                    <a:p>
+                      <a:pPr marL="0" marR="0" fontAlgn="t">
+                        <a:spcBef>
+                          <a:spcPts val="0"/>
+                        </a:spcBef>
+                        <a:spcAft>
+                          <a:spcPts val="0"/>
+                        </a:spcAft>
+                      </a:pPr>
+                      <a:r>
+                        <a:rPr lang="ko-KR" sz="1400" dirty="0" err="1">
+                          <a:solidFill>
+                            <a:srgbClr val="1F1F1F"/>
+                          </a:solidFill>
+                          <a:effectLst/>
+                          <a:ea typeface="Google Sans"/>
+                        </a:rPr>
+                        <a:t>Superlinear</a:t>
+                      </a:r>
+                      <a:endParaRPr lang="ko-KR" sz="1400" dirty="0">
+                        <a:solidFill>
+                          <a:srgbClr val="1F1F1F"/>
+                        </a:solidFill>
+                        <a:effectLst/>
+                        <a:ea typeface="Google Sans"/>
+                      </a:endParaRPr>
+                    </a:p>
+                  </a:txBody>
+                  <a:tcPr marL="50800" marR="50800" marT="50800" marB="50800">
+                    <a:lnL>
+                      <a:noFill/>
+                    </a:lnL>
+                    <a:lnR>
+                      <a:noFill/>
+                    </a:lnR>
+                    <a:lnT>
+                      <a:noFill/>
+                    </a:lnT>
+                    <a:lnB>
+                      <a:noFill/>
+                    </a:lnB>
+                    <a:solidFill>
+                      <a:srgbClr val="FFFFFF"/>
+                    </a:solidFill>
+                  </a:tcPr>
+                </a:tc>
+                <a:extLst>
+                  <a:ext uri="{0D108BD9-81ED-4DB2-BD59-A6C34878D82A}">
+                    <a16:rowId xmlns:a16="http://schemas.microsoft.com/office/drawing/2014/main" val="2013359602"/>
+                  </a:ext>
+                </a:extLst>
+              </a:tr>
+            </a:tbl>
+          </a:graphicData>
+        </a:graphic>
+      </p:graphicFrame>
+      <p:sp>
+        <p:nvSpPr>
+          <p:cNvPr id="22" name="직사각형 21">
+            <a:extLst>
+              <a:ext uri="{FF2B5EF4-FFF2-40B4-BE49-F238E27FC236}">
+                <a16:creationId xmlns:a16="http://schemas.microsoft.com/office/drawing/2014/main" id="{E9F34038-1077-4B17-898D-40A030BDE845}"/>
+              </a:ext>
+            </a:extLst>
+          </p:cNvPr>
+          <p:cNvSpPr/>
+          <p:nvPr/>
+        </p:nvSpPr>
+        <p:spPr>
+          <a:xfrm>
+            <a:off x="3032159" y="1129048"/>
+            <a:ext cx="2007281" cy="830997"/>
+          </a:xfrm>
+          <a:prstGeom prst="rect">
+            <a:avLst/>
+          </a:prstGeom>
+        </p:spPr>
+        <p:txBody>
+          <a:bodyPr wrap="none">
+            <a:spAutoFit/>
+          </a:bodyPr>
+          <a:lstStyle/>
+          <a:p>
+            <a:r>
+              <a:rPr lang="en-US" altLang="ko-KR" sz="1200" dirty="0"/>
+              <a:t>ImageNet Challenge 2012</a:t>
+            </a:r>
+          </a:p>
+          <a:p>
+            <a:r>
+              <a:rPr lang="en-US" altLang="ko-KR" sz="1200" dirty="0"/>
+              <a:t>AlphaGo 2016</a:t>
+            </a:r>
+          </a:p>
+          <a:p>
+            <a:r>
+              <a:rPr lang="en-US" altLang="ko-KR" sz="1200" dirty="0" err="1"/>
+              <a:t>AlphaZero</a:t>
+            </a:r>
+            <a:r>
+              <a:rPr lang="en-US" altLang="ko-KR" sz="1200" dirty="0"/>
+              <a:t> 2017</a:t>
+            </a:r>
+          </a:p>
+          <a:p>
+            <a:endParaRPr lang="ko-KR" altLang="en-US" sz="1200" dirty="0"/>
+          </a:p>
+        </p:txBody>
+      </p:sp>
+      <p:sp>
+        <p:nvSpPr>
+          <p:cNvPr id="24" name="직사각형 23">
+            <a:extLst>
+              <a:ext uri="{FF2B5EF4-FFF2-40B4-BE49-F238E27FC236}">
+                <a16:creationId xmlns:a16="http://schemas.microsoft.com/office/drawing/2014/main" id="{CA4C6A2A-0561-47BA-AE89-71FF519AACDE}"/>
+              </a:ext>
+            </a:extLst>
+          </p:cNvPr>
+          <p:cNvSpPr/>
+          <p:nvPr/>
+        </p:nvSpPr>
+        <p:spPr>
+          <a:xfrm>
+            <a:off x="1763412" y="130629"/>
+            <a:ext cx="1878475" cy="300805"/>
+          </a:xfrm>
+          <a:prstGeom prst="rect">
+            <a:avLst/>
+          </a:prstGeom>
+        </p:spPr>
+        <p:style>
+          <a:lnRef idx="2">
+            <a:schemeClr val="accent1">
+              <a:shade val="50000"/>
+            </a:schemeClr>
+          </a:lnRef>
+          <a:fillRef idx="1">
+            <a:schemeClr val="accent1"/>
+          </a:fillRef>
+          <a:effectRef idx="0">
+            <a:schemeClr val="accent1"/>
+          </a:effectRef>
+          <a:fontRef idx="minor">
+            <a:schemeClr val="lt1"/>
+          </a:fontRef>
+        </p:style>
+        <p:txBody>
+          <a:bodyPr rtlCol="0" anchor="ctr"/>
+          <a:lstStyle/>
+          <a:p>
+            <a:pPr algn="ctr"/>
+            <a:r>
+              <a:rPr lang="ko-KR" altLang="ko-KR" sz="900" dirty="0" err="1">
+                <a:ea typeface="Arial" panose="020B0604020202020204" pitchFamily="34" charset="0"/>
+              </a:rPr>
+              <a:t>Gradient</a:t>
+            </a:r>
+            <a:r>
+              <a:rPr lang="ko-KR" altLang="ko-KR" sz="900" dirty="0">
+                <a:ea typeface="Arial" panose="020B0604020202020204" pitchFamily="34" charset="0"/>
+              </a:rPr>
+              <a:t> </a:t>
+            </a:r>
+            <a:r>
+              <a:rPr lang="ko-KR" altLang="ko-KR" sz="900" dirty="0" err="1">
+                <a:ea typeface="Arial" panose="020B0604020202020204" pitchFamily="34" charset="0"/>
+              </a:rPr>
+              <a:t>Descent</a:t>
+            </a:r>
+            <a:r>
+              <a:rPr lang="en-US" altLang="ko-KR" sz="900" dirty="0">
+                <a:ea typeface="Arial" panose="020B0604020202020204" pitchFamily="34" charset="0"/>
+              </a:rPr>
+              <a:t>  </a:t>
+            </a:r>
+            <a:r>
+              <a:rPr lang="en-US" altLang="ko-KR" sz="900" dirty="0"/>
+              <a:t>1951</a:t>
+            </a:r>
+            <a:endParaRPr lang="ko-KR" altLang="en-US" sz="900" dirty="0"/>
+          </a:p>
+        </p:txBody>
+      </p:sp>
+      <p:sp>
+        <p:nvSpPr>
+          <p:cNvPr id="25" name="직사각형 24">
+            <a:extLst>
+              <a:ext uri="{FF2B5EF4-FFF2-40B4-BE49-F238E27FC236}">
+                <a16:creationId xmlns:a16="http://schemas.microsoft.com/office/drawing/2014/main" id="{B0D86097-733C-488E-A086-CE09AF260E83}"/>
+              </a:ext>
+            </a:extLst>
+          </p:cNvPr>
+          <p:cNvSpPr/>
+          <p:nvPr/>
+        </p:nvSpPr>
+        <p:spPr>
+          <a:xfrm>
+            <a:off x="3892577" y="130629"/>
+            <a:ext cx="2070697" cy="300805"/>
+          </a:xfrm>
+          <a:prstGeom prst="rect">
+            <a:avLst/>
+          </a:prstGeom>
+        </p:spPr>
+        <p:style>
+          <a:lnRef idx="2">
+            <a:schemeClr val="accent1">
+              <a:shade val="50000"/>
+            </a:schemeClr>
+          </a:lnRef>
+          <a:fillRef idx="1">
+            <a:schemeClr val="accent1"/>
+          </a:fillRef>
+          <a:effectRef idx="0">
+            <a:schemeClr val="accent1"/>
+          </a:effectRef>
+          <a:fontRef idx="minor">
+            <a:schemeClr val="lt1"/>
+          </a:fontRef>
+        </p:style>
+        <p:txBody>
+          <a:bodyPr rtlCol="0" anchor="ctr"/>
+          <a:lstStyle/>
+          <a:p>
+            <a:pPr algn="ctr"/>
+            <a:r>
+              <a:rPr lang="ko-KR" altLang="ko-KR" sz="900" dirty="0" err="1">
+                <a:ea typeface="Arial" panose="020B0604020202020204" pitchFamily="34" charset="0"/>
+              </a:rPr>
+              <a:t>Logistic</a:t>
+            </a:r>
+            <a:r>
+              <a:rPr lang="ko-KR" altLang="ko-KR" sz="900" dirty="0">
+                <a:ea typeface="Arial" panose="020B0604020202020204" pitchFamily="34" charset="0"/>
+              </a:rPr>
+              <a:t> </a:t>
+            </a:r>
+            <a:r>
+              <a:rPr lang="ko-KR" altLang="ko-KR" sz="900" dirty="0" err="1">
+                <a:ea typeface="Arial" panose="020B0604020202020204" pitchFamily="34" charset="0"/>
+              </a:rPr>
+              <a:t>regression</a:t>
+            </a:r>
+            <a:r>
+              <a:rPr lang="en-US" altLang="ko-KR" sz="900" dirty="0">
+                <a:ea typeface="Arial" panose="020B0604020202020204" pitchFamily="34" charset="0"/>
+              </a:rPr>
+              <a:t> </a:t>
+            </a:r>
+            <a:r>
+              <a:rPr lang="en-US" altLang="ko-KR" sz="900" dirty="0"/>
+              <a:t>1958</a:t>
+            </a:r>
+            <a:endParaRPr lang="ko-KR" altLang="en-US" sz="900" dirty="0"/>
+          </a:p>
+        </p:txBody>
+      </p:sp>
+    </p:spTree>
+    <p:extLst>
+      <p:ext uri="{BB962C8B-B14F-4D97-AF65-F5344CB8AC3E}">
+        <p14:creationId xmlns:p14="http://schemas.microsoft.com/office/powerpoint/2010/main" val="2348298380"/>
+      </p:ext>
+    </p:extLst>
+  </p:cSld>
+  <p:clrMapOvr>
+    <a:masterClrMapping/>
+  </p:clrMapOvr>
+</p:sld>
+</file>
+
+<file path=ppt/slides/slide4.xml><?xml version="1.0" encoding="utf-8"?>
+<p:sld xmlns:a="http://schemas.openxmlformats.org/drawingml/2006/main" xmlns:r="http://schemas.openxmlformats.org/officeDocument/2006/relationships" xmlns:p="http://schemas.openxmlformats.org/presentationml/2006/main">
+  <p:cSld>
+    <p:spTree>
+      <p:nvGrpSpPr>
+        <p:cNvPr id="1" name=""/>
+        <p:cNvGrpSpPr/>
+        <p:nvPr/>
+      </p:nvGrpSpPr>
+      <p:grpSpPr>
+        <a:xfrm>
+          <a:off x="0" y="0"/>
+          <a:ext cx="0" cy="0"/>
+          <a:chOff x="0" y="0"/>
+          <a:chExt cx="0" cy="0"/>
+        </a:xfrm>
+      </p:grpSpPr>
+      <p:graphicFrame>
+        <p:nvGraphicFramePr>
+          <p:cNvPr id="4" name="표 3">
+            <a:extLst>
+              <a:ext uri="{FF2B5EF4-FFF2-40B4-BE49-F238E27FC236}">
+                <a16:creationId xmlns:a16="http://schemas.microsoft.com/office/drawing/2014/main" id="{AE57856F-C48B-4255-B4DE-BB308FE9A6E1}"/>
+              </a:ext>
+            </a:extLst>
+          </p:cNvPr>
+          <p:cNvGraphicFramePr>
+            <a:graphicFrameLocks noGrp="1"/>
+          </p:cNvGraphicFramePr>
+          <p:nvPr>
+            <p:extLst>
+              <p:ext uri="{D42A27DB-BD31-4B8C-83A1-F6EECF244321}">
+                <p14:modId xmlns:p14="http://schemas.microsoft.com/office/powerpoint/2010/main" val="4200005263"/>
+              </p:ext>
+            </p:extLst>
+          </p:nvPr>
+        </p:nvGraphicFramePr>
+        <p:xfrm>
+          <a:off x="2818701" y="411061"/>
+          <a:ext cx="6358855" cy="5880686"/>
+        </p:xfrm>
+        <a:graphic>
+          <a:graphicData uri="http://schemas.openxmlformats.org/drawingml/2006/table">
+            <a:tbl>
+              <a:tblPr/>
+              <a:tblGrid>
+                <a:gridCol w="776970">
+                  <a:extLst>
+                    <a:ext uri="{9D8B030D-6E8A-4147-A177-3AD203B41FA5}">
+                      <a16:colId xmlns:a16="http://schemas.microsoft.com/office/drawing/2014/main" val="2011376363"/>
+                    </a:ext>
+                  </a:extLst>
+                </a:gridCol>
+                <a:gridCol w="2745091">
+                  <a:extLst>
+                    <a:ext uri="{9D8B030D-6E8A-4147-A177-3AD203B41FA5}">
+                      <a16:colId xmlns:a16="http://schemas.microsoft.com/office/drawing/2014/main" val="3588331556"/>
+                    </a:ext>
+                  </a:extLst>
+                </a:gridCol>
+                <a:gridCol w="2836794">
+                  <a:extLst>
+                    <a:ext uri="{9D8B030D-6E8A-4147-A177-3AD203B41FA5}">
+                      <a16:colId xmlns:a16="http://schemas.microsoft.com/office/drawing/2014/main" val="3953601672"/>
+                    </a:ext>
+                  </a:extLst>
+                </a:gridCol>
+              </a:tblGrid>
+              <a:tr h="271274">
+                <a:tc>
+                  <a:txBody>
+                    <a:bodyPr/>
+                    <a:lstStyle/>
+                    <a:p>
+                      <a:pPr marL="0" marR="0" fontAlgn="t">
+                        <a:spcBef>
+                          <a:spcPts val="0"/>
+                        </a:spcBef>
+                        <a:spcAft>
+                          <a:spcPts val="0"/>
+                        </a:spcAft>
+                      </a:pPr>
+                      <a:r>
+                        <a:rPr lang="ko-KR" sz="900">
+                          <a:effectLst/>
+                          <a:ea typeface="Arial" panose="020B0604020202020204" pitchFamily="34" charset="0"/>
+                        </a:rPr>
+                        <a:t>Year</a:t>
+                      </a:r>
+                    </a:p>
+                  </a:txBody>
+                  <a:tcPr marL="37127" marR="37127" marT="37127" marB="37127">
+                    <a:lnL w="12700" cap="flat" cmpd="sng" algn="ctr">
+                      <a:solidFill>
+                        <a:srgbClr val="A3A3A3"/>
+                      </a:solidFill>
+                      <a:prstDash val="solid"/>
+                      <a:round/>
+                      <a:headEnd type="none" w="med" len="med"/>
+                      <a:tailEnd type="none" w="med" len="med"/>
+                    </a:lnL>
+                    <a:lnR w="12700" cap="flat" cmpd="sng" algn="ctr">
+                      <a:solidFill>
+                        <a:srgbClr val="A3A3A3"/>
+                      </a:solidFill>
+                      <a:prstDash val="solid"/>
+                      <a:round/>
+                      <a:headEnd type="none" w="med" len="med"/>
+                      <a:tailEnd type="none" w="med" len="med"/>
+                    </a:lnR>
+                    <a:lnT w="12700" cap="flat" cmpd="sng" algn="ctr">
+                      <a:solidFill>
+                        <a:srgbClr val="A3A3A3"/>
+                      </a:solidFill>
+                      <a:prstDash val="solid"/>
+                      <a:round/>
+                      <a:headEnd type="none" w="med" len="med"/>
+                      <a:tailEnd type="none" w="med" len="med"/>
+                    </a:lnT>
+                    <a:lnB w="12700" cap="flat" cmpd="sng" algn="ctr">
+                      <a:solidFill>
+                        <a:srgbClr val="A3A3A3"/>
+                      </a:solidFill>
+                      <a:prstDash val="solid"/>
+                      <a:round/>
+                      <a:headEnd type="none" w="med" len="med"/>
+                      <a:tailEnd type="none" w="med" len="med"/>
+                    </a:lnB>
+                  </a:tcPr>
+                </a:tc>
+                <a:tc>
+                  <a:txBody>
+                    <a:bodyPr/>
+                    <a:lstStyle/>
+                    <a:p>
+                      <a:pPr marL="0" marR="0" fontAlgn="t">
+                        <a:spcBef>
+                          <a:spcPts val="0"/>
+                        </a:spcBef>
+                        <a:spcAft>
+                          <a:spcPts val="0"/>
+                        </a:spcAft>
+                      </a:pPr>
+                      <a:r>
+                        <a:rPr lang="ko-KR" sz="900">
+                          <a:effectLst/>
+                          <a:ea typeface="Arial" panose="020B0604020202020204" pitchFamily="34" charset="0"/>
+                        </a:rPr>
+                        <a:t>Algorithm</a:t>
+                      </a:r>
+                    </a:p>
+                  </a:txBody>
+                  <a:tcPr marL="37127" marR="37127" marT="37127" marB="37127">
+                    <a:lnL w="12700" cap="flat" cmpd="sng" algn="ctr">
+                      <a:solidFill>
+                        <a:srgbClr val="A3A3A3"/>
+                      </a:solidFill>
+                      <a:prstDash val="solid"/>
+                      <a:round/>
+                      <a:headEnd type="none" w="med" len="med"/>
+                      <a:tailEnd type="none" w="med" len="med"/>
+                    </a:lnL>
+                    <a:lnR w="12700" cap="flat" cmpd="sng" algn="ctr">
+                      <a:solidFill>
+                        <a:srgbClr val="A3A3A3"/>
+                      </a:solidFill>
+                      <a:prstDash val="solid"/>
+                      <a:round/>
+                      <a:headEnd type="none" w="med" len="med"/>
+                      <a:tailEnd type="none" w="med" len="med"/>
+                    </a:lnR>
+                    <a:lnT w="12700" cap="flat" cmpd="sng" algn="ctr">
+                      <a:solidFill>
+                        <a:srgbClr val="A3A3A3"/>
+                      </a:solidFill>
+                      <a:prstDash val="solid"/>
+                      <a:round/>
+                      <a:headEnd type="none" w="med" len="med"/>
+                      <a:tailEnd type="none" w="med" len="med"/>
+                    </a:lnT>
+                    <a:lnB w="12700" cap="flat" cmpd="sng" algn="ctr">
+                      <a:solidFill>
+                        <a:srgbClr val="A3A3A3"/>
+                      </a:solidFill>
+                      <a:prstDash val="solid"/>
+                      <a:round/>
+                      <a:headEnd type="none" w="med" len="med"/>
+                      <a:tailEnd type="none" w="med" len="med"/>
+                    </a:lnB>
+                  </a:tcPr>
+                </a:tc>
+                <a:tc>
+                  <a:txBody>
+                    <a:bodyPr/>
+                    <a:lstStyle/>
+                    <a:p>
+                      <a:pPr marL="0" marR="0" fontAlgn="t">
+                        <a:spcBef>
+                          <a:spcPts val="0"/>
+                        </a:spcBef>
+                        <a:spcAft>
+                          <a:spcPts val="0"/>
+                        </a:spcAft>
+                      </a:pPr>
+                      <a:r>
+                        <a:rPr lang="ko-KR" sz="900">
+                          <a:effectLst/>
+                          <a:ea typeface="Arial" panose="020B0604020202020204" pitchFamily="34" charset="0"/>
+                        </a:rPr>
+                        <a:t>Description</a:t>
+                      </a:r>
+                    </a:p>
+                  </a:txBody>
+                  <a:tcPr marL="37127" marR="37127" marT="37127" marB="37127">
+                    <a:lnL w="12700" cap="flat" cmpd="sng" algn="ctr">
+                      <a:solidFill>
+                        <a:srgbClr val="A3A3A3"/>
+                      </a:solidFill>
+                      <a:prstDash val="solid"/>
+                      <a:round/>
+                      <a:headEnd type="none" w="med" len="med"/>
+                      <a:tailEnd type="none" w="med" len="med"/>
+                    </a:lnL>
+                    <a:lnR w="12700" cap="flat" cmpd="sng" algn="ctr">
+                      <a:solidFill>
+                        <a:srgbClr val="A3A3A3"/>
+                      </a:solidFill>
+                      <a:prstDash val="solid"/>
+                      <a:round/>
+                      <a:headEnd type="none" w="med" len="med"/>
+                      <a:tailEnd type="none" w="med" len="med"/>
+                    </a:lnR>
+                    <a:lnT w="12700" cap="flat" cmpd="sng" algn="ctr">
+                      <a:solidFill>
+                        <a:srgbClr val="A3A3A3"/>
+                      </a:solidFill>
+                      <a:prstDash val="solid"/>
+                      <a:round/>
+                      <a:headEnd type="none" w="med" len="med"/>
+                      <a:tailEnd type="none" w="med" len="med"/>
+                    </a:lnT>
+                    <a:lnB w="12700" cap="flat" cmpd="sng" algn="ctr">
+                      <a:solidFill>
+                        <a:srgbClr val="A3A3A3"/>
+                      </a:solidFill>
+                      <a:prstDash val="solid"/>
+                      <a:round/>
+                      <a:headEnd type="none" w="med" len="med"/>
+                      <a:tailEnd type="none" w="med" len="med"/>
+                    </a:lnB>
+                  </a:tcPr>
+                </a:tc>
+                <a:extLst>
+                  <a:ext uri="{0D108BD9-81ED-4DB2-BD59-A6C34878D82A}">
+                    <a16:rowId xmlns:a16="http://schemas.microsoft.com/office/drawing/2014/main" val="428903230"/>
+                  </a:ext>
+                </a:extLst>
+              </a:tr>
+              <a:tr h="799264">
+                <a:tc>
+                  <a:txBody>
+                    <a:bodyPr/>
+                    <a:lstStyle/>
+                    <a:p>
+                      <a:pPr marL="0" marR="0" fontAlgn="t">
+                        <a:spcBef>
+                          <a:spcPts val="0"/>
+                        </a:spcBef>
+                        <a:spcAft>
+                          <a:spcPts val="0"/>
+                        </a:spcAft>
+                      </a:pPr>
+                      <a:r>
+                        <a:rPr lang="ko-KR" sz="900">
+                          <a:effectLst/>
+                          <a:ea typeface="Arial" panose="020B0604020202020204" pitchFamily="34" charset="0"/>
+                        </a:rPr>
+                        <a:t>1800s</a:t>
+                      </a:r>
+                    </a:p>
+                  </a:txBody>
+                  <a:tcPr marL="37127" marR="37127" marT="37127" marB="37127">
+                    <a:lnL w="12700" cap="flat" cmpd="sng" algn="ctr">
+                      <a:solidFill>
+                        <a:srgbClr val="A3A3A3"/>
+                      </a:solidFill>
+                      <a:prstDash val="solid"/>
+                      <a:round/>
+                      <a:headEnd type="none" w="med" len="med"/>
+                      <a:tailEnd type="none" w="med" len="med"/>
+                    </a:lnL>
+                    <a:lnR w="12700" cap="flat" cmpd="sng" algn="ctr">
+                      <a:solidFill>
+                        <a:srgbClr val="A3A3A3"/>
+                      </a:solidFill>
+                      <a:prstDash val="solid"/>
+                      <a:round/>
+                      <a:headEnd type="none" w="med" len="med"/>
+                      <a:tailEnd type="none" w="med" len="med"/>
+                    </a:lnR>
+                    <a:lnT w="12700" cap="flat" cmpd="sng" algn="ctr">
+                      <a:solidFill>
+                        <a:srgbClr val="A3A3A3"/>
+                      </a:solidFill>
+                      <a:prstDash val="solid"/>
+                      <a:round/>
+                      <a:headEnd type="none" w="med" len="med"/>
+                      <a:tailEnd type="none" w="med" len="med"/>
+                    </a:lnT>
+                    <a:lnB w="12700" cap="flat" cmpd="sng" algn="ctr">
+                      <a:solidFill>
+                        <a:srgbClr val="A3A3A3"/>
+                      </a:solidFill>
+                      <a:prstDash val="solid"/>
+                      <a:round/>
+                      <a:headEnd type="none" w="med" len="med"/>
+                      <a:tailEnd type="none" w="med" len="med"/>
+                    </a:lnB>
+                  </a:tcPr>
+                </a:tc>
+                <a:tc>
+                  <a:txBody>
+                    <a:bodyPr/>
+                    <a:lstStyle/>
+                    <a:p>
+                      <a:pPr marL="0" marR="0" fontAlgn="t">
+                        <a:spcBef>
+                          <a:spcPts val="0"/>
+                        </a:spcBef>
+                        <a:spcAft>
+                          <a:spcPts val="0"/>
+                        </a:spcAft>
+                      </a:pPr>
+                      <a:r>
+                        <a:rPr lang="ko-KR" sz="900">
+                          <a:effectLst/>
+                          <a:ea typeface="Arial" panose="020B0604020202020204" pitchFamily="34" charset="0"/>
+                        </a:rPr>
+                        <a:t>Regression</a:t>
+                      </a:r>
+                    </a:p>
+                  </a:txBody>
+                  <a:tcPr marL="37127" marR="37127" marT="37127" marB="37127">
+                    <a:lnL w="12700" cap="flat" cmpd="sng" algn="ctr">
+                      <a:solidFill>
+                        <a:srgbClr val="A3A3A3"/>
+                      </a:solidFill>
+                      <a:prstDash val="solid"/>
+                      <a:round/>
+                      <a:headEnd type="none" w="med" len="med"/>
+                      <a:tailEnd type="none" w="med" len="med"/>
+                    </a:lnL>
+                    <a:lnR w="12700" cap="flat" cmpd="sng" algn="ctr">
+                      <a:solidFill>
+                        <a:srgbClr val="A3A3A3"/>
+                      </a:solidFill>
+                      <a:prstDash val="solid"/>
+                      <a:round/>
+                      <a:headEnd type="none" w="med" len="med"/>
+                      <a:tailEnd type="none" w="med" len="med"/>
+                    </a:lnR>
+                    <a:lnT w="12700" cap="flat" cmpd="sng" algn="ctr">
+                      <a:solidFill>
+                        <a:srgbClr val="A3A3A3"/>
+                      </a:solidFill>
+                      <a:prstDash val="solid"/>
+                      <a:round/>
+                      <a:headEnd type="none" w="med" len="med"/>
+                      <a:tailEnd type="none" w="med" len="med"/>
+                    </a:lnT>
+                    <a:lnB w="12700" cap="flat" cmpd="sng" algn="ctr">
+                      <a:solidFill>
+                        <a:srgbClr val="A3A3A3"/>
+                      </a:solidFill>
+                      <a:prstDash val="solid"/>
+                      <a:round/>
+                      <a:headEnd type="none" w="med" len="med"/>
+                      <a:tailEnd type="none" w="med" len="med"/>
+                    </a:lnB>
+                  </a:tcPr>
+                </a:tc>
+                <a:tc>
+                  <a:txBody>
+                    <a:bodyPr/>
+                    <a:lstStyle/>
+                    <a:p>
+                      <a:pPr marL="0" marR="0" fontAlgn="t">
+                        <a:spcBef>
+                          <a:spcPts val="0"/>
+                        </a:spcBef>
+                        <a:spcAft>
+                          <a:spcPts val="0"/>
+                        </a:spcAft>
+                      </a:pPr>
+                      <a:r>
+                        <a:rPr lang="ko-KR" sz="900">
+                          <a:effectLst/>
+                          <a:ea typeface="Arial" panose="020B0604020202020204" pitchFamily="34" charset="0"/>
+                        </a:rPr>
+                        <a:t>A statistical method that predicts the value of a dependent variable based on the values of one or more independent variables.</a:t>
+                      </a:r>
+                    </a:p>
+                  </a:txBody>
+                  <a:tcPr marL="37127" marR="37127" marT="37127" marB="37127">
+                    <a:lnL w="12700" cap="flat" cmpd="sng" algn="ctr">
+                      <a:solidFill>
+                        <a:srgbClr val="A3A3A3"/>
+                      </a:solidFill>
+                      <a:prstDash val="solid"/>
+                      <a:round/>
+                      <a:headEnd type="none" w="med" len="med"/>
+                      <a:tailEnd type="none" w="med" len="med"/>
+                    </a:lnL>
+                    <a:lnR w="12700" cap="flat" cmpd="sng" algn="ctr">
+                      <a:solidFill>
+                        <a:srgbClr val="A3A3A3"/>
+                      </a:solidFill>
+                      <a:prstDash val="solid"/>
+                      <a:round/>
+                      <a:headEnd type="none" w="med" len="med"/>
+                      <a:tailEnd type="none" w="med" len="med"/>
+                    </a:lnR>
+                    <a:lnT w="12700" cap="flat" cmpd="sng" algn="ctr">
+                      <a:solidFill>
+                        <a:srgbClr val="A3A3A3"/>
+                      </a:solidFill>
+                      <a:prstDash val="solid"/>
+                      <a:round/>
+                      <a:headEnd type="none" w="med" len="med"/>
+                      <a:tailEnd type="none" w="med" len="med"/>
+                    </a:lnT>
+                    <a:lnB w="12700" cap="flat" cmpd="sng" algn="ctr">
+                      <a:solidFill>
+                        <a:srgbClr val="A3A3A3"/>
+                      </a:solidFill>
+                      <a:prstDash val="solid"/>
+                      <a:round/>
+                      <a:headEnd type="none" w="med" len="med"/>
+                      <a:tailEnd type="none" w="med" len="med"/>
+                    </a:lnB>
+                  </a:tcPr>
+                </a:tc>
+                <a:extLst>
+                  <a:ext uri="{0D108BD9-81ED-4DB2-BD59-A6C34878D82A}">
+                    <a16:rowId xmlns:a16="http://schemas.microsoft.com/office/drawing/2014/main" val="762784152"/>
+                  </a:ext>
+                </a:extLst>
+              </a:tr>
+              <a:tr h="623268">
+                <a:tc>
+                  <a:txBody>
+                    <a:bodyPr/>
+                    <a:lstStyle/>
+                    <a:p>
+                      <a:pPr marL="0" marR="0" algn="r" fontAlgn="t">
+                        <a:spcBef>
+                          <a:spcPts val="0"/>
+                        </a:spcBef>
+                        <a:spcAft>
+                          <a:spcPts val="0"/>
+                        </a:spcAft>
+                      </a:pPr>
+                      <a:r>
+                        <a:rPr lang="ko-KR" sz="900">
+                          <a:effectLst/>
+                          <a:ea typeface="Arial" panose="020B0604020202020204" pitchFamily="34" charset="0"/>
+                        </a:rPr>
+                        <a:t>1943</a:t>
+                      </a:r>
+                    </a:p>
+                  </a:txBody>
+                  <a:tcPr marL="37127" marR="37127" marT="37127" marB="37127">
+                    <a:lnL w="12700" cap="flat" cmpd="sng" algn="ctr">
+                      <a:solidFill>
+                        <a:srgbClr val="A3A3A3"/>
+                      </a:solidFill>
+                      <a:prstDash val="solid"/>
+                      <a:round/>
+                      <a:headEnd type="none" w="med" len="med"/>
+                      <a:tailEnd type="none" w="med" len="med"/>
+                    </a:lnL>
+                    <a:lnR w="12700" cap="flat" cmpd="sng" algn="ctr">
+                      <a:solidFill>
+                        <a:srgbClr val="A3A3A3"/>
+                      </a:solidFill>
+                      <a:prstDash val="solid"/>
+                      <a:round/>
+                      <a:headEnd type="none" w="med" len="med"/>
+                      <a:tailEnd type="none" w="med" len="med"/>
+                    </a:lnR>
+                    <a:lnT w="12700" cap="flat" cmpd="sng" algn="ctr">
+                      <a:solidFill>
+                        <a:srgbClr val="A3A3A3"/>
+                      </a:solidFill>
+                      <a:prstDash val="solid"/>
+                      <a:round/>
+                      <a:headEnd type="none" w="med" len="med"/>
+                      <a:tailEnd type="none" w="med" len="med"/>
+                    </a:lnT>
+                    <a:lnB w="12700" cap="flat" cmpd="sng" algn="ctr">
+                      <a:solidFill>
+                        <a:srgbClr val="A3A3A3"/>
+                      </a:solidFill>
+                      <a:prstDash val="solid"/>
+                      <a:round/>
+                      <a:headEnd type="none" w="med" len="med"/>
+                      <a:tailEnd type="none" w="med" len="med"/>
+                    </a:lnB>
+                  </a:tcPr>
+                </a:tc>
+                <a:tc>
+                  <a:txBody>
+                    <a:bodyPr/>
+                    <a:lstStyle/>
+                    <a:p>
+                      <a:pPr marL="0" marR="0" fontAlgn="t">
+                        <a:spcBef>
+                          <a:spcPts val="0"/>
+                        </a:spcBef>
+                        <a:spcAft>
+                          <a:spcPts val="0"/>
+                        </a:spcAft>
+                      </a:pPr>
+                      <a:r>
+                        <a:rPr lang="ko-KR" sz="900">
+                          <a:effectLst/>
+                          <a:ea typeface="Arial" panose="020B0604020202020204" pitchFamily="34" charset="0"/>
+                        </a:rPr>
+                        <a:t>Neural networks</a:t>
+                      </a:r>
+                    </a:p>
+                  </a:txBody>
+                  <a:tcPr marL="37127" marR="37127" marT="37127" marB="37127">
+                    <a:lnL w="12700" cap="flat" cmpd="sng" algn="ctr">
+                      <a:solidFill>
+                        <a:srgbClr val="A3A3A3"/>
+                      </a:solidFill>
+                      <a:prstDash val="solid"/>
+                      <a:round/>
+                      <a:headEnd type="none" w="med" len="med"/>
+                      <a:tailEnd type="none" w="med" len="med"/>
+                    </a:lnL>
+                    <a:lnR w="12700" cap="flat" cmpd="sng" algn="ctr">
+                      <a:solidFill>
+                        <a:srgbClr val="A3A3A3"/>
+                      </a:solidFill>
+                      <a:prstDash val="solid"/>
+                      <a:round/>
+                      <a:headEnd type="none" w="med" len="med"/>
+                      <a:tailEnd type="none" w="med" len="med"/>
+                    </a:lnR>
+                    <a:lnT w="12700" cap="flat" cmpd="sng" algn="ctr">
+                      <a:solidFill>
+                        <a:srgbClr val="A3A3A3"/>
+                      </a:solidFill>
+                      <a:prstDash val="solid"/>
+                      <a:round/>
+                      <a:headEnd type="none" w="med" len="med"/>
+                      <a:tailEnd type="none" w="med" len="med"/>
+                    </a:lnT>
+                    <a:lnB w="12700" cap="flat" cmpd="sng" algn="ctr">
+                      <a:solidFill>
+                        <a:srgbClr val="A3A3A3"/>
+                      </a:solidFill>
+                      <a:prstDash val="solid"/>
+                      <a:round/>
+                      <a:headEnd type="none" w="med" len="med"/>
+                      <a:tailEnd type="none" w="med" len="med"/>
+                    </a:lnB>
+                  </a:tcPr>
+                </a:tc>
+                <a:tc>
+                  <a:txBody>
+                    <a:bodyPr/>
+                    <a:lstStyle/>
+                    <a:p>
+                      <a:pPr marL="0" marR="0" fontAlgn="t">
+                        <a:spcBef>
+                          <a:spcPts val="0"/>
+                        </a:spcBef>
+                        <a:spcAft>
+                          <a:spcPts val="0"/>
+                        </a:spcAft>
+                      </a:pPr>
+                      <a:r>
+                        <a:rPr lang="ko-KR" sz="900">
+                          <a:effectLst/>
+                          <a:ea typeface="Arial" panose="020B0604020202020204" pitchFamily="34" charset="0"/>
+                        </a:rPr>
+                        <a:t>A type of machine learning algorithm that is inspired by the structure of the human brain.</a:t>
+                      </a:r>
+                    </a:p>
+                  </a:txBody>
+                  <a:tcPr marL="37127" marR="37127" marT="37127" marB="37127">
+                    <a:lnL w="12700" cap="flat" cmpd="sng" algn="ctr">
+                      <a:solidFill>
+                        <a:srgbClr val="A3A3A3"/>
+                      </a:solidFill>
+                      <a:prstDash val="solid"/>
+                      <a:round/>
+                      <a:headEnd type="none" w="med" len="med"/>
+                      <a:tailEnd type="none" w="med" len="med"/>
+                    </a:lnL>
+                    <a:lnR w="12700" cap="flat" cmpd="sng" algn="ctr">
+                      <a:solidFill>
+                        <a:srgbClr val="A3A3A3"/>
+                      </a:solidFill>
+                      <a:prstDash val="solid"/>
+                      <a:round/>
+                      <a:headEnd type="none" w="med" len="med"/>
+                      <a:tailEnd type="none" w="med" len="med"/>
+                    </a:lnR>
+                    <a:lnT w="12700" cap="flat" cmpd="sng" algn="ctr">
+                      <a:solidFill>
+                        <a:srgbClr val="A3A3A3"/>
+                      </a:solidFill>
+                      <a:prstDash val="solid"/>
+                      <a:round/>
+                      <a:headEnd type="none" w="med" len="med"/>
+                      <a:tailEnd type="none" w="med" len="med"/>
+                    </a:lnT>
+                    <a:lnB w="12700" cap="flat" cmpd="sng" algn="ctr">
+                      <a:solidFill>
+                        <a:srgbClr val="A3A3A3"/>
+                      </a:solidFill>
+                      <a:prstDash val="solid"/>
+                      <a:round/>
+                      <a:headEnd type="none" w="med" len="med"/>
+                      <a:tailEnd type="none" w="med" len="med"/>
+                    </a:lnB>
+                  </a:tcPr>
+                </a:tc>
+                <a:extLst>
+                  <a:ext uri="{0D108BD9-81ED-4DB2-BD59-A6C34878D82A}">
+                    <a16:rowId xmlns:a16="http://schemas.microsoft.com/office/drawing/2014/main" val="3713500460"/>
+                  </a:ext>
+                </a:extLst>
+              </a:tr>
+              <a:tr h="447272">
+                <a:tc>
+                  <a:txBody>
+                    <a:bodyPr/>
+                    <a:lstStyle/>
+                    <a:p>
+                      <a:pPr marL="0" marR="0" algn="r" fontAlgn="t">
+                        <a:spcBef>
+                          <a:spcPts val="0"/>
+                        </a:spcBef>
+                        <a:spcAft>
+                          <a:spcPts val="0"/>
+                        </a:spcAft>
+                      </a:pPr>
+                      <a:r>
+                        <a:rPr lang="ko-KR" sz="900">
+                          <a:effectLst/>
+                          <a:ea typeface="Arial" panose="020B0604020202020204" pitchFamily="34" charset="0"/>
+                        </a:rPr>
+                        <a:t>1951</a:t>
+                      </a:r>
+                    </a:p>
+                  </a:txBody>
+                  <a:tcPr marL="37127" marR="37127" marT="37127" marB="37127">
+                    <a:lnL w="12700" cap="flat" cmpd="sng" algn="ctr">
+                      <a:solidFill>
+                        <a:srgbClr val="A3A3A3"/>
+                      </a:solidFill>
+                      <a:prstDash val="solid"/>
+                      <a:round/>
+                      <a:headEnd type="none" w="med" len="med"/>
+                      <a:tailEnd type="none" w="med" len="med"/>
+                    </a:lnL>
+                    <a:lnR w="12700" cap="flat" cmpd="sng" algn="ctr">
+                      <a:solidFill>
+                        <a:srgbClr val="A3A3A3"/>
+                      </a:solidFill>
+                      <a:prstDash val="solid"/>
+                      <a:round/>
+                      <a:headEnd type="none" w="med" len="med"/>
+                      <a:tailEnd type="none" w="med" len="med"/>
+                    </a:lnR>
+                    <a:lnT w="12700" cap="flat" cmpd="sng" algn="ctr">
+                      <a:solidFill>
+                        <a:srgbClr val="A3A3A3"/>
+                      </a:solidFill>
+                      <a:prstDash val="solid"/>
+                      <a:round/>
+                      <a:headEnd type="none" w="med" len="med"/>
+                      <a:tailEnd type="none" w="med" len="med"/>
+                    </a:lnT>
+                    <a:lnB w="12700" cap="flat" cmpd="sng" algn="ctr">
+                      <a:solidFill>
+                        <a:srgbClr val="A3A3A3"/>
+                      </a:solidFill>
+                      <a:prstDash val="solid"/>
+                      <a:round/>
+                      <a:headEnd type="none" w="med" len="med"/>
+                      <a:tailEnd type="none" w="med" len="med"/>
+                    </a:lnB>
+                  </a:tcPr>
+                </a:tc>
+                <a:tc>
+                  <a:txBody>
+                    <a:bodyPr/>
+                    <a:lstStyle/>
+                    <a:p>
+                      <a:pPr marL="0" marR="0" fontAlgn="t">
+                        <a:spcBef>
+                          <a:spcPts val="0"/>
+                        </a:spcBef>
+                        <a:spcAft>
+                          <a:spcPts val="0"/>
+                        </a:spcAft>
+                      </a:pPr>
+                      <a:r>
+                        <a:rPr lang="ko-KR" sz="900">
+                          <a:effectLst/>
+                          <a:ea typeface="Arial" panose="020B0604020202020204" pitchFamily="34" charset="0"/>
+                        </a:rPr>
+                        <a:t>Gradient Descent</a:t>
+                      </a:r>
+                    </a:p>
+                  </a:txBody>
+                  <a:tcPr marL="37127" marR="37127" marT="37127" marB="37127">
+                    <a:lnL w="12700" cap="flat" cmpd="sng" algn="ctr">
+                      <a:solidFill>
+                        <a:srgbClr val="A3A3A3"/>
+                      </a:solidFill>
+                      <a:prstDash val="solid"/>
+                      <a:round/>
+                      <a:headEnd type="none" w="med" len="med"/>
+                      <a:tailEnd type="none" w="med" len="med"/>
+                    </a:lnL>
+                    <a:lnR w="12700" cap="flat" cmpd="sng" algn="ctr">
+                      <a:solidFill>
+                        <a:srgbClr val="A3A3A3"/>
+                      </a:solidFill>
+                      <a:prstDash val="solid"/>
+                      <a:round/>
+                      <a:headEnd type="none" w="med" len="med"/>
+                      <a:tailEnd type="none" w="med" len="med"/>
+                    </a:lnR>
+                    <a:lnT w="12700" cap="flat" cmpd="sng" algn="ctr">
+                      <a:solidFill>
+                        <a:srgbClr val="A3A3A3"/>
+                      </a:solidFill>
+                      <a:prstDash val="solid"/>
+                      <a:round/>
+                      <a:headEnd type="none" w="med" len="med"/>
+                      <a:tailEnd type="none" w="med" len="med"/>
+                    </a:lnT>
+                    <a:lnB w="12700" cap="flat" cmpd="sng" algn="ctr">
+                      <a:solidFill>
+                        <a:srgbClr val="A3A3A3"/>
+                      </a:solidFill>
+                      <a:prstDash val="solid"/>
+                      <a:round/>
+                      <a:headEnd type="none" w="med" len="med"/>
+                      <a:tailEnd type="none" w="med" len="med"/>
+                    </a:lnB>
+                  </a:tcPr>
+                </a:tc>
+                <a:tc>
+                  <a:txBody>
+                    <a:bodyPr/>
+                    <a:lstStyle/>
+                    <a:p>
+                      <a:pPr marL="0" marR="0" fontAlgn="t">
+                        <a:spcBef>
+                          <a:spcPts val="0"/>
+                        </a:spcBef>
+                        <a:spcAft>
+                          <a:spcPts val="0"/>
+                        </a:spcAft>
+                      </a:pPr>
+                      <a:r>
+                        <a:rPr lang="ko-KR" sz="900">
+                          <a:effectLst/>
+                          <a:ea typeface="Arial" panose="020B0604020202020204" pitchFamily="34" charset="0"/>
+                        </a:rPr>
+                        <a:t>A method for finding the minimum of a function.</a:t>
+                      </a:r>
+                    </a:p>
+                  </a:txBody>
+                  <a:tcPr marL="37127" marR="37127" marT="37127" marB="37127">
+                    <a:lnL w="12700" cap="flat" cmpd="sng" algn="ctr">
+                      <a:solidFill>
+                        <a:srgbClr val="A3A3A3"/>
+                      </a:solidFill>
+                      <a:prstDash val="solid"/>
+                      <a:round/>
+                      <a:headEnd type="none" w="med" len="med"/>
+                      <a:tailEnd type="none" w="med" len="med"/>
+                    </a:lnL>
+                    <a:lnR w="12700" cap="flat" cmpd="sng" algn="ctr">
+                      <a:solidFill>
+                        <a:srgbClr val="A3A3A3"/>
+                      </a:solidFill>
+                      <a:prstDash val="solid"/>
+                      <a:round/>
+                      <a:headEnd type="none" w="med" len="med"/>
+                      <a:tailEnd type="none" w="med" len="med"/>
+                    </a:lnR>
+                    <a:lnT w="12700" cap="flat" cmpd="sng" algn="ctr">
+                      <a:solidFill>
+                        <a:srgbClr val="A3A3A3"/>
+                      </a:solidFill>
+                      <a:prstDash val="solid"/>
+                      <a:round/>
+                      <a:headEnd type="none" w="med" len="med"/>
+                      <a:tailEnd type="none" w="med" len="med"/>
+                    </a:lnT>
+                    <a:lnB w="12700" cap="flat" cmpd="sng" algn="ctr">
+                      <a:solidFill>
+                        <a:srgbClr val="A3A3A3"/>
+                      </a:solidFill>
+                      <a:prstDash val="solid"/>
+                      <a:round/>
+                      <a:headEnd type="none" w="med" len="med"/>
+                      <a:tailEnd type="none" w="med" len="med"/>
+                    </a:lnB>
+                  </a:tcPr>
+                </a:tc>
+                <a:extLst>
+                  <a:ext uri="{0D108BD9-81ED-4DB2-BD59-A6C34878D82A}">
+                    <a16:rowId xmlns:a16="http://schemas.microsoft.com/office/drawing/2014/main" val="1052187264"/>
+                  </a:ext>
+                </a:extLst>
+              </a:tr>
+              <a:tr h="623268">
+                <a:tc>
+                  <a:txBody>
+                    <a:bodyPr/>
+                    <a:lstStyle/>
+                    <a:p>
+                      <a:pPr marL="0" marR="0" algn="r" fontAlgn="t">
+                        <a:spcBef>
+                          <a:spcPts val="0"/>
+                        </a:spcBef>
+                        <a:spcAft>
+                          <a:spcPts val="0"/>
+                        </a:spcAft>
+                      </a:pPr>
+                      <a:r>
+                        <a:rPr lang="ko-KR" sz="900">
+                          <a:effectLst/>
+                          <a:ea typeface="Arial" panose="020B0604020202020204" pitchFamily="34" charset="0"/>
+                        </a:rPr>
+                        <a:t>1957</a:t>
+                      </a:r>
+                    </a:p>
+                  </a:txBody>
+                  <a:tcPr marL="37127" marR="37127" marT="37127" marB="37127">
+                    <a:lnL w="12700" cap="flat" cmpd="sng" algn="ctr">
+                      <a:solidFill>
+                        <a:srgbClr val="A3A3A3"/>
+                      </a:solidFill>
+                      <a:prstDash val="solid"/>
+                      <a:round/>
+                      <a:headEnd type="none" w="med" len="med"/>
+                      <a:tailEnd type="none" w="med" len="med"/>
+                    </a:lnL>
+                    <a:lnR w="12700" cap="flat" cmpd="sng" algn="ctr">
+                      <a:solidFill>
+                        <a:srgbClr val="A3A3A3"/>
+                      </a:solidFill>
+                      <a:prstDash val="solid"/>
+                      <a:round/>
+                      <a:headEnd type="none" w="med" len="med"/>
+                      <a:tailEnd type="none" w="med" len="med"/>
+                    </a:lnR>
+                    <a:lnT w="12700" cap="flat" cmpd="sng" algn="ctr">
+                      <a:solidFill>
+                        <a:srgbClr val="A3A3A3"/>
+                      </a:solidFill>
+                      <a:prstDash val="solid"/>
+                      <a:round/>
+                      <a:headEnd type="none" w="med" len="med"/>
+                      <a:tailEnd type="none" w="med" len="med"/>
+                    </a:lnT>
+                    <a:lnB w="12700" cap="flat" cmpd="sng" algn="ctr">
+                      <a:solidFill>
+                        <a:srgbClr val="A3A3A3"/>
+                      </a:solidFill>
+                      <a:prstDash val="solid"/>
+                      <a:round/>
+                      <a:headEnd type="none" w="med" len="med"/>
+                      <a:tailEnd type="none" w="med" len="med"/>
+                    </a:lnB>
+                  </a:tcPr>
+                </a:tc>
+                <a:tc>
+                  <a:txBody>
+                    <a:bodyPr/>
+                    <a:lstStyle/>
+                    <a:p>
+                      <a:pPr marL="0" marR="0" fontAlgn="t">
+                        <a:spcBef>
+                          <a:spcPts val="0"/>
+                        </a:spcBef>
+                        <a:spcAft>
+                          <a:spcPts val="0"/>
+                        </a:spcAft>
+                      </a:pPr>
+                      <a:r>
+                        <a:rPr lang="ko-KR" sz="900">
+                          <a:effectLst/>
+                          <a:ea typeface="Arial" panose="020B0604020202020204" pitchFamily="34" charset="0"/>
+                        </a:rPr>
+                        <a:t>Perceptron</a:t>
+                      </a:r>
+                    </a:p>
+                  </a:txBody>
+                  <a:tcPr marL="37127" marR="37127" marT="37127" marB="37127">
+                    <a:lnL w="12700" cap="flat" cmpd="sng" algn="ctr">
+                      <a:solidFill>
+                        <a:srgbClr val="A3A3A3"/>
+                      </a:solidFill>
+                      <a:prstDash val="solid"/>
+                      <a:round/>
+                      <a:headEnd type="none" w="med" len="med"/>
+                      <a:tailEnd type="none" w="med" len="med"/>
+                    </a:lnL>
+                    <a:lnR w="12700" cap="flat" cmpd="sng" algn="ctr">
+                      <a:solidFill>
+                        <a:srgbClr val="A3A3A3"/>
+                      </a:solidFill>
+                      <a:prstDash val="solid"/>
+                      <a:round/>
+                      <a:headEnd type="none" w="med" len="med"/>
+                      <a:tailEnd type="none" w="med" len="med"/>
+                    </a:lnR>
+                    <a:lnT w="12700" cap="flat" cmpd="sng" algn="ctr">
+                      <a:solidFill>
+                        <a:srgbClr val="A3A3A3"/>
+                      </a:solidFill>
+                      <a:prstDash val="solid"/>
+                      <a:round/>
+                      <a:headEnd type="none" w="med" len="med"/>
+                      <a:tailEnd type="none" w="med" len="med"/>
+                    </a:lnT>
+                    <a:lnB w="12700" cap="flat" cmpd="sng" algn="ctr">
+                      <a:solidFill>
+                        <a:srgbClr val="A3A3A3"/>
+                      </a:solidFill>
+                      <a:prstDash val="solid"/>
+                      <a:round/>
+                      <a:headEnd type="none" w="med" len="med"/>
+                      <a:tailEnd type="none" w="med" len="med"/>
+                    </a:lnB>
+                  </a:tcPr>
+                </a:tc>
+                <a:tc>
+                  <a:txBody>
+                    <a:bodyPr/>
+                    <a:lstStyle/>
+                    <a:p>
+                      <a:pPr marL="0" marR="0" fontAlgn="t">
+                        <a:spcBef>
+                          <a:spcPts val="0"/>
+                        </a:spcBef>
+                        <a:spcAft>
+                          <a:spcPts val="0"/>
+                        </a:spcAft>
+                      </a:pPr>
+                      <a:r>
+                        <a:rPr lang="ko-KR" sz="900">
+                          <a:effectLst/>
+                          <a:ea typeface="Arial" panose="020B0604020202020204" pitchFamily="34" charset="0"/>
+                        </a:rPr>
+                        <a:t>A simple machine learning algorithm that can be used to classify binary data.</a:t>
+                      </a:r>
+                    </a:p>
+                  </a:txBody>
+                  <a:tcPr marL="37127" marR="37127" marT="37127" marB="37127">
+                    <a:lnL w="12700" cap="flat" cmpd="sng" algn="ctr">
+                      <a:solidFill>
+                        <a:srgbClr val="A3A3A3"/>
+                      </a:solidFill>
+                      <a:prstDash val="solid"/>
+                      <a:round/>
+                      <a:headEnd type="none" w="med" len="med"/>
+                      <a:tailEnd type="none" w="med" len="med"/>
+                    </a:lnL>
+                    <a:lnR w="12700" cap="flat" cmpd="sng" algn="ctr">
+                      <a:solidFill>
+                        <a:srgbClr val="A3A3A3"/>
+                      </a:solidFill>
+                      <a:prstDash val="solid"/>
+                      <a:round/>
+                      <a:headEnd type="none" w="med" len="med"/>
+                      <a:tailEnd type="none" w="med" len="med"/>
+                    </a:lnR>
+                    <a:lnT w="12700" cap="flat" cmpd="sng" algn="ctr">
+                      <a:solidFill>
+                        <a:srgbClr val="A3A3A3"/>
+                      </a:solidFill>
+                      <a:prstDash val="solid"/>
+                      <a:round/>
+                      <a:headEnd type="none" w="med" len="med"/>
+                      <a:tailEnd type="none" w="med" len="med"/>
+                    </a:lnT>
+                    <a:lnB w="12700" cap="flat" cmpd="sng" algn="ctr">
+                      <a:solidFill>
+                        <a:srgbClr val="A3A3A3"/>
+                      </a:solidFill>
+                      <a:prstDash val="solid"/>
+                      <a:round/>
+                      <a:headEnd type="none" w="med" len="med"/>
+                      <a:tailEnd type="none" w="med" len="med"/>
+                    </a:lnB>
+                  </a:tcPr>
+                </a:tc>
+                <a:extLst>
+                  <a:ext uri="{0D108BD9-81ED-4DB2-BD59-A6C34878D82A}">
+                    <a16:rowId xmlns:a16="http://schemas.microsoft.com/office/drawing/2014/main" val="2228081057"/>
+                  </a:ext>
+                </a:extLst>
+              </a:tr>
+              <a:tr h="975260">
+                <a:tc>
+                  <a:txBody>
+                    <a:bodyPr/>
+                    <a:lstStyle/>
+                    <a:p>
+                      <a:pPr marL="0" marR="0" algn="r" fontAlgn="t">
+                        <a:spcBef>
+                          <a:spcPts val="0"/>
+                        </a:spcBef>
+                        <a:spcAft>
+                          <a:spcPts val="0"/>
+                        </a:spcAft>
+                      </a:pPr>
+                      <a:r>
+                        <a:rPr lang="ko-KR" sz="900">
+                          <a:effectLst/>
+                          <a:ea typeface="Arial" panose="020B0604020202020204" pitchFamily="34" charset="0"/>
+                        </a:rPr>
+                        <a:t>1958</a:t>
+                      </a:r>
+                    </a:p>
+                  </a:txBody>
+                  <a:tcPr marL="37127" marR="37127" marT="37127" marB="37127">
+                    <a:lnL w="12700" cap="flat" cmpd="sng" algn="ctr">
+                      <a:solidFill>
+                        <a:srgbClr val="A3A3A3"/>
+                      </a:solidFill>
+                      <a:prstDash val="solid"/>
+                      <a:round/>
+                      <a:headEnd type="none" w="med" len="med"/>
+                      <a:tailEnd type="none" w="med" len="med"/>
+                    </a:lnL>
+                    <a:lnR w="12700" cap="flat" cmpd="sng" algn="ctr">
+                      <a:solidFill>
+                        <a:srgbClr val="A3A3A3"/>
+                      </a:solidFill>
+                      <a:prstDash val="solid"/>
+                      <a:round/>
+                      <a:headEnd type="none" w="med" len="med"/>
+                      <a:tailEnd type="none" w="med" len="med"/>
+                    </a:lnR>
+                    <a:lnT w="12700" cap="flat" cmpd="sng" algn="ctr">
+                      <a:solidFill>
+                        <a:srgbClr val="A3A3A3"/>
+                      </a:solidFill>
+                      <a:prstDash val="solid"/>
+                      <a:round/>
+                      <a:headEnd type="none" w="med" len="med"/>
+                      <a:tailEnd type="none" w="med" len="med"/>
+                    </a:lnT>
+                    <a:lnB w="12700" cap="flat" cmpd="sng" algn="ctr">
+                      <a:solidFill>
+                        <a:srgbClr val="A3A3A3"/>
+                      </a:solidFill>
+                      <a:prstDash val="solid"/>
+                      <a:round/>
+                      <a:headEnd type="none" w="med" len="med"/>
+                      <a:tailEnd type="none" w="med" len="med"/>
+                    </a:lnB>
+                  </a:tcPr>
+                </a:tc>
+                <a:tc>
+                  <a:txBody>
+                    <a:bodyPr/>
+                    <a:lstStyle/>
+                    <a:p>
+                      <a:pPr marL="0" marR="0" fontAlgn="t">
+                        <a:spcBef>
+                          <a:spcPts val="0"/>
+                        </a:spcBef>
+                        <a:spcAft>
+                          <a:spcPts val="0"/>
+                        </a:spcAft>
+                      </a:pPr>
+                      <a:r>
+                        <a:rPr lang="ko-KR" sz="900" dirty="0" err="1">
+                          <a:effectLst/>
+                          <a:ea typeface="Arial" panose="020B0604020202020204" pitchFamily="34" charset="0"/>
+                        </a:rPr>
+                        <a:t>Logistic</a:t>
+                      </a:r>
+                      <a:r>
+                        <a:rPr lang="ko-KR" sz="900" dirty="0">
+                          <a:effectLst/>
+                          <a:ea typeface="Arial" panose="020B0604020202020204" pitchFamily="34" charset="0"/>
+                        </a:rPr>
+                        <a:t> </a:t>
+                      </a:r>
+                      <a:r>
+                        <a:rPr lang="ko-KR" sz="900" dirty="0" err="1">
+                          <a:effectLst/>
+                          <a:ea typeface="Arial" panose="020B0604020202020204" pitchFamily="34" charset="0"/>
+                        </a:rPr>
+                        <a:t>regression</a:t>
+                      </a:r>
+                      <a:endParaRPr lang="ko-KR" sz="900" dirty="0">
+                        <a:effectLst/>
+                        <a:ea typeface="Arial" panose="020B0604020202020204" pitchFamily="34" charset="0"/>
+                      </a:endParaRPr>
+                    </a:p>
+                  </a:txBody>
+                  <a:tcPr marL="37127" marR="37127" marT="37127" marB="37127">
+                    <a:lnL w="12700" cap="flat" cmpd="sng" algn="ctr">
+                      <a:solidFill>
+                        <a:srgbClr val="A3A3A3"/>
+                      </a:solidFill>
+                      <a:prstDash val="solid"/>
+                      <a:round/>
+                      <a:headEnd type="none" w="med" len="med"/>
+                      <a:tailEnd type="none" w="med" len="med"/>
+                    </a:lnL>
+                    <a:lnR w="12700" cap="flat" cmpd="sng" algn="ctr">
+                      <a:solidFill>
+                        <a:srgbClr val="A3A3A3"/>
+                      </a:solidFill>
+                      <a:prstDash val="solid"/>
+                      <a:round/>
+                      <a:headEnd type="none" w="med" len="med"/>
+                      <a:tailEnd type="none" w="med" len="med"/>
+                    </a:lnR>
+                    <a:lnT w="12700" cap="flat" cmpd="sng" algn="ctr">
+                      <a:solidFill>
+                        <a:srgbClr val="A3A3A3"/>
+                      </a:solidFill>
+                      <a:prstDash val="solid"/>
+                      <a:round/>
+                      <a:headEnd type="none" w="med" len="med"/>
+                      <a:tailEnd type="none" w="med" len="med"/>
+                    </a:lnT>
+                    <a:lnB w="12700" cap="flat" cmpd="sng" algn="ctr">
+                      <a:solidFill>
+                        <a:srgbClr val="A3A3A3"/>
+                      </a:solidFill>
+                      <a:prstDash val="solid"/>
+                      <a:round/>
+                      <a:headEnd type="none" w="med" len="med"/>
+                      <a:tailEnd type="none" w="med" len="med"/>
+                    </a:lnB>
+                  </a:tcPr>
+                </a:tc>
+                <a:tc>
+                  <a:txBody>
+                    <a:bodyPr/>
+                    <a:lstStyle/>
+                    <a:p>
+                      <a:pPr marL="0" marR="0" fontAlgn="t">
+                        <a:spcBef>
+                          <a:spcPts val="0"/>
+                        </a:spcBef>
+                        <a:spcAft>
+                          <a:spcPts val="0"/>
+                        </a:spcAft>
+                      </a:pPr>
+                      <a:r>
+                        <a:rPr lang="ko-KR" sz="900">
+                          <a:effectLst/>
+                          <a:ea typeface="Arial" panose="020B0604020202020204" pitchFamily="34" charset="0"/>
+                        </a:rPr>
+                        <a:t>A statistical method that predicts the probability of a binary outcome based on the values of one or more independent variables.</a:t>
+                      </a:r>
+                    </a:p>
+                  </a:txBody>
+                  <a:tcPr marL="37127" marR="37127" marT="37127" marB="37127">
+                    <a:lnL w="12700" cap="flat" cmpd="sng" algn="ctr">
+                      <a:solidFill>
+                        <a:srgbClr val="A3A3A3"/>
+                      </a:solidFill>
+                      <a:prstDash val="solid"/>
+                      <a:round/>
+                      <a:headEnd type="none" w="med" len="med"/>
+                      <a:tailEnd type="none" w="med" len="med"/>
+                    </a:lnL>
+                    <a:lnR w="12700" cap="flat" cmpd="sng" algn="ctr">
+                      <a:solidFill>
+                        <a:srgbClr val="A3A3A3"/>
+                      </a:solidFill>
+                      <a:prstDash val="solid"/>
+                      <a:round/>
+                      <a:headEnd type="none" w="med" len="med"/>
+                      <a:tailEnd type="none" w="med" len="med"/>
+                    </a:lnR>
+                    <a:lnT w="12700" cap="flat" cmpd="sng" algn="ctr">
+                      <a:solidFill>
+                        <a:srgbClr val="A3A3A3"/>
+                      </a:solidFill>
+                      <a:prstDash val="solid"/>
+                      <a:round/>
+                      <a:headEnd type="none" w="med" len="med"/>
+                      <a:tailEnd type="none" w="med" len="med"/>
+                    </a:lnT>
+                    <a:lnB w="12700" cap="flat" cmpd="sng" algn="ctr">
+                      <a:solidFill>
+                        <a:srgbClr val="A3A3A3"/>
+                      </a:solidFill>
+                      <a:prstDash val="solid"/>
+                      <a:round/>
+                      <a:headEnd type="none" w="med" len="med"/>
+                      <a:tailEnd type="none" w="med" len="med"/>
+                    </a:lnB>
+                  </a:tcPr>
+                </a:tc>
+                <a:extLst>
+                  <a:ext uri="{0D108BD9-81ED-4DB2-BD59-A6C34878D82A}">
+                    <a16:rowId xmlns:a16="http://schemas.microsoft.com/office/drawing/2014/main" val="3583286875"/>
+                  </a:ext>
+                </a:extLst>
+              </a:tr>
+              <a:tr h="799264">
+                <a:tc>
+                  <a:txBody>
+                    <a:bodyPr/>
+                    <a:lstStyle/>
+                    <a:p>
+                      <a:pPr marL="0" marR="0" algn="r" fontAlgn="t">
+                        <a:spcBef>
+                          <a:spcPts val="0"/>
+                        </a:spcBef>
+                        <a:spcAft>
+                          <a:spcPts val="0"/>
+                        </a:spcAft>
+                      </a:pPr>
+                      <a:r>
+                        <a:rPr lang="ko-KR" sz="900">
+                          <a:effectLst/>
+                          <a:ea typeface="Arial" panose="020B0604020202020204" pitchFamily="34" charset="0"/>
+                        </a:rPr>
+                        <a:t>1963</a:t>
+                      </a:r>
+                    </a:p>
+                  </a:txBody>
+                  <a:tcPr marL="37127" marR="37127" marT="37127" marB="37127">
+                    <a:lnL w="12700" cap="flat" cmpd="sng" algn="ctr">
+                      <a:solidFill>
+                        <a:srgbClr val="A3A3A3"/>
+                      </a:solidFill>
+                      <a:prstDash val="solid"/>
+                      <a:round/>
+                      <a:headEnd type="none" w="med" len="med"/>
+                      <a:tailEnd type="none" w="med" len="med"/>
+                    </a:lnL>
+                    <a:lnR w="12700" cap="flat" cmpd="sng" algn="ctr">
+                      <a:solidFill>
+                        <a:srgbClr val="A3A3A3"/>
+                      </a:solidFill>
+                      <a:prstDash val="solid"/>
+                      <a:round/>
+                      <a:headEnd type="none" w="med" len="med"/>
+                      <a:tailEnd type="none" w="med" len="med"/>
+                    </a:lnR>
+                    <a:lnT w="12700" cap="flat" cmpd="sng" algn="ctr">
+                      <a:solidFill>
+                        <a:srgbClr val="A3A3A3"/>
+                      </a:solidFill>
+                      <a:prstDash val="solid"/>
+                      <a:round/>
+                      <a:headEnd type="none" w="med" len="med"/>
+                      <a:tailEnd type="none" w="med" len="med"/>
+                    </a:lnT>
+                    <a:lnB w="12700" cap="flat" cmpd="sng" algn="ctr">
+                      <a:solidFill>
+                        <a:srgbClr val="A3A3A3"/>
+                      </a:solidFill>
+                      <a:prstDash val="solid"/>
+                      <a:round/>
+                      <a:headEnd type="none" w="med" len="med"/>
+                      <a:tailEnd type="none" w="med" len="med"/>
+                    </a:lnB>
+                  </a:tcPr>
+                </a:tc>
+                <a:tc>
+                  <a:txBody>
+                    <a:bodyPr/>
+                    <a:lstStyle/>
+                    <a:p>
+                      <a:pPr marL="0" marR="0" fontAlgn="t">
+                        <a:spcBef>
+                          <a:spcPts val="0"/>
+                        </a:spcBef>
+                        <a:spcAft>
+                          <a:spcPts val="0"/>
+                        </a:spcAft>
+                      </a:pPr>
+                      <a:r>
+                        <a:rPr lang="ko-KR" sz="900">
+                          <a:effectLst/>
+                          <a:ea typeface="Arial" panose="020B0604020202020204" pitchFamily="34" charset="0"/>
+                        </a:rPr>
+                        <a:t>ADALINE</a:t>
+                      </a:r>
+                    </a:p>
+                  </a:txBody>
+                  <a:tcPr marL="37127" marR="37127" marT="37127" marB="37127">
+                    <a:lnL w="12700" cap="flat" cmpd="sng" algn="ctr">
+                      <a:solidFill>
+                        <a:srgbClr val="A3A3A3"/>
+                      </a:solidFill>
+                      <a:prstDash val="solid"/>
+                      <a:round/>
+                      <a:headEnd type="none" w="med" len="med"/>
+                      <a:tailEnd type="none" w="med" len="med"/>
+                    </a:lnL>
+                    <a:lnR w="12700" cap="flat" cmpd="sng" algn="ctr">
+                      <a:solidFill>
+                        <a:srgbClr val="A3A3A3"/>
+                      </a:solidFill>
+                      <a:prstDash val="solid"/>
+                      <a:round/>
+                      <a:headEnd type="none" w="med" len="med"/>
+                      <a:tailEnd type="none" w="med" len="med"/>
+                    </a:lnR>
+                    <a:lnT w="12700" cap="flat" cmpd="sng" algn="ctr">
+                      <a:solidFill>
+                        <a:srgbClr val="A3A3A3"/>
+                      </a:solidFill>
+                      <a:prstDash val="solid"/>
+                      <a:round/>
+                      <a:headEnd type="none" w="med" len="med"/>
+                      <a:tailEnd type="none" w="med" len="med"/>
+                    </a:lnT>
+                    <a:lnB w="12700" cap="flat" cmpd="sng" algn="ctr">
+                      <a:solidFill>
+                        <a:srgbClr val="A3A3A3"/>
+                      </a:solidFill>
+                      <a:prstDash val="solid"/>
+                      <a:round/>
+                      <a:headEnd type="none" w="med" len="med"/>
+                      <a:tailEnd type="none" w="med" len="med"/>
+                    </a:lnB>
+                  </a:tcPr>
+                </a:tc>
+                <a:tc>
+                  <a:txBody>
+                    <a:bodyPr/>
+                    <a:lstStyle/>
+                    <a:p>
+                      <a:pPr marL="0" marR="0" fontAlgn="t">
+                        <a:spcBef>
+                          <a:spcPts val="0"/>
+                        </a:spcBef>
+                        <a:spcAft>
+                          <a:spcPts val="0"/>
+                        </a:spcAft>
+                      </a:pPr>
+                      <a:r>
+                        <a:rPr lang="ko-KR" sz="900">
+                          <a:effectLst/>
+                          <a:ea typeface="Arial" panose="020B0604020202020204" pitchFamily="34" charset="0"/>
+                        </a:rPr>
+                        <a:t>A type of perceptron that uses a differentiable activation function, making it more adaptable to different types of data.</a:t>
+                      </a:r>
+                    </a:p>
+                  </a:txBody>
+                  <a:tcPr marL="37127" marR="37127" marT="37127" marB="37127">
+                    <a:lnL w="12700" cap="flat" cmpd="sng" algn="ctr">
+                      <a:solidFill>
+                        <a:srgbClr val="A3A3A3"/>
+                      </a:solidFill>
+                      <a:prstDash val="solid"/>
+                      <a:round/>
+                      <a:headEnd type="none" w="med" len="med"/>
+                      <a:tailEnd type="none" w="med" len="med"/>
+                    </a:lnL>
+                    <a:lnR w="12700" cap="flat" cmpd="sng" algn="ctr">
+                      <a:solidFill>
+                        <a:srgbClr val="A3A3A3"/>
+                      </a:solidFill>
+                      <a:prstDash val="solid"/>
+                      <a:round/>
+                      <a:headEnd type="none" w="med" len="med"/>
+                      <a:tailEnd type="none" w="med" len="med"/>
+                    </a:lnR>
+                    <a:lnT w="12700" cap="flat" cmpd="sng" algn="ctr">
+                      <a:solidFill>
+                        <a:srgbClr val="A3A3A3"/>
+                      </a:solidFill>
+                      <a:prstDash val="solid"/>
+                      <a:round/>
+                      <a:headEnd type="none" w="med" len="med"/>
+                      <a:tailEnd type="none" w="med" len="med"/>
+                    </a:lnT>
+                    <a:lnB w="12700" cap="flat" cmpd="sng" algn="ctr">
+                      <a:solidFill>
+                        <a:srgbClr val="A3A3A3"/>
+                      </a:solidFill>
+                      <a:prstDash val="solid"/>
+                      <a:round/>
+                      <a:headEnd type="none" w="med" len="med"/>
+                      <a:tailEnd type="none" w="med" len="med"/>
+                    </a:lnB>
+                  </a:tcPr>
+                </a:tc>
+                <a:extLst>
+                  <a:ext uri="{0D108BD9-81ED-4DB2-BD59-A6C34878D82A}">
+                    <a16:rowId xmlns:a16="http://schemas.microsoft.com/office/drawing/2014/main" val="1644747211"/>
+                  </a:ext>
+                </a:extLst>
+              </a:tr>
+              <a:tr h="447272">
+                <a:tc>
+                  <a:txBody>
+                    <a:bodyPr/>
+                    <a:lstStyle/>
+                    <a:p>
+                      <a:pPr marL="0" marR="0" algn="r" fontAlgn="t">
+                        <a:spcBef>
+                          <a:spcPts val="0"/>
+                        </a:spcBef>
+                        <a:spcAft>
+                          <a:spcPts val="0"/>
+                        </a:spcAft>
+                      </a:pPr>
+                      <a:r>
+                        <a:rPr lang="ko-KR" sz="900">
+                          <a:effectLst/>
+                          <a:ea typeface="Arial" panose="020B0604020202020204" pitchFamily="34" charset="0"/>
+                        </a:rPr>
+                        <a:t>1969</a:t>
+                      </a:r>
+                    </a:p>
+                  </a:txBody>
+                  <a:tcPr marL="37127" marR="37127" marT="37127" marB="37127">
+                    <a:lnL w="12700" cap="flat" cmpd="sng" algn="ctr">
+                      <a:solidFill>
+                        <a:srgbClr val="A3A3A3"/>
+                      </a:solidFill>
+                      <a:prstDash val="solid"/>
+                      <a:round/>
+                      <a:headEnd type="none" w="med" len="med"/>
+                      <a:tailEnd type="none" w="med" len="med"/>
+                    </a:lnL>
+                    <a:lnR w="12700" cap="flat" cmpd="sng" algn="ctr">
+                      <a:solidFill>
+                        <a:srgbClr val="A3A3A3"/>
+                      </a:solidFill>
+                      <a:prstDash val="solid"/>
+                      <a:round/>
+                      <a:headEnd type="none" w="med" len="med"/>
+                      <a:tailEnd type="none" w="med" len="med"/>
+                    </a:lnR>
+                    <a:lnT w="12700" cap="flat" cmpd="sng" algn="ctr">
+                      <a:solidFill>
+                        <a:srgbClr val="A3A3A3"/>
+                      </a:solidFill>
+                      <a:prstDash val="solid"/>
+                      <a:round/>
+                      <a:headEnd type="none" w="med" len="med"/>
+                      <a:tailEnd type="none" w="med" len="med"/>
+                    </a:lnT>
+                    <a:lnB w="12700" cap="flat" cmpd="sng" algn="ctr">
+                      <a:solidFill>
+                        <a:srgbClr val="A3A3A3"/>
+                      </a:solidFill>
+                      <a:prstDash val="solid"/>
+                      <a:round/>
+                      <a:headEnd type="none" w="med" len="med"/>
+                      <a:tailEnd type="none" w="med" len="med"/>
+                    </a:lnB>
+                  </a:tcPr>
+                </a:tc>
+                <a:tc>
+                  <a:txBody>
+                    <a:bodyPr/>
+                    <a:lstStyle/>
+                    <a:p>
+                      <a:pPr marL="0" marR="0" fontAlgn="t">
+                        <a:spcBef>
+                          <a:spcPts val="0"/>
+                        </a:spcBef>
+                        <a:spcAft>
+                          <a:spcPts val="0"/>
+                        </a:spcAft>
+                      </a:pPr>
+                      <a:r>
+                        <a:rPr lang="ko-KR" sz="900">
+                          <a:effectLst/>
+                          <a:ea typeface="Arial" panose="020B0604020202020204" pitchFamily="34" charset="0"/>
+                        </a:rPr>
+                        <a:t>Multiple layer neural networks</a:t>
+                      </a:r>
+                    </a:p>
+                  </a:txBody>
+                  <a:tcPr marL="37127" marR="37127" marT="37127" marB="37127">
+                    <a:lnL w="12700" cap="flat" cmpd="sng" algn="ctr">
+                      <a:solidFill>
+                        <a:srgbClr val="A3A3A3"/>
+                      </a:solidFill>
+                      <a:prstDash val="solid"/>
+                      <a:round/>
+                      <a:headEnd type="none" w="med" len="med"/>
+                      <a:tailEnd type="none" w="med" len="med"/>
+                    </a:lnL>
+                    <a:lnR w="12700" cap="flat" cmpd="sng" algn="ctr">
+                      <a:solidFill>
+                        <a:srgbClr val="A3A3A3"/>
+                      </a:solidFill>
+                      <a:prstDash val="solid"/>
+                      <a:round/>
+                      <a:headEnd type="none" w="med" len="med"/>
+                      <a:tailEnd type="none" w="med" len="med"/>
+                    </a:lnR>
+                    <a:lnT w="12700" cap="flat" cmpd="sng" algn="ctr">
+                      <a:solidFill>
+                        <a:srgbClr val="A3A3A3"/>
+                      </a:solidFill>
+                      <a:prstDash val="solid"/>
+                      <a:round/>
+                      <a:headEnd type="none" w="med" len="med"/>
+                      <a:tailEnd type="none" w="med" len="med"/>
+                    </a:lnT>
+                    <a:lnB w="12700" cap="flat" cmpd="sng" algn="ctr">
+                      <a:solidFill>
+                        <a:srgbClr val="A3A3A3"/>
+                      </a:solidFill>
+                      <a:prstDash val="solid"/>
+                      <a:round/>
+                      <a:headEnd type="none" w="med" len="med"/>
+                      <a:tailEnd type="none" w="med" len="med"/>
+                    </a:lnB>
+                  </a:tcPr>
+                </a:tc>
+                <a:tc>
+                  <a:txBody>
+                    <a:bodyPr/>
+                    <a:lstStyle/>
+                    <a:p>
+                      <a:pPr marL="0" marR="0" fontAlgn="t">
+                        <a:spcBef>
+                          <a:spcPts val="0"/>
+                        </a:spcBef>
+                        <a:spcAft>
+                          <a:spcPts val="0"/>
+                        </a:spcAft>
+                      </a:pPr>
+                      <a:r>
+                        <a:rPr lang="ko-KR" sz="900">
+                          <a:effectLst/>
+                          <a:ea typeface="Arial" panose="020B0604020202020204" pitchFamily="34" charset="0"/>
+                        </a:rPr>
+                        <a:t>A type of neural network that has more than one layer of neurons.</a:t>
+                      </a:r>
+                    </a:p>
+                  </a:txBody>
+                  <a:tcPr marL="37127" marR="37127" marT="37127" marB="37127">
+                    <a:lnL w="12700" cap="flat" cmpd="sng" algn="ctr">
+                      <a:solidFill>
+                        <a:srgbClr val="A3A3A3"/>
+                      </a:solidFill>
+                      <a:prstDash val="solid"/>
+                      <a:round/>
+                      <a:headEnd type="none" w="med" len="med"/>
+                      <a:tailEnd type="none" w="med" len="med"/>
+                    </a:lnL>
+                    <a:lnR w="12700" cap="flat" cmpd="sng" algn="ctr">
+                      <a:solidFill>
+                        <a:srgbClr val="A3A3A3"/>
+                      </a:solidFill>
+                      <a:prstDash val="solid"/>
+                      <a:round/>
+                      <a:headEnd type="none" w="med" len="med"/>
+                      <a:tailEnd type="none" w="med" len="med"/>
+                    </a:lnR>
+                    <a:lnT w="12700" cap="flat" cmpd="sng" algn="ctr">
+                      <a:solidFill>
+                        <a:srgbClr val="A3A3A3"/>
+                      </a:solidFill>
+                      <a:prstDash val="solid"/>
+                      <a:round/>
+                      <a:headEnd type="none" w="med" len="med"/>
+                      <a:tailEnd type="none" w="med" len="med"/>
+                    </a:lnT>
+                    <a:lnB w="12700" cap="flat" cmpd="sng" algn="ctr">
+                      <a:solidFill>
+                        <a:srgbClr val="A3A3A3"/>
+                      </a:solidFill>
+                      <a:prstDash val="solid"/>
+                      <a:round/>
+                      <a:headEnd type="none" w="med" len="med"/>
+                      <a:tailEnd type="none" w="med" len="med"/>
+                    </a:lnB>
+                  </a:tcPr>
+                </a:tc>
+                <a:extLst>
+                  <a:ext uri="{0D108BD9-81ED-4DB2-BD59-A6C34878D82A}">
+                    <a16:rowId xmlns:a16="http://schemas.microsoft.com/office/drawing/2014/main" val="301218904"/>
+                  </a:ext>
+                </a:extLst>
+              </a:tr>
+              <a:tr h="447272">
+                <a:tc>
+                  <a:txBody>
+                    <a:bodyPr/>
+                    <a:lstStyle/>
+                    <a:p>
+                      <a:pPr marL="0" marR="0" algn="r" fontAlgn="t">
+                        <a:spcBef>
+                          <a:spcPts val="0"/>
+                        </a:spcBef>
+                        <a:spcAft>
+                          <a:spcPts val="0"/>
+                        </a:spcAft>
+                      </a:pPr>
+                      <a:r>
+                        <a:rPr lang="ko-KR" sz="900">
+                          <a:effectLst/>
+                          <a:ea typeface="Arial" panose="020B0604020202020204" pitchFamily="34" charset="0"/>
+                        </a:rPr>
+                        <a:t>1974</a:t>
+                      </a:r>
+                    </a:p>
+                  </a:txBody>
+                  <a:tcPr marL="37127" marR="37127" marT="37127" marB="37127">
+                    <a:lnL w="12700" cap="flat" cmpd="sng" algn="ctr">
+                      <a:solidFill>
+                        <a:srgbClr val="A3A3A3"/>
+                      </a:solidFill>
+                      <a:prstDash val="solid"/>
+                      <a:round/>
+                      <a:headEnd type="none" w="med" len="med"/>
+                      <a:tailEnd type="none" w="med" len="med"/>
+                    </a:lnL>
+                    <a:lnR w="12700" cap="flat" cmpd="sng" algn="ctr">
+                      <a:solidFill>
+                        <a:srgbClr val="A3A3A3"/>
+                      </a:solidFill>
+                      <a:prstDash val="solid"/>
+                      <a:round/>
+                      <a:headEnd type="none" w="med" len="med"/>
+                      <a:tailEnd type="none" w="med" len="med"/>
+                    </a:lnR>
+                    <a:lnT w="12700" cap="flat" cmpd="sng" algn="ctr">
+                      <a:solidFill>
+                        <a:srgbClr val="A3A3A3"/>
+                      </a:solidFill>
+                      <a:prstDash val="solid"/>
+                      <a:round/>
+                      <a:headEnd type="none" w="med" len="med"/>
+                      <a:tailEnd type="none" w="med" len="med"/>
+                    </a:lnT>
+                    <a:lnB w="12700" cap="flat" cmpd="sng" algn="ctr">
+                      <a:solidFill>
+                        <a:srgbClr val="A3A3A3"/>
+                      </a:solidFill>
+                      <a:prstDash val="solid"/>
+                      <a:round/>
+                      <a:headEnd type="none" w="med" len="med"/>
+                      <a:tailEnd type="none" w="med" len="med"/>
+                    </a:lnB>
+                  </a:tcPr>
+                </a:tc>
+                <a:tc>
+                  <a:txBody>
+                    <a:bodyPr/>
+                    <a:lstStyle/>
+                    <a:p>
+                      <a:pPr marL="0" marR="0" fontAlgn="t">
+                        <a:spcBef>
+                          <a:spcPts val="0"/>
+                        </a:spcBef>
+                        <a:spcAft>
+                          <a:spcPts val="0"/>
+                        </a:spcAft>
+                      </a:pPr>
+                      <a:r>
+                        <a:rPr lang="ko-KR" sz="900" dirty="0" err="1">
+                          <a:effectLst/>
+                          <a:ea typeface="Arial" panose="020B0604020202020204" pitchFamily="34" charset="0"/>
+                        </a:rPr>
+                        <a:t>Backpropagation</a:t>
+                      </a:r>
+                      <a:endParaRPr lang="ko-KR" sz="900" dirty="0">
+                        <a:effectLst/>
+                        <a:ea typeface="Arial" panose="020B0604020202020204" pitchFamily="34" charset="0"/>
+                      </a:endParaRPr>
+                    </a:p>
+                  </a:txBody>
+                  <a:tcPr marL="37127" marR="37127" marT="37127" marB="37127">
+                    <a:lnL w="12700" cap="flat" cmpd="sng" algn="ctr">
+                      <a:solidFill>
+                        <a:srgbClr val="A3A3A3"/>
+                      </a:solidFill>
+                      <a:prstDash val="solid"/>
+                      <a:round/>
+                      <a:headEnd type="none" w="med" len="med"/>
+                      <a:tailEnd type="none" w="med" len="med"/>
+                    </a:lnL>
+                    <a:lnR w="12700" cap="flat" cmpd="sng" algn="ctr">
+                      <a:solidFill>
+                        <a:srgbClr val="A3A3A3"/>
+                      </a:solidFill>
+                      <a:prstDash val="solid"/>
+                      <a:round/>
+                      <a:headEnd type="none" w="med" len="med"/>
+                      <a:tailEnd type="none" w="med" len="med"/>
+                    </a:lnR>
+                    <a:lnT w="12700" cap="flat" cmpd="sng" algn="ctr">
+                      <a:solidFill>
+                        <a:srgbClr val="A3A3A3"/>
+                      </a:solidFill>
+                      <a:prstDash val="solid"/>
+                      <a:round/>
+                      <a:headEnd type="none" w="med" len="med"/>
+                      <a:tailEnd type="none" w="med" len="med"/>
+                    </a:lnT>
+                    <a:lnB w="12700" cap="flat" cmpd="sng" algn="ctr">
+                      <a:solidFill>
+                        <a:srgbClr val="A3A3A3"/>
+                      </a:solidFill>
+                      <a:prstDash val="solid"/>
+                      <a:round/>
+                      <a:headEnd type="none" w="med" len="med"/>
+                      <a:tailEnd type="none" w="med" len="med"/>
+                    </a:lnB>
+                  </a:tcPr>
+                </a:tc>
+                <a:tc>
+                  <a:txBody>
+                    <a:bodyPr/>
+                    <a:lstStyle/>
+                    <a:p>
+                      <a:pPr marL="0" marR="0" fontAlgn="t">
+                        <a:spcBef>
+                          <a:spcPts val="0"/>
+                        </a:spcBef>
+                        <a:spcAft>
+                          <a:spcPts val="0"/>
+                        </a:spcAft>
+                      </a:pPr>
+                      <a:r>
+                        <a:rPr lang="ko-KR" sz="900">
+                          <a:effectLst/>
+                          <a:ea typeface="Arial" panose="020B0604020202020204" pitchFamily="34" charset="0"/>
+                        </a:rPr>
+                        <a:t>A method for training neural networks.</a:t>
+                      </a:r>
+                    </a:p>
+                  </a:txBody>
+                  <a:tcPr marL="37127" marR="37127" marT="37127" marB="37127">
+                    <a:lnL w="12700" cap="flat" cmpd="sng" algn="ctr">
+                      <a:solidFill>
+                        <a:srgbClr val="A3A3A3"/>
+                      </a:solidFill>
+                      <a:prstDash val="solid"/>
+                      <a:round/>
+                      <a:headEnd type="none" w="med" len="med"/>
+                      <a:tailEnd type="none" w="med" len="med"/>
+                    </a:lnL>
+                    <a:lnR w="12700" cap="flat" cmpd="sng" algn="ctr">
+                      <a:solidFill>
+                        <a:srgbClr val="A3A3A3"/>
+                      </a:solidFill>
+                      <a:prstDash val="solid"/>
+                      <a:round/>
+                      <a:headEnd type="none" w="med" len="med"/>
+                      <a:tailEnd type="none" w="med" len="med"/>
+                    </a:lnR>
+                    <a:lnT w="12700" cap="flat" cmpd="sng" algn="ctr">
+                      <a:solidFill>
+                        <a:srgbClr val="A3A3A3"/>
+                      </a:solidFill>
+                      <a:prstDash val="solid"/>
+                      <a:round/>
+                      <a:headEnd type="none" w="med" len="med"/>
+                      <a:tailEnd type="none" w="med" len="med"/>
+                    </a:lnT>
+                    <a:lnB w="12700" cap="flat" cmpd="sng" algn="ctr">
+                      <a:solidFill>
+                        <a:srgbClr val="A3A3A3"/>
+                      </a:solidFill>
+                      <a:prstDash val="solid"/>
+                      <a:round/>
+                      <a:headEnd type="none" w="med" len="med"/>
+                      <a:tailEnd type="none" w="med" len="med"/>
+                    </a:lnB>
+                  </a:tcPr>
+                </a:tc>
+                <a:extLst>
+                  <a:ext uri="{0D108BD9-81ED-4DB2-BD59-A6C34878D82A}">
+                    <a16:rowId xmlns:a16="http://schemas.microsoft.com/office/drawing/2014/main" val="2569077884"/>
+                  </a:ext>
+                </a:extLst>
+              </a:tr>
+              <a:tr h="447272">
+                <a:tc>
+                  <a:txBody>
+                    <a:bodyPr/>
+                    <a:lstStyle/>
+                    <a:p>
+                      <a:pPr marL="0" marR="0" algn="r" fontAlgn="t">
+                        <a:spcBef>
+                          <a:spcPts val="0"/>
+                        </a:spcBef>
+                        <a:spcAft>
+                          <a:spcPts val="0"/>
+                        </a:spcAft>
+                      </a:pPr>
+                      <a:r>
+                        <a:rPr lang="ko-KR" sz="900">
+                          <a:effectLst/>
+                          <a:ea typeface="Arial" panose="020B0604020202020204" pitchFamily="34" charset="0"/>
+                        </a:rPr>
+                        <a:t>2006</a:t>
+                      </a:r>
+                    </a:p>
+                  </a:txBody>
+                  <a:tcPr marL="37127" marR="37127" marT="37127" marB="37127">
+                    <a:lnL w="12700" cap="flat" cmpd="sng" algn="ctr">
+                      <a:solidFill>
+                        <a:srgbClr val="A3A3A3"/>
+                      </a:solidFill>
+                      <a:prstDash val="solid"/>
+                      <a:round/>
+                      <a:headEnd type="none" w="med" len="med"/>
+                      <a:tailEnd type="none" w="med" len="med"/>
+                    </a:lnL>
+                    <a:lnR w="12700" cap="flat" cmpd="sng" algn="ctr">
+                      <a:solidFill>
+                        <a:srgbClr val="A3A3A3"/>
+                      </a:solidFill>
+                      <a:prstDash val="solid"/>
+                      <a:round/>
+                      <a:headEnd type="none" w="med" len="med"/>
+                      <a:tailEnd type="none" w="med" len="med"/>
+                    </a:lnR>
+                    <a:lnT w="12700" cap="flat" cmpd="sng" algn="ctr">
+                      <a:solidFill>
+                        <a:srgbClr val="A3A3A3"/>
+                      </a:solidFill>
+                      <a:prstDash val="solid"/>
+                      <a:round/>
+                      <a:headEnd type="none" w="med" len="med"/>
+                      <a:tailEnd type="none" w="med" len="med"/>
+                    </a:lnT>
+                    <a:lnB w="12700" cap="flat" cmpd="sng" algn="ctr">
+                      <a:solidFill>
+                        <a:srgbClr val="A3A3A3"/>
+                      </a:solidFill>
+                      <a:prstDash val="solid"/>
+                      <a:round/>
+                      <a:headEnd type="none" w="med" len="med"/>
+                      <a:tailEnd type="none" w="med" len="med"/>
+                    </a:lnB>
+                  </a:tcPr>
+                </a:tc>
+                <a:tc>
+                  <a:txBody>
+                    <a:bodyPr/>
+                    <a:lstStyle/>
+                    <a:p>
+                      <a:pPr marL="0" marR="0" fontAlgn="t">
+                        <a:spcBef>
+                          <a:spcPts val="0"/>
+                        </a:spcBef>
+                        <a:spcAft>
+                          <a:spcPts val="0"/>
+                        </a:spcAft>
+                      </a:pPr>
+                      <a:r>
+                        <a:rPr lang="ko-KR" sz="900">
+                          <a:effectLst/>
+                          <a:ea typeface="Arial" panose="020B0604020202020204" pitchFamily="34" charset="0"/>
+                        </a:rPr>
+                        <a:t>Deep learning</a:t>
+                      </a:r>
+                    </a:p>
+                  </a:txBody>
+                  <a:tcPr marL="37127" marR="37127" marT="37127" marB="37127">
+                    <a:lnL w="12700" cap="flat" cmpd="sng" algn="ctr">
+                      <a:solidFill>
+                        <a:srgbClr val="A3A3A3"/>
+                      </a:solidFill>
+                      <a:prstDash val="solid"/>
+                      <a:round/>
+                      <a:headEnd type="none" w="med" len="med"/>
+                      <a:tailEnd type="none" w="med" len="med"/>
+                    </a:lnL>
+                    <a:lnR w="12700" cap="flat" cmpd="sng" algn="ctr">
+                      <a:solidFill>
+                        <a:srgbClr val="A3A3A3"/>
+                      </a:solidFill>
+                      <a:prstDash val="solid"/>
+                      <a:round/>
+                      <a:headEnd type="none" w="med" len="med"/>
+                      <a:tailEnd type="none" w="med" len="med"/>
+                    </a:lnR>
+                    <a:lnT w="12700" cap="flat" cmpd="sng" algn="ctr">
+                      <a:solidFill>
+                        <a:srgbClr val="A3A3A3"/>
+                      </a:solidFill>
+                      <a:prstDash val="solid"/>
+                      <a:round/>
+                      <a:headEnd type="none" w="med" len="med"/>
+                      <a:tailEnd type="none" w="med" len="med"/>
+                    </a:lnT>
+                    <a:lnB w="12700" cap="flat" cmpd="sng" algn="ctr">
+                      <a:solidFill>
+                        <a:srgbClr val="A3A3A3"/>
+                      </a:solidFill>
+                      <a:prstDash val="solid"/>
+                      <a:round/>
+                      <a:headEnd type="none" w="med" len="med"/>
+                      <a:tailEnd type="none" w="med" len="med"/>
+                    </a:lnB>
+                  </a:tcPr>
+                </a:tc>
+                <a:tc>
+                  <a:txBody>
+                    <a:bodyPr/>
+                    <a:lstStyle/>
+                    <a:p>
+                      <a:pPr marL="0" marR="0" fontAlgn="t">
+                        <a:spcBef>
+                          <a:spcPts val="0"/>
+                        </a:spcBef>
+                        <a:spcAft>
+                          <a:spcPts val="0"/>
+                        </a:spcAft>
+                      </a:pPr>
+                      <a:r>
+                        <a:rPr lang="ko-KR" sz="900" dirty="0" err="1">
+                          <a:effectLst/>
+                          <a:ea typeface="Arial" panose="020B0604020202020204" pitchFamily="34" charset="0"/>
+                        </a:rPr>
+                        <a:t>A</a:t>
+                      </a:r>
+                      <a:r>
+                        <a:rPr lang="ko-KR" sz="900" dirty="0">
+                          <a:effectLst/>
+                          <a:ea typeface="Arial" panose="020B0604020202020204" pitchFamily="34" charset="0"/>
+                        </a:rPr>
+                        <a:t> </a:t>
+                      </a:r>
+                      <a:r>
+                        <a:rPr lang="ko-KR" sz="900" dirty="0" err="1">
+                          <a:effectLst/>
+                          <a:ea typeface="Arial" panose="020B0604020202020204" pitchFamily="34" charset="0"/>
+                        </a:rPr>
+                        <a:t>type</a:t>
+                      </a:r>
+                      <a:r>
+                        <a:rPr lang="ko-KR" sz="900" dirty="0">
+                          <a:effectLst/>
+                          <a:ea typeface="Arial" panose="020B0604020202020204" pitchFamily="34" charset="0"/>
+                        </a:rPr>
+                        <a:t> of </a:t>
+                      </a:r>
+                      <a:r>
+                        <a:rPr lang="ko-KR" sz="900" dirty="0" err="1">
+                          <a:effectLst/>
+                          <a:ea typeface="Arial" panose="020B0604020202020204" pitchFamily="34" charset="0"/>
+                        </a:rPr>
+                        <a:t>machine</a:t>
+                      </a:r>
+                      <a:r>
+                        <a:rPr lang="ko-KR" sz="900" dirty="0">
+                          <a:effectLst/>
+                          <a:ea typeface="Arial" panose="020B0604020202020204" pitchFamily="34" charset="0"/>
+                        </a:rPr>
+                        <a:t> </a:t>
+                      </a:r>
+                      <a:r>
+                        <a:rPr lang="ko-KR" sz="900" dirty="0" err="1">
+                          <a:effectLst/>
+                          <a:ea typeface="Arial" panose="020B0604020202020204" pitchFamily="34" charset="0"/>
+                        </a:rPr>
+                        <a:t>learning</a:t>
+                      </a:r>
+                      <a:r>
+                        <a:rPr lang="ko-KR" sz="900" dirty="0">
+                          <a:effectLst/>
+                          <a:ea typeface="Arial" panose="020B0604020202020204" pitchFamily="34" charset="0"/>
+                        </a:rPr>
+                        <a:t> </a:t>
+                      </a:r>
+                      <a:r>
+                        <a:rPr lang="ko-KR" sz="900" dirty="0" err="1">
+                          <a:effectLst/>
+                          <a:ea typeface="Arial" panose="020B0604020202020204" pitchFamily="34" charset="0"/>
+                        </a:rPr>
+                        <a:t>that</a:t>
+                      </a:r>
+                      <a:r>
+                        <a:rPr lang="ko-KR" sz="900" dirty="0">
+                          <a:effectLst/>
+                          <a:ea typeface="Arial" panose="020B0604020202020204" pitchFamily="34" charset="0"/>
+                        </a:rPr>
+                        <a:t> </a:t>
+                      </a:r>
+                      <a:r>
+                        <a:rPr lang="ko-KR" sz="900" dirty="0" err="1">
+                          <a:effectLst/>
+                          <a:ea typeface="Arial" panose="020B0604020202020204" pitchFamily="34" charset="0"/>
+                        </a:rPr>
+                        <a:t>uses</a:t>
+                      </a:r>
+                      <a:r>
+                        <a:rPr lang="ko-KR" sz="900" dirty="0">
+                          <a:effectLst/>
+                          <a:ea typeface="Arial" panose="020B0604020202020204" pitchFamily="34" charset="0"/>
+                        </a:rPr>
+                        <a:t> </a:t>
+                      </a:r>
+                      <a:r>
+                        <a:rPr lang="ko-KR" sz="900" dirty="0" err="1">
+                          <a:effectLst/>
+                          <a:ea typeface="Arial" panose="020B0604020202020204" pitchFamily="34" charset="0"/>
+                        </a:rPr>
+                        <a:t>deep</a:t>
+                      </a:r>
+                      <a:r>
+                        <a:rPr lang="ko-KR" sz="900" dirty="0">
+                          <a:effectLst/>
+                          <a:ea typeface="Arial" panose="020B0604020202020204" pitchFamily="34" charset="0"/>
+                        </a:rPr>
+                        <a:t> </a:t>
+                      </a:r>
+                      <a:r>
+                        <a:rPr lang="ko-KR" sz="900" dirty="0" err="1">
+                          <a:effectLst/>
+                          <a:ea typeface="Arial" panose="020B0604020202020204" pitchFamily="34" charset="0"/>
+                        </a:rPr>
+                        <a:t>neural</a:t>
+                      </a:r>
+                      <a:r>
+                        <a:rPr lang="ko-KR" sz="900" dirty="0">
+                          <a:effectLst/>
+                          <a:ea typeface="Arial" panose="020B0604020202020204" pitchFamily="34" charset="0"/>
+                        </a:rPr>
+                        <a:t> </a:t>
+                      </a:r>
+                      <a:r>
+                        <a:rPr lang="ko-KR" sz="900" dirty="0" err="1">
+                          <a:effectLst/>
+                          <a:ea typeface="Arial" panose="020B0604020202020204" pitchFamily="34" charset="0"/>
+                        </a:rPr>
+                        <a:t>networks</a:t>
+                      </a:r>
+                      <a:r>
+                        <a:rPr lang="ko-KR" sz="900" dirty="0">
+                          <a:effectLst/>
+                          <a:ea typeface="Arial" panose="020B0604020202020204" pitchFamily="34" charset="0"/>
+                        </a:rPr>
+                        <a:t>.</a:t>
+                      </a:r>
+                    </a:p>
+                  </a:txBody>
+                  <a:tcPr marL="37127" marR="37127" marT="37127" marB="37127">
+                    <a:lnL w="12700" cap="flat" cmpd="sng" algn="ctr">
+                      <a:solidFill>
+                        <a:srgbClr val="A3A3A3"/>
+                      </a:solidFill>
+                      <a:prstDash val="solid"/>
+                      <a:round/>
+                      <a:headEnd type="none" w="med" len="med"/>
+                      <a:tailEnd type="none" w="med" len="med"/>
+                    </a:lnL>
+                    <a:lnR w="12700" cap="flat" cmpd="sng" algn="ctr">
+                      <a:solidFill>
+                        <a:srgbClr val="A3A3A3"/>
+                      </a:solidFill>
+                      <a:prstDash val="solid"/>
+                      <a:round/>
+                      <a:headEnd type="none" w="med" len="med"/>
+                      <a:tailEnd type="none" w="med" len="med"/>
+                    </a:lnR>
+                    <a:lnT w="12700" cap="flat" cmpd="sng" algn="ctr">
+                      <a:solidFill>
+                        <a:srgbClr val="A3A3A3"/>
+                      </a:solidFill>
+                      <a:prstDash val="solid"/>
+                      <a:round/>
+                      <a:headEnd type="none" w="med" len="med"/>
+                      <a:tailEnd type="none" w="med" len="med"/>
+                    </a:lnT>
+                    <a:lnB w="12700" cap="flat" cmpd="sng" algn="ctr">
+                      <a:solidFill>
+                        <a:srgbClr val="A3A3A3"/>
+                      </a:solidFill>
+                      <a:prstDash val="solid"/>
+                      <a:round/>
+                      <a:headEnd type="none" w="med" len="med"/>
+                      <a:tailEnd type="none" w="med" len="med"/>
+                    </a:lnB>
+                  </a:tcPr>
+                </a:tc>
+                <a:extLst>
+                  <a:ext uri="{0D108BD9-81ED-4DB2-BD59-A6C34878D82A}">
+                    <a16:rowId xmlns:a16="http://schemas.microsoft.com/office/drawing/2014/main" val="244188796"/>
+                  </a:ext>
+                </a:extLst>
+              </a:tr>
+            </a:tbl>
+          </a:graphicData>
+        </a:graphic>
+      </p:graphicFrame>
+    </p:spTree>
+    <p:extLst>
+      <p:ext uri="{BB962C8B-B14F-4D97-AF65-F5344CB8AC3E}">
+        <p14:creationId xmlns:p14="http://schemas.microsoft.com/office/powerpoint/2010/main" val="2312936086"/>
+      </p:ext>
+    </p:extLst>
+  </p:cSld>
+  <p:clrMapOvr>
+    <a:masterClrMapping/>
+  </p:clrMapOvr>
+</p:sld>
+</file>
+
 <file path=ppt/theme/theme1.xml><?xml version="1.0" encoding="utf-8"?>
 <a:theme xmlns:a="http://schemas.openxmlformats.org/drawingml/2006/main" name="Office 테마">
   <a:themeElements>

--- a/AI_07_2023.08.08 - reference.pptx
+++ b/AI_07_2023.08.08 - reference.pptx
@@ -8,7 +8,11 @@
     <p:sldId id="361" r:id="rId2"/>
     <p:sldId id="362" r:id="rId3"/>
     <p:sldId id="363" r:id="rId4"/>
-    <p:sldId id="364" r:id="rId5"/>
+    <p:sldId id="368" r:id="rId5"/>
+    <p:sldId id="365" r:id="rId6"/>
+    <p:sldId id="366" r:id="rId7"/>
+    <p:sldId id="364" r:id="rId8"/>
+    <p:sldId id="367" r:id="rId9"/>
   </p:sldIdLst>
   <p:sldSz cx="12192000" cy="6858000"/>
   <p:notesSz cx="6858000" cy="9144000"/>
@@ -274,7 +278,7 @@
           <a:p>
             <a:fld id="{BB789E1C-4929-4D74-917C-88CF2680D5EC}" type="datetimeFigureOut">
               <a:rPr lang="ko-KR" altLang="en-US" smtClean="0"/>
-              <a:t>2023-07-24</a:t>
+              <a:t>2023-07-26</a:t>
             </a:fld>
             <a:endParaRPr lang="ko-KR" altLang="en-US"/>
           </a:p>
@@ -472,7 +476,7 @@
           <a:p>
             <a:fld id="{BB789E1C-4929-4D74-917C-88CF2680D5EC}" type="datetimeFigureOut">
               <a:rPr lang="ko-KR" altLang="en-US" smtClean="0"/>
-              <a:t>2023-07-24</a:t>
+              <a:t>2023-07-26</a:t>
             </a:fld>
             <a:endParaRPr lang="ko-KR" altLang="en-US"/>
           </a:p>
@@ -680,7 +684,7 @@
           <a:p>
             <a:fld id="{BB789E1C-4929-4D74-917C-88CF2680D5EC}" type="datetimeFigureOut">
               <a:rPr lang="ko-KR" altLang="en-US" smtClean="0"/>
-              <a:t>2023-07-24</a:t>
+              <a:t>2023-07-26</a:t>
             </a:fld>
             <a:endParaRPr lang="ko-KR" altLang="en-US"/>
           </a:p>
@@ -878,7 +882,7 @@
           <a:p>
             <a:fld id="{BB789E1C-4929-4D74-917C-88CF2680D5EC}" type="datetimeFigureOut">
               <a:rPr lang="ko-KR" altLang="en-US" smtClean="0"/>
-              <a:t>2023-07-24</a:t>
+              <a:t>2023-07-26</a:t>
             </a:fld>
             <a:endParaRPr lang="ko-KR" altLang="en-US"/>
           </a:p>
@@ -1153,7 +1157,7 @@
           <a:p>
             <a:fld id="{BB789E1C-4929-4D74-917C-88CF2680D5EC}" type="datetimeFigureOut">
               <a:rPr lang="ko-KR" altLang="en-US" smtClean="0"/>
-              <a:t>2023-07-24</a:t>
+              <a:t>2023-07-26</a:t>
             </a:fld>
             <a:endParaRPr lang="ko-KR" altLang="en-US"/>
           </a:p>
@@ -1418,7 +1422,7 @@
           <a:p>
             <a:fld id="{BB789E1C-4929-4D74-917C-88CF2680D5EC}" type="datetimeFigureOut">
               <a:rPr lang="ko-KR" altLang="en-US" smtClean="0"/>
-              <a:t>2023-07-24</a:t>
+              <a:t>2023-07-26</a:t>
             </a:fld>
             <a:endParaRPr lang="ko-KR" altLang="en-US"/>
           </a:p>
@@ -1830,7 +1834,7 @@
           <a:p>
             <a:fld id="{BB789E1C-4929-4D74-917C-88CF2680D5EC}" type="datetimeFigureOut">
               <a:rPr lang="ko-KR" altLang="en-US" smtClean="0"/>
-              <a:t>2023-07-24</a:t>
+              <a:t>2023-07-26</a:t>
             </a:fld>
             <a:endParaRPr lang="ko-KR" altLang="en-US"/>
           </a:p>
@@ -1971,7 +1975,7 @@
           <a:p>
             <a:fld id="{BB789E1C-4929-4D74-917C-88CF2680D5EC}" type="datetimeFigureOut">
               <a:rPr lang="ko-KR" altLang="en-US" smtClean="0"/>
-              <a:t>2023-07-24</a:t>
+              <a:t>2023-07-26</a:t>
             </a:fld>
             <a:endParaRPr lang="ko-KR" altLang="en-US"/>
           </a:p>
@@ -2084,7 +2088,7 @@
           <a:p>
             <a:fld id="{BB789E1C-4929-4D74-917C-88CF2680D5EC}" type="datetimeFigureOut">
               <a:rPr lang="ko-KR" altLang="en-US" smtClean="0"/>
-              <a:t>2023-07-24</a:t>
+              <a:t>2023-07-26</a:t>
             </a:fld>
             <a:endParaRPr lang="ko-KR" altLang="en-US"/>
           </a:p>
@@ -2395,7 +2399,7 @@
           <a:p>
             <a:fld id="{BB789E1C-4929-4D74-917C-88CF2680D5EC}" type="datetimeFigureOut">
               <a:rPr lang="ko-KR" altLang="en-US" smtClean="0"/>
-              <a:t>2023-07-24</a:t>
+              <a:t>2023-07-26</a:t>
             </a:fld>
             <a:endParaRPr lang="ko-KR" altLang="en-US"/>
           </a:p>
@@ -2683,7 +2687,7 @@
           <a:p>
             <a:fld id="{BB789E1C-4929-4D74-917C-88CF2680D5EC}" type="datetimeFigureOut">
               <a:rPr lang="ko-KR" altLang="en-US" smtClean="0"/>
-              <a:t>2023-07-24</a:t>
+              <a:t>2023-07-26</a:t>
             </a:fld>
             <a:endParaRPr lang="ko-KR" altLang="en-US"/>
           </a:p>
@@ -2924,7 +2928,7 @@
           <a:p>
             <a:fld id="{BB789E1C-4929-4D74-917C-88CF2680D5EC}" type="datetimeFigureOut">
               <a:rPr lang="ko-KR" altLang="en-US" smtClean="0"/>
-              <a:t>2023-07-24</a:t>
+              <a:t>2023-07-26</a:t>
             </a:fld>
             <a:endParaRPr lang="ko-KR" altLang="en-US"/>
           </a:p>
@@ -4090,7 +4094,15 @@
             <a:pPr algn="ctr"/>
             <a:r>
               <a:rPr lang="en-US" altLang="ko-KR" dirty="0"/>
-              <a:t>Deep Learning  2006 </a:t>
+              <a:t>Deep Learning  </a:t>
+            </a:r>
+            <a:r>
+              <a:rPr lang="en-US" altLang="ko-KR" sz="1050" dirty="0"/>
+              <a:t>2006</a:t>
+            </a:r>
+            <a:r>
+              <a:rPr lang="en-US" altLang="ko-KR" dirty="0"/>
+              <a:t> </a:t>
             </a:r>
             <a:endParaRPr lang="ko-KR" altLang="en-US" dirty="0"/>
           </a:p>
@@ -4140,7 +4152,11 @@
             <a:pPr algn="ctr"/>
             <a:r>
               <a:rPr lang="en-US" altLang="ko-KR" dirty="0"/>
-              <a:t>Scale Law  2019</a:t>
+              <a:t>Scale Law  </a:t>
+            </a:r>
+            <a:r>
+              <a:rPr lang="en-US" altLang="ko-KR" sz="1050" dirty="0"/>
+              <a:t>2019</a:t>
             </a:r>
             <a:endParaRPr lang="ko-KR" altLang="en-US" dirty="0"/>
           </a:p>
@@ -4190,7 +4206,11 @@
             <a:pPr algn="ctr"/>
             <a:r>
               <a:rPr lang="en-US" altLang="ko-KR" dirty="0"/>
-              <a:t>Transformer 2018</a:t>
+              <a:t>Transformer </a:t>
+            </a:r>
+            <a:r>
+              <a:rPr lang="en-US" altLang="ko-KR" sz="1050" dirty="0"/>
+              <a:t>2018</a:t>
             </a:r>
             <a:endParaRPr lang="ko-KR" altLang="en-US" dirty="0"/>
           </a:p>
@@ -4210,7 +4230,7 @@
         </p:nvSpPr>
         <p:spPr>
           <a:xfrm>
-            <a:off x="5059058" y="3659965"/>
+            <a:off x="5126856" y="3669356"/>
             <a:ext cx="2824065" cy="457200"/>
           </a:xfrm>
           <a:prstGeom prst="rect">
@@ -4239,12 +4259,12 @@
           <a:p>
             <a:pPr algn="ctr"/>
             <a:r>
-              <a:rPr lang="en-US" altLang="ko-KR" dirty="0" err="1"/>
-              <a:t>chatGPT</a:t>
-            </a:r>
-            <a:r>
               <a:rPr lang="en-US" altLang="ko-KR" dirty="0"/>
-              <a:t> 3.0  2020</a:t>
+              <a:t>chat GPT 3.0  </a:t>
+            </a:r>
+            <a:r>
+              <a:rPr lang="en-US" altLang="ko-KR" sz="1050" dirty="0"/>
+              <a:t>2020</a:t>
             </a:r>
             <a:endParaRPr lang="ko-KR" altLang="en-US" dirty="0"/>
           </a:p>
@@ -4264,7 +4284,7 @@
         </p:nvSpPr>
         <p:spPr>
           <a:xfrm>
-            <a:off x="8714622" y="5525871"/>
+            <a:off x="6862567" y="4519192"/>
             <a:ext cx="2824065" cy="457200"/>
           </a:xfrm>
           <a:prstGeom prst="rect">
@@ -4293,12 +4313,12 @@
           <a:p>
             <a:pPr algn="ctr"/>
             <a:r>
-              <a:rPr lang="en-US" altLang="ko-KR" dirty="0" err="1"/>
-              <a:t>chatGPT</a:t>
-            </a:r>
-            <a:r>
               <a:rPr lang="en-US" altLang="ko-KR" dirty="0"/>
-              <a:t> 3.5  2022</a:t>
+              <a:t>chat GPT 3.5  </a:t>
+            </a:r>
+            <a:r>
+              <a:rPr lang="en-US" altLang="ko-KR" sz="1050" dirty="0"/>
+              <a:t>2022</a:t>
             </a:r>
             <a:endParaRPr lang="ko-KR" altLang="en-US" dirty="0"/>
           </a:p>
@@ -4318,7 +4338,7 @@
         </p:nvSpPr>
         <p:spPr>
           <a:xfrm>
-            <a:off x="9091127" y="6043440"/>
+            <a:off x="8109615" y="5264191"/>
             <a:ext cx="2824065" cy="457200"/>
           </a:xfrm>
           <a:prstGeom prst="rect">
@@ -4347,12 +4367,12 @@
           <a:p>
             <a:pPr algn="ctr"/>
             <a:r>
-              <a:rPr lang="en-US" altLang="ko-KR" dirty="0" err="1"/>
-              <a:t>chatGPT</a:t>
-            </a:r>
-            <a:r>
               <a:rPr lang="en-US" altLang="ko-KR" dirty="0"/>
-              <a:t> 4  2023</a:t>
+              <a:t>chat GPT 4  </a:t>
+            </a:r>
+            <a:r>
+              <a:rPr lang="en-US" altLang="ko-KR" sz="1000" dirty="0"/>
+              <a:t>2023</a:t>
             </a:r>
             <a:endParaRPr lang="ko-KR" altLang="en-US" dirty="0"/>
           </a:p>
@@ -4417,7 +4437,7 @@
         </p:nvSpPr>
         <p:spPr>
           <a:xfrm>
-            <a:off x="5827201" y="2947764"/>
+            <a:off x="2590285" y="3043457"/>
             <a:ext cx="2932021" cy="461665"/>
           </a:xfrm>
           <a:prstGeom prst="rect">
@@ -4575,1085 +4595,6 @@
           </a:p>
         </p:txBody>
       </p:sp>
-      <p:graphicFrame>
-        <p:nvGraphicFramePr>
-          <p:cNvPr id="21" name="표 20">
-            <a:extLst>
-              <a:ext uri="{FF2B5EF4-FFF2-40B4-BE49-F238E27FC236}">
-                <a16:creationId xmlns:a16="http://schemas.microsoft.com/office/drawing/2014/main" id="{9D1677AC-6CCB-4D8D-9F4C-D10FF419D8CE}"/>
-              </a:ext>
-            </a:extLst>
-          </p:cNvPr>
-          <p:cNvGraphicFramePr>
-            <a:graphicFrameLocks noGrp="1"/>
-          </p:cNvGraphicFramePr>
-          <p:nvPr>
-            <p:extLst>
-              <p:ext uri="{D42A27DB-BD31-4B8C-83A1-F6EECF244321}">
-                <p14:modId xmlns:p14="http://schemas.microsoft.com/office/powerpoint/2010/main" val="4030191349"/>
-              </p:ext>
-            </p:extLst>
-          </p:nvPr>
-        </p:nvGraphicFramePr>
-        <p:xfrm>
-          <a:off x="576995" y="4476375"/>
-          <a:ext cx="7216377" cy="1916036"/>
-        </p:xfrm>
-        <a:graphic>
-          <a:graphicData uri="http://schemas.openxmlformats.org/drawingml/2006/table">
-            <a:tbl>
-              <a:tblPr/>
-              <a:tblGrid>
-                <a:gridCol w="2135456">
-                  <a:extLst>
-                    <a:ext uri="{9D8B030D-6E8A-4147-A177-3AD203B41FA5}">
-                      <a16:colId xmlns:a16="http://schemas.microsoft.com/office/drawing/2014/main" val="3988967132"/>
-                    </a:ext>
-                  </a:extLst>
-                </a:gridCol>
-                <a:gridCol w="1731063">
-                  <a:extLst>
-                    <a:ext uri="{9D8B030D-6E8A-4147-A177-3AD203B41FA5}">
-                      <a16:colId xmlns:a16="http://schemas.microsoft.com/office/drawing/2014/main" val="2966344843"/>
-                    </a:ext>
-                  </a:extLst>
-                </a:gridCol>
-                <a:gridCol w="1731063">
-                  <a:extLst>
-                    <a:ext uri="{9D8B030D-6E8A-4147-A177-3AD203B41FA5}">
-                      <a16:colId xmlns:a16="http://schemas.microsoft.com/office/drawing/2014/main" val="772031227"/>
-                    </a:ext>
-                  </a:extLst>
-                </a:gridCol>
-                <a:gridCol w="1618795">
-                  <a:extLst>
-                    <a:ext uri="{9D8B030D-6E8A-4147-A177-3AD203B41FA5}">
-                      <a16:colId xmlns:a16="http://schemas.microsoft.com/office/drawing/2014/main" val="3779165448"/>
-                    </a:ext>
-                  </a:extLst>
-                </a:gridCol>
-              </a:tblGrid>
-              <a:tr h="367459">
-                <a:tc>
-                  <a:txBody>
-                    <a:bodyPr/>
-                    <a:lstStyle/>
-                    <a:p>
-                      <a:pPr marL="0" marR="0" fontAlgn="t">
-                        <a:spcBef>
-                          <a:spcPts val="0"/>
-                        </a:spcBef>
-                        <a:spcAft>
-                          <a:spcPts val="0"/>
-                        </a:spcAft>
-                      </a:pPr>
-                      <a:r>
-                        <a:rPr lang="ko-KR" sz="1400">
-                          <a:solidFill>
-                            <a:srgbClr val="1F1F1F"/>
-                          </a:solidFill>
-                          <a:effectLst/>
-                          <a:ea typeface="Google Sans"/>
-                        </a:rPr>
-                        <a:t>Feature</a:t>
-                      </a:r>
-                    </a:p>
-                  </a:txBody>
-                  <a:tcPr marL="50800" marR="50800" marT="50800" marB="50800">
-                    <a:lnL>
-                      <a:noFill/>
-                    </a:lnL>
-                    <a:lnR>
-                      <a:noFill/>
-                    </a:lnR>
-                    <a:lnT>
-                      <a:noFill/>
-                    </a:lnT>
-                    <a:lnB>
-                      <a:noFill/>
-                    </a:lnB>
-                    <a:solidFill>
-                      <a:srgbClr val="FFFFFF"/>
-                    </a:solidFill>
-                  </a:tcPr>
-                </a:tc>
-                <a:tc>
-                  <a:txBody>
-                    <a:bodyPr/>
-                    <a:lstStyle/>
-                    <a:p>
-                      <a:pPr marL="0" marR="0" fontAlgn="t">
-                        <a:spcBef>
-                          <a:spcPts val="0"/>
-                        </a:spcBef>
-                        <a:spcAft>
-                          <a:spcPts val="0"/>
-                        </a:spcAft>
-                      </a:pPr>
-                      <a:r>
-                        <a:rPr lang="ko-KR" sz="1400" dirty="0">
-                          <a:solidFill>
-                            <a:srgbClr val="1F1F1F"/>
-                          </a:solidFill>
-                          <a:effectLst/>
-                          <a:ea typeface="Google Sans"/>
-                        </a:rPr>
-                        <a:t>ChatGPT3.0</a:t>
-                      </a:r>
-                    </a:p>
-                  </a:txBody>
-                  <a:tcPr marL="50800" marR="50800" marT="50800" marB="50800">
-                    <a:lnL>
-                      <a:noFill/>
-                    </a:lnL>
-                    <a:lnR>
-                      <a:noFill/>
-                    </a:lnR>
-                    <a:lnT>
-                      <a:noFill/>
-                    </a:lnT>
-                    <a:lnB>
-                      <a:noFill/>
-                    </a:lnB>
-                    <a:solidFill>
-                      <a:srgbClr val="FFFFFF"/>
-                    </a:solidFill>
-                  </a:tcPr>
-                </a:tc>
-                <a:tc>
-                  <a:txBody>
-                    <a:bodyPr/>
-                    <a:lstStyle/>
-                    <a:p>
-                      <a:pPr marL="0" marR="0" fontAlgn="t">
-                        <a:spcBef>
-                          <a:spcPts val="0"/>
-                        </a:spcBef>
-                        <a:spcAft>
-                          <a:spcPts val="0"/>
-                        </a:spcAft>
-                      </a:pPr>
-                      <a:r>
-                        <a:rPr lang="ko-KR" sz="1400">
-                          <a:solidFill>
-                            <a:srgbClr val="1F1F1F"/>
-                          </a:solidFill>
-                          <a:effectLst/>
-                          <a:ea typeface="Google Sans"/>
-                        </a:rPr>
-                        <a:t>ChatGPT3.5</a:t>
-                      </a:r>
-                    </a:p>
-                  </a:txBody>
-                  <a:tcPr marL="50800" marR="50800" marT="50800" marB="50800">
-                    <a:lnL>
-                      <a:noFill/>
-                    </a:lnL>
-                    <a:lnR>
-                      <a:noFill/>
-                    </a:lnR>
-                    <a:lnT>
-                      <a:noFill/>
-                    </a:lnT>
-                    <a:lnB>
-                      <a:noFill/>
-                    </a:lnB>
-                    <a:solidFill>
-                      <a:srgbClr val="FFFFFF"/>
-                    </a:solidFill>
-                  </a:tcPr>
-                </a:tc>
-                <a:tc>
-                  <a:txBody>
-                    <a:bodyPr/>
-                    <a:lstStyle/>
-                    <a:p>
-                      <a:pPr marL="0" marR="0" fontAlgn="t">
-                        <a:spcBef>
-                          <a:spcPts val="0"/>
-                        </a:spcBef>
-                        <a:spcAft>
-                          <a:spcPts val="0"/>
-                        </a:spcAft>
-                      </a:pPr>
-                      <a:r>
-                        <a:rPr lang="ko-KR" sz="1400" dirty="0">
-                          <a:solidFill>
-                            <a:srgbClr val="1F1F1F"/>
-                          </a:solidFill>
-                          <a:effectLst/>
-                          <a:ea typeface="Google Sans"/>
-                        </a:rPr>
-                        <a:t>ChatGPT4.0</a:t>
-                      </a:r>
-                    </a:p>
-                  </a:txBody>
-                  <a:tcPr marL="50800" marR="50800" marT="50800" marB="50800">
-                    <a:lnL>
-                      <a:noFill/>
-                    </a:lnL>
-                    <a:lnR>
-                      <a:noFill/>
-                    </a:lnR>
-                    <a:lnT>
-                      <a:noFill/>
-                    </a:lnT>
-                    <a:lnB>
-                      <a:noFill/>
-                    </a:lnB>
-                    <a:solidFill>
-                      <a:srgbClr val="FFFFFF"/>
-                    </a:solidFill>
-                  </a:tcPr>
-                </a:tc>
-                <a:extLst>
-                  <a:ext uri="{0D108BD9-81ED-4DB2-BD59-A6C34878D82A}">
-                    <a16:rowId xmlns:a16="http://schemas.microsoft.com/office/drawing/2014/main" val="333555948"/>
-                  </a:ext>
-                </a:extLst>
-              </a:tr>
-              <a:tr h="367459">
-                <a:tc>
-                  <a:txBody>
-                    <a:bodyPr/>
-                    <a:lstStyle/>
-                    <a:p>
-                      <a:pPr marL="0" marR="0" fontAlgn="t">
-                        <a:spcBef>
-                          <a:spcPts val="0"/>
-                        </a:spcBef>
-                        <a:spcAft>
-                          <a:spcPts val="0"/>
-                        </a:spcAft>
-                      </a:pPr>
-                      <a:endParaRPr lang="ko-KR" sz="1400" dirty="0">
-                        <a:solidFill>
-                          <a:srgbClr val="1F1F1F"/>
-                        </a:solidFill>
-                        <a:effectLst/>
-                        <a:ea typeface="Google Sans"/>
-                      </a:endParaRPr>
-                    </a:p>
-                  </a:txBody>
-                  <a:tcPr marL="50800" marR="50800" marT="50800" marB="50800">
-                    <a:lnL>
-                      <a:noFill/>
-                    </a:lnL>
-                    <a:lnR>
-                      <a:noFill/>
-                    </a:lnR>
-                    <a:lnT>
-                      <a:noFill/>
-                    </a:lnT>
-                    <a:lnB>
-                      <a:noFill/>
-                    </a:lnB>
-                    <a:solidFill>
-                      <a:srgbClr val="FFFFFF"/>
-                    </a:solidFill>
-                  </a:tcPr>
-                </a:tc>
-                <a:tc>
-                  <a:txBody>
-                    <a:bodyPr/>
-                    <a:lstStyle/>
-                    <a:p>
-                      <a:pPr marL="0" marR="0" fontAlgn="t">
-                        <a:spcBef>
-                          <a:spcPts val="0"/>
-                        </a:spcBef>
-                        <a:spcAft>
-                          <a:spcPts val="0"/>
-                        </a:spcAft>
-                      </a:pPr>
-                      <a:endParaRPr lang="ko-KR" sz="1400" dirty="0">
-                        <a:solidFill>
-                          <a:srgbClr val="1F1F1F"/>
-                        </a:solidFill>
-                        <a:effectLst/>
-                        <a:ea typeface="Google Sans"/>
-                      </a:endParaRPr>
-                    </a:p>
-                  </a:txBody>
-                  <a:tcPr marL="50800" marR="50800" marT="50800" marB="50800">
-                    <a:lnL>
-                      <a:noFill/>
-                    </a:lnL>
-                    <a:lnR>
-                      <a:noFill/>
-                    </a:lnR>
-                    <a:lnT>
-                      <a:noFill/>
-                    </a:lnT>
-                    <a:lnB>
-                      <a:noFill/>
-                    </a:lnB>
-                    <a:solidFill>
-                      <a:srgbClr val="FFFFFF"/>
-                    </a:solidFill>
-                  </a:tcPr>
-                </a:tc>
-                <a:tc>
-                  <a:txBody>
-                    <a:bodyPr/>
-                    <a:lstStyle/>
-                    <a:p>
-                      <a:pPr marL="0" marR="0" fontAlgn="t">
-                        <a:spcBef>
-                          <a:spcPts val="0"/>
-                        </a:spcBef>
-                        <a:spcAft>
-                          <a:spcPts val="0"/>
-                        </a:spcAft>
-                      </a:pPr>
-                      <a:endParaRPr lang="ko-KR" sz="1400" dirty="0">
-                        <a:solidFill>
-                          <a:srgbClr val="1F1F1F"/>
-                        </a:solidFill>
-                        <a:effectLst/>
-                        <a:ea typeface="Google Sans"/>
-                      </a:endParaRPr>
-                    </a:p>
-                  </a:txBody>
-                  <a:tcPr marL="50800" marR="50800" marT="50800" marB="50800">
-                    <a:lnL>
-                      <a:noFill/>
-                    </a:lnL>
-                    <a:lnR>
-                      <a:noFill/>
-                    </a:lnR>
-                    <a:lnT>
-                      <a:noFill/>
-                    </a:lnT>
-                    <a:lnB>
-                      <a:noFill/>
-                    </a:lnB>
-                    <a:solidFill>
-                      <a:srgbClr val="FFFFFF"/>
-                    </a:solidFill>
-                  </a:tcPr>
-                </a:tc>
-                <a:tc>
-                  <a:txBody>
-                    <a:bodyPr/>
-                    <a:lstStyle/>
-                    <a:p>
-                      <a:pPr marL="0" marR="0" fontAlgn="t">
-                        <a:spcBef>
-                          <a:spcPts val="0"/>
-                        </a:spcBef>
-                        <a:spcAft>
-                          <a:spcPts val="0"/>
-                        </a:spcAft>
-                      </a:pPr>
-                      <a:endParaRPr lang="ko-KR" sz="1400" dirty="0">
-                        <a:solidFill>
-                          <a:srgbClr val="1F1F1F"/>
-                        </a:solidFill>
-                        <a:effectLst/>
-                        <a:ea typeface="Google Sans"/>
-                      </a:endParaRPr>
-                    </a:p>
-                  </a:txBody>
-                  <a:tcPr marL="50800" marR="50800" marT="50800" marB="50800">
-                    <a:lnL>
-                      <a:noFill/>
-                    </a:lnL>
-                    <a:lnR>
-                      <a:noFill/>
-                    </a:lnR>
-                    <a:lnT>
-                      <a:noFill/>
-                    </a:lnT>
-                    <a:lnB>
-                      <a:noFill/>
-                    </a:lnB>
-                    <a:solidFill>
-                      <a:srgbClr val="FFFFFF"/>
-                    </a:solidFill>
-                  </a:tcPr>
-                </a:tc>
-                <a:extLst>
-                  <a:ext uri="{0D108BD9-81ED-4DB2-BD59-A6C34878D82A}">
-                    <a16:rowId xmlns:a16="http://schemas.microsoft.com/office/drawing/2014/main" val="3583762308"/>
-                  </a:ext>
-                </a:extLst>
-              </a:tr>
-              <a:tr h="367459">
-                <a:tc>
-                  <a:txBody>
-                    <a:bodyPr/>
-                    <a:lstStyle/>
-                    <a:p>
-                      <a:pPr marL="0" marR="0" fontAlgn="t">
-                        <a:spcBef>
-                          <a:spcPts val="0"/>
-                        </a:spcBef>
-                        <a:spcAft>
-                          <a:spcPts val="0"/>
-                        </a:spcAft>
-                      </a:pPr>
-                      <a:r>
-                        <a:rPr lang="ko-KR" sz="1400" dirty="0" err="1">
-                          <a:solidFill>
-                            <a:srgbClr val="1F1F1F"/>
-                          </a:solidFill>
-                          <a:effectLst/>
-                          <a:ea typeface="Google Sans"/>
-                        </a:rPr>
-                        <a:t>Number</a:t>
-                      </a:r>
-                      <a:r>
-                        <a:rPr lang="ko-KR" sz="1400" dirty="0">
-                          <a:solidFill>
-                            <a:srgbClr val="1F1F1F"/>
-                          </a:solidFill>
-                          <a:effectLst/>
-                          <a:ea typeface="Google Sans"/>
-                        </a:rPr>
-                        <a:t> of </a:t>
-                      </a:r>
-                      <a:r>
-                        <a:rPr lang="ko-KR" sz="1400" dirty="0" err="1">
-                          <a:solidFill>
-                            <a:srgbClr val="1F1F1F"/>
-                          </a:solidFill>
-                          <a:effectLst/>
-                          <a:ea typeface="Google Sans"/>
-                        </a:rPr>
-                        <a:t>parameters</a:t>
-                      </a:r>
-                      <a:endParaRPr lang="ko-KR" sz="1400" dirty="0">
-                        <a:solidFill>
-                          <a:srgbClr val="1F1F1F"/>
-                        </a:solidFill>
-                        <a:effectLst/>
-                        <a:ea typeface="Google Sans"/>
-                      </a:endParaRPr>
-                    </a:p>
-                  </a:txBody>
-                  <a:tcPr marL="50800" marR="50800" marT="50800" marB="50800">
-                    <a:lnL>
-                      <a:noFill/>
-                    </a:lnL>
-                    <a:lnR>
-                      <a:noFill/>
-                    </a:lnR>
-                    <a:lnT>
-                      <a:noFill/>
-                    </a:lnT>
-                    <a:lnB>
-                      <a:noFill/>
-                    </a:lnB>
-                    <a:solidFill>
-                      <a:srgbClr val="FFFFFF"/>
-                    </a:solidFill>
-                  </a:tcPr>
-                </a:tc>
-                <a:tc>
-                  <a:txBody>
-                    <a:bodyPr/>
-                    <a:lstStyle/>
-                    <a:p>
-                      <a:pPr marL="0" marR="0" fontAlgn="t">
-                        <a:spcBef>
-                          <a:spcPts val="0"/>
-                        </a:spcBef>
-                        <a:spcAft>
-                          <a:spcPts val="0"/>
-                        </a:spcAft>
-                      </a:pPr>
-                      <a:r>
-                        <a:rPr lang="ko-KR" sz="1400" dirty="0">
-                          <a:solidFill>
-                            <a:srgbClr val="1F1F1F"/>
-                          </a:solidFill>
-                          <a:effectLst/>
-                          <a:ea typeface="Google Sans"/>
-                        </a:rPr>
-                        <a:t>137M</a:t>
-                      </a:r>
-                    </a:p>
-                  </a:txBody>
-                  <a:tcPr marL="50800" marR="50800" marT="50800" marB="50800">
-                    <a:lnL>
-                      <a:noFill/>
-                    </a:lnL>
-                    <a:lnR>
-                      <a:noFill/>
-                    </a:lnR>
-                    <a:lnT>
-                      <a:noFill/>
-                    </a:lnT>
-                    <a:lnB>
-                      <a:noFill/>
-                    </a:lnB>
-                    <a:solidFill>
-                      <a:srgbClr val="FFFFFF"/>
-                    </a:solidFill>
-                  </a:tcPr>
-                </a:tc>
-                <a:tc>
-                  <a:txBody>
-                    <a:bodyPr/>
-                    <a:lstStyle/>
-                    <a:p>
-                      <a:pPr marL="0" marR="0" fontAlgn="t">
-                        <a:spcBef>
-                          <a:spcPts val="0"/>
-                        </a:spcBef>
-                        <a:spcAft>
-                          <a:spcPts val="0"/>
-                        </a:spcAft>
-                      </a:pPr>
-                      <a:r>
-                        <a:rPr lang="ko-KR" sz="1400" dirty="0">
-                          <a:solidFill>
-                            <a:srgbClr val="1F1F1F"/>
-                          </a:solidFill>
-                          <a:effectLst/>
-                          <a:ea typeface="Google Sans"/>
-                        </a:rPr>
-                        <a:t>150M</a:t>
-                      </a:r>
-                    </a:p>
-                  </a:txBody>
-                  <a:tcPr marL="50800" marR="50800" marT="50800" marB="50800">
-                    <a:lnL>
-                      <a:noFill/>
-                    </a:lnL>
-                    <a:lnR>
-                      <a:noFill/>
-                    </a:lnR>
-                    <a:lnT>
-                      <a:noFill/>
-                    </a:lnT>
-                    <a:lnB>
-                      <a:noFill/>
-                    </a:lnB>
-                    <a:solidFill>
-                      <a:srgbClr val="FFFFFF"/>
-                    </a:solidFill>
-                  </a:tcPr>
-                </a:tc>
-                <a:tc>
-                  <a:txBody>
-                    <a:bodyPr/>
-                    <a:lstStyle/>
-                    <a:p>
-                      <a:pPr marL="0" marR="0" fontAlgn="t">
-                        <a:spcBef>
-                          <a:spcPts val="0"/>
-                        </a:spcBef>
-                        <a:spcAft>
-                          <a:spcPts val="0"/>
-                        </a:spcAft>
-                      </a:pPr>
-                      <a:r>
-                        <a:rPr lang="ko-KR" sz="1400" dirty="0">
-                          <a:solidFill>
-                            <a:srgbClr val="1F1F1F"/>
-                          </a:solidFill>
-                          <a:effectLst/>
-                          <a:ea typeface="Google Sans"/>
-                        </a:rPr>
-                        <a:t>1.75B</a:t>
-                      </a:r>
-                    </a:p>
-                  </a:txBody>
-                  <a:tcPr marL="50800" marR="50800" marT="50800" marB="50800">
-                    <a:lnL>
-                      <a:noFill/>
-                    </a:lnL>
-                    <a:lnR>
-                      <a:noFill/>
-                    </a:lnR>
-                    <a:lnT>
-                      <a:noFill/>
-                    </a:lnT>
-                    <a:lnB>
-                      <a:noFill/>
-                    </a:lnB>
-                    <a:solidFill>
-                      <a:srgbClr val="FFFFFF"/>
-                    </a:solidFill>
-                  </a:tcPr>
-                </a:tc>
-                <a:extLst>
-                  <a:ext uri="{0D108BD9-81ED-4DB2-BD59-A6C34878D82A}">
-                    <a16:rowId xmlns:a16="http://schemas.microsoft.com/office/drawing/2014/main" val="4112302274"/>
-                  </a:ext>
-                </a:extLst>
-              </a:tr>
-              <a:tr h="446200">
-                <a:tc>
-                  <a:txBody>
-                    <a:bodyPr/>
-                    <a:lstStyle/>
-                    <a:p>
-                      <a:pPr marL="0" marR="0" fontAlgn="t">
-                        <a:spcBef>
-                          <a:spcPts val="0"/>
-                        </a:spcBef>
-                        <a:spcAft>
-                          <a:spcPts val="0"/>
-                        </a:spcAft>
-                      </a:pPr>
-                      <a:r>
-                        <a:rPr lang="ko-KR" sz="1600" b="1" dirty="0" err="1">
-                          <a:solidFill>
-                            <a:srgbClr val="1F1F1F"/>
-                          </a:solidFill>
-                          <a:effectLst/>
-                          <a:ea typeface="Google Sans"/>
-                        </a:rPr>
-                        <a:t>Training</a:t>
-                      </a:r>
-                      <a:r>
-                        <a:rPr lang="ko-KR" sz="1600" b="1" dirty="0">
-                          <a:solidFill>
-                            <a:srgbClr val="1F1F1F"/>
-                          </a:solidFill>
-                          <a:effectLst/>
-                          <a:ea typeface="Google Sans"/>
-                        </a:rPr>
-                        <a:t> </a:t>
-                      </a:r>
-                      <a:r>
-                        <a:rPr lang="ko-KR" sz="1600" b="1" dirty="0" err="1">
-                          <a:solidFill>
-                            <a:srgbClr val="1F1F1F"/>
-                          </a:solidFill>
-                          <a:effectLst/>
-                          <a:ea typeface="Google Sans"/>
-                        </a:rPr>
-                        <a:t>data</a:t>
-                      </a:r>
-                      <a:endParaRPr lang="ko-KR" sz="1600" b="1" dirty="0">
-                        <a:solidFill>
-                          <a:srgbClr val="1F1F1F"/>
-                        </a:solidFill>
-                        <a:effectLst/>
-                        <a:ea typeface="Google Sans"/>
-                      </a:endParaRPr>
-                    </a:p>
-                  </a:txBody>
-                  <a:tcPr marL="50800" marR="50800" marT="50800" marB="50800">
-                    <a:lnL>
-                      <a:noFill/>
-                    </a:lnL>
-                    <a:lnR>
-                      <a:noFill/>
-                    </a:lnR>
-                    <a:lnT>
-                      <a:noFill/>
-                    </a:lnT>
-                    <a:lnB>
-                      <a:noFill/>
-                    </a:lnB>
-                    <a:solidFill>
-                      <a:srgbClr val="FFFFFF"/>
-                    </a:solidFill>
-                  </a:tcPr>
-                </a:tc>
-                <a:tc>
-                  <a:txBody>
-                    <a:bodyPr/>
-                    <a:lstStyle/>
-                    <a:p>
-                      <a:pPr marL="0" marR="0" fontAlgn="t">
-                        <a:spcBef>
-                          <a:spcPts val="0"/>
-                        </a:spcBef>
-                        <a:spcAft>
-                          <a:spcPts val="0"/>
-                        </a:spcAft>
-                      </a:pPr>
-                      <a:r>
-                        <a:rPr lang="ko-KR" sz="1800" b="1" dirty="0">
-                          <a:solidFill>
-                            <a:srgbClr val="1F1F1F"/>
-                          </a:solidFill>
-                          <a:effectLst/>
-                          <a:highlight>
-                            <a:srgbClr val="FFFF00"/>
-                          </a:highlight>
-                          <a:ea typeface="Google Sans"/>
-                        </a:rPr>
-                        <a:t>1.56B </a:t>
-                      </a:r>
-                    </a:p>
-                  </a:txBody>
-                  <a:tcPr marL="50800" marR="50800" marT="50800" marB="50800">
-                    <a:lnL>
-                      <a:noFill/>
-                    </a:lnL>
-                    <a:lnR>
-                      <a:noFill/>
-                    </a:lnR>
-                    <a:lnT>
-                      <a:noFill/>
-                    </a:lnT>
-                    <a:lnB>
-                      <a:noFill/>
-                    </a:lnB>
-                    <a:solidFill>
-                      <a:srgbClr val="FFFFFF"/>
-                    </a:solidFill>
-                  </a:tcPr>
-                </a:tc>
-                <a:tc>
-                  <a:txBody>
-                    <a:bodyPr/>
-                    <a:lstStyle/>
-                    <a:p>
-                      <a:pPr marL="0" marR="0" fontAlgn="t">
-                        <a:spcBef>
-                          <a:spcPts val="0"/>
-                        </a:spcBef>
-                        <a:spcAft>
-                          <a:spcPts val="0"/>
-                        </a:spcAft>
-                      </a:pPr>
-                      <a:r>
-                        <a:rPr lang="ko-KR" sz="1800" b="1" dirty="0">
-                          <a:solidFill>
-                            <a:srgbClr val="1F1F1F"/>
-                          </a:solidFill>
-                          <a:effectLst/>
-                          <a:highlight>
-                            <a:srgbClr val="FFFF00"/>
-                          </a:highlight>
-                          <a:ea typeface="Google Sans"/>
-                        </a:rPr>
-                        <a:t>2B </a:t>
-                      </a:r>
-                    </a:p>
-                  </a:txBody>
-                  <a:tcPr marL="50800" marR="50800" marT="50800" marB="50800">
-                    <a:lnL>
-                      <a:noFill/>
-                    </a:lnL>
-                    <a:lnR>
-                      <a:noFill/>
-                    </a:lnR>
-                    <a:lnT>
-                      <a:noFill/>
-                    </a:lnT>
-                    <a:lnB>
-                      <a:noFill/>
-                    </a:lnB>
-                    <a:solidFill>
-                      <a:srgbClr val="FFFFFF"/>
-                    </a:solidFill>
-                  </a:tcPr>
-                </a:tc>
-                <a:tc>
-                  <a:txBody>
-                    <a:bodyPr/>
-                    <a:lstStyle/>
-                    <a:p>
-                      <a:pPr marL="0" marR="0" fontAlgn="t">
-                        <a:spcBef>
-                          <a:spcPts val="0"/>
-                        </a:spcBef>
-                        <a:spcAft>
-                          <a:spcPts val="0"/>
-                        </a:spcAft>
-                      </a:pPr>
-                      <a:r>
-                        <a:rPr lang="ko-KR" sz="1800" b="1" dirty="0">
-                          <a:solidFill>
-                            <a:srgbClr val="1F1F1F"/>
-                          </a:solidFill>
-                          <a:effectLst/>
-                          <a:highlight>
-                            <a:srgbClr val="FFFF00"/>
-                          </a:highlight>
-                          <a:ea typeface="Google Sans"/>
-                        </a:rPr>
-                        <a:t>600B </a:t>
-                      </a:r>
-                      <a:r>
-                        <a:rPr lang="ko-KR" sz="1800" b="1" dirty="0" err="1">
-                          <a:solidFill>
-                            <a:srgbClr val="1F1F1F"/>
-                          </a:solidFill>
-                          <a:effectLst/>
-                          <a:highlight>
-                            <a:srgbClr val="FFFF00"/>
-                          </a:highlight>
-                          <a:ea typeface="Google Sans"/>
-                        </a:rPr>
-                        <a:t>tokens</a:t>
-                      </a:r>
-                      <a:endParaRPr lang="ko-KR" sz="1800" b="1" dirty="0">
-                        <a:solidFill>
-                          <a:srgbClr val="1F1F1F"/>
-                        </a:solidFill>
-                        <a:effectLst/>
-                        <a:highlight>
-                          <a:srgbClr val="FFFF00"/>
-                        </a:highlight>
-                        <a:ea typeface="Google Sans"/>
-                      </a:endParaRPr>
-                    </a:p>
-                  </a:txBody>
-                  <a:tcPr marL="50800" marR="50800" marT="50800" marB="50800">
-                    <a:lnL>
-                      <a:noFill/>
-                    </a:lnL>
-                    <a:lnR>
-                      <a:noFill/>
-                    </a:lnR>
-                    <a:lnT>
-                      <a:noFill/>
-                    </a:lnT>
-                    <a:lnB>
-                      <a:noFill/>
-                    </a:lnB>
-                    <a:solidFill>
-                      <a:srgbClr val="FFFFFF"/>
-                    </a:solidFill>
-                  </a:tcPr>
-                </a:tc>
-                <a:extLst>
-                  <a:ext uri="{0D108BD9-81ED-4DB2-BD59-A6C34878D82A}">
-                    <a16:rowId xmlns:a16="http://schemas.microsoft.com/office/drawing/2014/main" val="4222142789"/>
-                  </a:ext>
-                </a:extLst>
-              </a:tr>
-              <a:tr h="367459">
-                <a:tc>
-                  <a:txBody>
-                    <a:bodyPr/>
-                    <a:lstStyle/>
-                    <a:p>
-                      <a:pPr marL="0" marR="0" fontAlgn="t">
-                        <a:spcBef>
-                          <a:spcPts val="0"/>
-                        </a:spcBef>
-                        <a:spcAft>
-                          <a:spcPts val="0"/>
-                        </a:spcAft>
-                      </a:pPr>
-                      <a:r>
-                        <a:rPr lang="ko-KR" sz="1400" dirty="0" err="1">
-                          <a:solidFill>
-                            <a:srgbClr val="1F1F1F"/>
-                          </a:solidFill>
-                          <a:effectLst/>
-                          <a:ea typeface="Google Sans"/>
-                        </a:rPr>
-                        <a:t>Scaling</a:t>
-                      </a:r>
-                      <a:r>
-                        <a:rPr lang="ko-KR" sz="1400" dirty="0">
-                          <a:solidFill>
-                            <a:srgbClr val="1F1F1F"/>
-                          </a:solidFill>
-                          <a:effectLst/>
-                          <a:ea typeface="Google Sans"/>
-                        </a:rPr>
-                        <a:t> </a:t>
-                      </a:r>
-                      <a:r>
-                        <a:rPr lang="ko-KR" sz="1400" dirty="0" err="1">
-                          <a:solidFill>
-                            <a:srgbClr val="1F1F1F"/>
-                          </a:solidFill>
-                          <a:effectLst/>
-                          <a:ea typeface="Google Sans"/>
-                        </a:rPr>
-                        <a:t>laws</a:t>
-                      </a:r>
-                      <a:endParaRPr lang="ko-KR" sz="1400" dirty="0">
-                        <a:solidFill>
-                          <a:srgbClr val="1F1F1F"/>
-                        </a:solidFill>
-                        <a:effectLst/>
-                        <a:ea typeface="Google Sans"/>
-                      </a:endParaRPr>
-                    </a:p>
-                  </a:txBody>
-                  <a:tcPr marL="50800" marR="50800" marT="50800" marB="50800">
-                    <a:lnL>
-                      <a:noFill/>
-                    </a:lnL>
-                    <a:lnR>
-                      <a:noFill/>
-                    </a:lnR>
-                    <a:lnT>
-                      <a:noFill/>
-                    </a:lnT>
-                    <a:lnB>
-                      <a:noFill/>
-                    </a:lnB>
-                    <a:solidFill>
-                      <a:srgbClr val="FFFFFF"/>
-                    </a:solidFill>
-                  </a:tcPr>
-                </a:tc>
-                <a:tc>
-                  <a:txBody>
-                    <a:bodyPr/>
-                    <a:lstStyle/>
-                    <a:p>
-                      <a:pPr marL="0" marR="0" fontAlgn="t">
-                        <a:spcBef>
-                          <a:spcPts val="0"/>
-                        </a:spcBef>
-                        <a:spcAft>
-                          <a:spcPts val="0"/>
-                        </a:spcAft>
-                      </a:pPr>
-                      <a:r>
-                        <a:rPr lang="ko-KR" sz="1400" dirty="0" err="1">
-                          <a:solidFill>
-                            <a:srgbClr val="1F1F1F"/>
-                          </a:solidFill>
-                          <a:effectLst/>
-                          <a:ea typeface="Google Sans"/>
-                        </a:rPr>
-                        <a:t>Linear</a:t>
-                      </a:r>
-                      <a:endParaRPr lang="ko-KR" sz="1400" dirty="0">
-                        <a:solidFill>
-                          <a:srgbClr val="1F1F1F"/>
-                        </a:solidFill>
-                        <a:effectLst/>
-                        <a:ea typeface="Google Sans"/>
-                      </a:endParaRPr>
-                    </a:p>
-                  </a:txBody>
-                  <a:tcPr marL="50800" marR="50800" marT="50800" marB="50800">
-                    <a:lnL>
-                      <a:noFill/>
-                    </a:lnL>
-                    <a:lnR>
-                      <a:noFill/>
-                    </a:lnR>
-                    <a:lnT>
-                      <a:noFill/>
-                    </a:lnT>
-                    <a:lnB>
-                      <a:noFill/>
-                    </a:lnB>
-                    <a:solidFill>
-                      <a:srgbClr val="FFFFFF"/>
-                    </a:solidFill>
-                  </a:tcPr>
-                </a:tc>
-                <a:tc>
-                  <a:txBody>
-                    <a:bodyPr/>
-                    <a:lstStyle/>
-                    <a:p>
-                      <a:pPr marL="0" marR="0" fontAlgn="t">
-                        <a:spcBef>
-                          <a:spcPts val="0"/>
-                        </a:spcBef>
-                        <a:spcAft>
-                          <a:spcPts val="0"/>
-                        </a:spcAft>
-                      </a:pPr>
-                      <a:r>
-                        <a:rPr lang="ko-KR" sz="1400" dirty="0" err="1">
-                          <a:solidFill>
-                            <a:srgbClr val="1F1F1F"/>
-                          </a:solidFill>
-                          <a:effectLst/>
-                          <a:ea typeface="Google Sans"/>
-                        </a:rPr>
-                        <a:t>Sublinear</a:t>
-                      </a:r>
-                      <a:endParaRPr lang="ko-KR" sz="1400" dirty="0">
-                        <a:solidFill>
-                          <a:srgbClr val="1F1F1F"/>
-                        </a:solidFill>
-                        <a:effectLst/>
-                        <a:ea typeface="Google Sans"/>
-                      </a:endParaRPr>
-                    </a:p>
-                  </a:txBody>
-                  <a:tcPr marL="50800" marR="50800" marT="50800" marB="50800">
-                    <a:lnL>
-                      <a:noFill/>
-                    </a:lnL>
-                    <a:lnR>
-                      <a:noFill/>
-                    </a:lnR>
-                    <a:lnT>
-                      <a:noFill/>
-                    </a:lnT>
-                    <a:lnB>
-                      <a:noFill/>
-                    </a:lnB>
-                    <a:solidFill>
-                      <a:srgbClr val="FFFFFF"/>
-                    </a:solidFill>
-                  </a:tcPr>
-                </a:tc>
-                <a:tc>
-                  <a:txBody>
-                    <a:bodyPr/>
-                    <a:lstStyle/>
-                    <a:p>
-                      <a:pPr marL="0" marR="0" fontAlgn="t">
-                        <a:spcBef>
-                          <a:spcPts val="0"/>
-                        </a:spcBef>
-                        <a:spcAft>
-                          <a:spcPts val="0"/>
-                        </a:spcAft>
-                      </a:pPr>
-                      <a:r>
-                        <a:rPr lang="ko-KR" sz="1400" dirty="0" err="1">
-                          <a:solidFill>
-                            <a:srgbClr val="1F1F1F"/>
-                          </a:solidFill>
-                          <a:effectLst/>
-                          <a:ea typeface="Google Sans"/>
-                        </a:rPr>
-                        <a:t>Superlinear</a:t>
-                      </a:r>
-                      <a:endParaRPr lang="ko-KR" sz="1400" dirty="0">
-                        <a:solidFill>
-                          <a:srgbClr val="1F1F1F"/>
-                        </a:solidFill>
-                        <a:effectLst/>
-                        <a:ea typeface="Google Sans"/>
-                      </a:endParaRPr>
-                    </a:p>
-                  </a:txBody>
-                  <a:tcPr marL="50800" marR="50800" marT="50800" marB="50800">
-                    <a:lnL>
-                      <a:noFill/>
-                    </a:lnL>
-                    <a:lnR>
-                      <a:noFill/>
-                    </a:lnR>
-                    <a:lnT>
-                      <a:noFill/>
-                    </a:lnT>
-                    <a:lnB>
-                      <a:noFill/>
-                    </a:lnB>
-                    <a:solidFill>
-                      <a:srgbClr val="FFFFFF"/>
-                    </a:solidFill>
-                  </a:tcPr>
-                </a:tc>
-                <a:extLst>
-                  <a:ext uri="{0D108BD9-81ED-4DB2-BD59-A6C34878D82A}">
-                    <a16:rowId xmlns:a16="http://schemas.microsoft.com/office/drawing/2014/main" val="2013359602"/>
-                  </a:ext>
-                </a:extLst>
-              </a:tr>
-            </a:tbl>
-          </a:graphicData>
-        </a:graphic>
-      </p:graphicFrame>
       <p:sp>
         <p:nvSpPr>
           <p:cNvPr id="22" name="직사각형 21">
@@ -5855,6 +4796,1173 @@
           </a:p>
         </p:txBody>
       </p:sp>
+      <p:graphicFrame>
+        <p:nvGraphicFramePr>
+          <p:cNvPr id="2" name="표 1">
+            <a:extLst>
+              <a:ext uri="{FF2B5EF4-FFF2-40B4-BE49-F238E27FC236}">
+                <a16:creationId xmlns:a16="http://schemas.microsoft.com/office/drawing/2014/main" id="{0AF4C16B-8EB5-4A0E-BFD0-688B8D769755}"/>
+              </a:ext>
+            </a:extLst>
+          </p:cNvPr>
+          <p:cNvGraphicFramePr>
+            <a:graphicFrameLocks noGrp="1"/>
+          </p:cNvGraphicFramePr>
+          <p:nvPr>
+            <p:extLst>
+              <p:ext uri="{D42A27DB-BD31-4B8C-83A1-F6EECF244321}">
+                <p14:modId xmlns:p14="http://schemas.microsoft.com/office/powerpoint/2010/main" val="2343365341"/>
+              </p:ext>
+            </p:extLst>
+          </p:nvPr>
+        </p:nvGraphicFramePr>
+        <p:xfrm>
+          <a:off x="509828" y="5116282"/>
+          <a:ext cx="3680274" cy="1407160"/>
+        </p:xfrm>
+        <a:graphic>
+          <a:graphicData uri="http://schemas.openxmlformats.org/drawingml/2006/table">
+            <a:tbl>
+              <a:tblPr/>
+              <a:tblGrid>
+                <a:gridCol w="958811">
+                  <a:extLst>
+                    <a:ext uri="{9D8B030D-6E8A-4147-A177-3AD203B41FA5}">
+                      <a16:colId xmlns:a16="http://schemas.microsoft.com/office/drawing/2014/main" val="735973162"/>
+                    </a:ext>
+                  </a:extLst>
+                </a:gridCol>
+                <a:gridCol w="1408723">
+                  <a:extLst>
+                    <a:ext uri="{9D8B030D-6E8A-4147-A177-3AD203B41FA5}">
+                      <a16:colId xmlns:a16="http://schemas.microsoft.com/office/drawing/2014/main" val="499058799"/>
+                    </a:ext>
+                  </a:extLst>
+                </a:gridCol>
+                <a:gridCol w="1312740">
+                  <a:extLst>
+                    <a:ext uri="{9D8B030D-6E8A-4147-A177-3AD203B41FA5}">
+                      <a16:colId xmlns:a16="http://schemas.microsoft.com/office/drawing/2014/main" val="1700001218"/>
+                    </a:ext>
+                  </a:extLst>
+                </a:gridCol>
+              </a:tblGrid>
+              <a:tr h="0">
+                <a:tc>
+                  <a:txBody>
+                    <a:bodyPr/>
+                    <a:lstStyle/>
+                    <a:p>
+                      <a:pPr marL="0" marR="0" fontAlgn="t">
+                        <a:spcBef>
+                          <a:spcPts val="0"/>
+                        </a:spcBef>
+                        <a:spcAft>
+                          <a:spcPts val="0"/>
+                        </a:spcAft>
+                      </a:pPr>
+                      <a:r>
+                        <a:rPr lang="ko-KR" sz="1200" dirty="0" err="1">
+                          <a:solidFill>
+                            <a:srgbClr val="1F1F1F"/>
+                          </a:solidFill>
+                          <a:effectLst/>
+                          <a:ea typeface="Google Sans"/>
+                        </a:rPr>
+                        <a:t>Version</a:t>
+                      </a:r>
+                      <a:endParaRPr lang="ko-KR" sz="1200" dirty="0">
+                        <a:solidFill>
+                          <a:srgbClr val="1F1F1F"/>
+                        </a:solidFill>
+                        <a:effectLst/>
+                        <a:ea typeface="Google Sans"/>
+                      </a:endParaRPr>
+                    </a:p>
+                  </a:txBody>
+                  <a:tcPr marL="50800" marR="50800" marT="50800" marB="50800">
+                    <a:lnL w="12700" cap="flat" cmpd="sng" algn="ctr">
+                      <a:solidFill>
+                        <a:srgbClr val="A3A3A3"/>
+                      </a:solidFill>
+                      <a:prstDash val="solid"/>
+                      <a:round/>
+                      <a:headEnd type="none" w="med" len="med"/>
+                      <a:tailEnd type="none" w="med" len="med"/>
+                    </a:lnL>
+                    <a:lnR w="12700" cap="flat" cmpd="sng" algn="ctr">
+                      <a:solidFill>
+                        <a:srgbClr val="A3A3A3"/>
+                      </a:solidFill>
+                      <a:prstDash val="solid"/>
+                      <a:round/>
+                      <a:headEnd type="none" w="med" len="med"/>
+                      <a:tailEnd type="none" w="med" len="med"/>
+                    </a:lnR>
+                    <a:lnT w="12700" cap="flat" cmpd="sng" algn="ctr">
+                      <a:solidFill>
+                        <a:srgbClr val="A3A3A3"/>
+                      </a:solidFill>
+                      <a:prstDash val="solid"/>
+                      <a:round/>
+                      <a:headEnd type="none" w="med" len="med"/>
+                      <a:tailEnd type="none" w="med" len="med"/>
+                    </a:lnT>
+                    <a:lnB w="12700" cap="flat" cmpd="sng" algn="ctr">
+                      <a:solidFill>
+                        <a:srgbClr val="A3A3A3"/>
+                      </a:solidFill>
+                      <a:prstDash val="solid"/>
+                      <a:round/>
+                      <a:headEnd type="none" w="med" len="med"/>
+                      <a:tailEnd type="none" w="med" len="med"/>
+                    </a:lnB>
+                    <a:solidFill>
+                      <a:srgbClr val="FFFFFF"/>
+                    </a:solidFill>
+                  </a:tcPr>
+                </a:tc>
+                <a:tc>
+                  <a:txBody>
+                    <a:bodyPr/>
+                    <a:lstStyle/>
+                    <a:p>
+                      <a:pPr marL="0" marR="0" algn="r" fontAlgn="t">
+                        <a:spcBef>
+                          <a:spcPts val="0"/>
+                        </a:spcBef>
+                        <a:spcAft>
+                          <a:spcPts val="0"/>
+                        </a:spcAft>
+                      </a:pPr>
+                      <a:r>
+                        <a:rPr lang="ko-KR" sz="1200" dirty="0" err="1">
+                          <a:solidFill>
+                            <a:srgbClr val="1F1F1F"/>
+                          </a:solidFill>
+                          <a:effectLst/>
+                          <a:ea typeface="Google Sans"/>
+                        </a:rPr>
+                        <a:t>Parameters</a:t>
+                      </a:r>
+                      <a:r>
+                        <a:rPr lang="en-US" altLang="ko-KR" sz="1200" dirty="0">
+                          <a:solidFill>
+                            <a:srgbClr val="1F1F1F"/>
+                          </a:solidFill>
+                          <a:effectLst/>
+                          <a:ea typeface="Google Sans"/>
+                        </a:rPr>
+                        <a:t> (B)</a:t>
+                      </a:r>
+                      <a:endParaRPr lang="ko-KR" sz="1200" dirty="0">
+                        <a:solidFill>
+                          <a:srgbClr val="1F1F1F"/>
+                        </a:solidFill>
+                        <a:effectLst/>
+                        <a:ea typeface="Google Sans"/>
+                      </a:endParaRPr>
+                    </a:p>
+                  </a:txBody>
+                  <a:tcPr marL="50800" marR="50800" marT="50800" marB="50800">
+                    <a:lnL w="12700" cap="flat" cmpd="sng" algn="ctr">
+                      <a:solidFill>
+                        <a:srgbClr val="A3A3A3"/>
+                      </a:solidFill>
+                      <a:prstDash val="solid"/>
+                      <a:round/>
+                      <a:headEnd type="none" w="med" len="med"/>
+                      <a:tailEnd type="none" w="med" len="med"/>
+                    </a:lnL>
+                    <a:lnR w="12700" cap="flat" cmpd="sng" algn="ctr">
+                      <a:solidFill>
+                        <a:srgbClr val="A3A3A3"/>
+                      </a:solidFill>
+                      <a:prstDash val="solid"/>
+                      <a:round/>
+                      <a:headEnd type="none" w="med" len="med"/>
+                      <a:tailEnd type="none" w="med" len="med"/>
+                    </a:lnR>
+                    <a:lnT w="12700" cap="flat" cmpd="sng" algn="ctr">
+                      <a:solidFill>
+                        <a:srgbClr val="A3A3A3"/>
+                      </a:solidFill>
+                      <a:prstDash val="solid"/>
+                      <a:round/>
+                      <a:headEnd type="none" w="med" len="med"/>
+                      <a:tailEnd type="none" w="med" len="med"/>
+                    </a:lnT>
+                    <a:lnB w="12700" cap="flat" cmpd="sng" algn="ctr">
+                      <a:solidFill>
+                        <a:srgbClr val="A3A3A3"/>
+                      </a:solidFill>
+                      <a:prstDash val="solid"/>
+                      <a:round/>
+                      <a:headEnd type="none" w="med" len="med"/>
+                      <a:tailEnd type="none" w="med" len="med"/>
+                    </a:lnB>
+                    <a:solidFill>
+                      <a:srgbClr val="FFFFFF"/>
+                    </a:solidFill>
+                  </a:tcPr>
+                </a:tc>
+                <a:tc>
+                  <a:txBody>
+                    <a:bodyPr/>
+                    <a:lstStyle/>
+                    <a:p>
+                      <a:pPr marL="0" marR="0" algn="r" fontAlgn="t">
+                        <a:spcBef>
+                          <a:spcPts val="0"/>
+                        </a:spcBef>
+                        <a:spcAft>
+                          <a:spcPts val="0"/>
+                        </a:spcAft>
+                      </a:pPr>
+                      <a:r>
+                        <a:rPr lang="ko-KR" sz="1200">
+                          <a:solidFill>
+                            <a:srgbClr val="1F1F1F"/>
+                          </a:solidFill>
+                          <a:effectLst/>
+                          <a:ea typeface="Google Sans"/>
+                        </a:rPr>
+                        <a:t>Number of layers</a:t>
+                      </a:r>
+                    </a:p>
+                  </a:txBody>
+                  <a:tcPr marL="50800" marR="50800" marT="50800" marB="50800">
+                    <a:lnL w="12700" cap="flat" cmpd="sng" algn="ctr">
+                      <a:solidFill>
+                        <a:srgbClr val="A3A3A3"/>
+                      </a:solidFill>
+                      <a:prstDash val="solid"/>
+                      <a:round/>
+                      <a:headEnd type="none" w="med" len="med"/>
+                      <a:tailEnd type="none" w="med" len="med"/>
+                    </a:lnL>
+                    <a:lnR w="12700" cap="flat" cmpd="sng" algn="ctr">
+                      <a:solidFill>
+                        <a:srgbClr val="A3A3A3"/>
+                      </a:solidFill>
+                      <a:prstDash val="solid"/>
+                      <a:round/>
+                      <a:headEnd type="none" w="med" len="med"/>
+                      <a:tailEnd type="none" w="med" len="med"/>
+                    </a:lnR>
+                    <a:lnT w="12700" cap="flat" cmpd="sng" algn="ctr">
+                      <a:solidFill>
+                        <a:srgbClr val="A3A3A3"/>
+                      </a:solidFill>
+                      <a:prstDash val="solid"/>
+                      <a:round/>
+                      <a:headEnd type="none" w="med" len="med"/>
+                      <a:tailEnd type="none" w="med" len="med"/>
+                    </a:lnT>
+                    <a:lnB w="12700" cap="flat" cmpd="sng" algn="ctr">
+                      <a:solidFill>
+                        <a:srgbClr val="A3A3A3"/>
+                      </a:solidFill>
+                      <a:prstDash val="solid"/>
+                      <a:round/>
+                      <a:headEnd type="none" w="med" len="med"/>
+                      <a:tailEnd type="none" w="med" len="med"/>
+                    </a:lnB>
+                    <a:solidFill>
+                      <a:srgbClr val="FFFFFF"/>
+                    </a:solidFill>
+                  </a:tcPr>
+                </a:tc>
+                <a:extLst>
+                  <a:ext uri="{0D108BD9-81ED-4DB2-BD59-A6C34878D82A}">
+                    <a16:rowId xmlns:a16="http://schemas.microsoft.com/office/drawing/2014/main" val="2253234530"/>
+                  </a:ext>
+                </a:extLst>
+              </a:tr>
+              <a:tr h="0">
+                <a:tc>
+                  <a:txBody>
+                    <a:bodyPr/>
+                    <a:lstStyle/>
+                    <a:p>
+                      <a:pPr marL="0" marR="0" fontAlgn="t">
+                        <a:spcBef>
+                          <a:spcPts val="0"/>
+                        </a:spcBef>
+                        <a:spcAft>
+                          <a:spcPts val="0"/>
+                        </a:spcAft>
+                      </a:pPr>
+                      <a:r>
+                        <a:rPr lang="en-US" sz="1100" dirty="0">
+                          <a:effectLst/>
+                          <a:ea typeface="Calibri" panose="020F0502020204030204" pitchFamily="34" charset="0"/>
+                        </a:rPr>
+                        <a:t> </a:t>
+                      </a:r>
+                    </a:p>
+                  </a:txBody>
+                  <a:tcPr marL="50800" marR="50800" marT="50800" marB="50800">
+                    <a:lnL w="12700" cap="flat" cmpd="sng" algn="ctr">
+                      <a:solidFill>
+                        <a:srgbClr val="A3A3A3"/>
+                      </a:solidFill>
+                      <a:prstDash val="solid"/>
+                      <a:round/>
+                      <a:headEnd type="none" w="med" len="med"/>
+                      <a:tailEnd type="none" w="med" len="med"/>
+                    </a:lnL>
+                    <a:lnR w="12700" cap="flat" cmpd="sng" algn="ctr">
+                      <a:solidFill>
+                        <a:srgbClr val="A3A3A3"/>
+                      </a:solidFill>
+                      <a:prstDash val="solid"/>
+                      <a:round/>
+                      <a:headEnd type="none" w="med" len="med"/>
+                      <a:tailEnd type="none" w="med" len="med"/>
+                    </a:lnR>
+                    <a:lnT w="12700" cap="flat" cmpd="sng" algn="ctr">
+                      <a:solidFill>
+                        <a:srgbClr val="A3A3A3"/>
+                      </a:solidFill>
+                      <a:prstDash val="solid"/>
+                      <a:round/>
+                      <a:headEnd type="none" w="med" len="med"/>
+                      <a:tailEnd type="none" w="med" len="med"/>
+                    </a:lnT>
+                    <a:lnB w="12700" cap="flat" cmpd="sng" algn="ctr">
+                      <a:solidFill>
+                        <a:srgbClr val="A3A3A3"/>
+                      </a:solidFill>
+                      <a:prstDash val="solid"/>
+                      <a:round/>
+                      <a:headEnd type="none" w="med" len="med"/>
+                      <a:tailEnd type="none" w="med" len="med"/>
+                    </a:lnB>
+                    <a:solidFill>
+                      <a:srgbClr val="FFFFFF"/>
+                    </a:solidFill>
+                  </a:tcPr>
+                </a:tc>
+                <a:tc>
+                  <a:txBody>
+                    <a:bodyPr/>
+                    <a:lstStyle/>
+                    <a:p>
+                      <a:pPr marL="0" marR="0" algn="r" fontAlgn="t">
+                        <a:spcBef>
+                          <a:spcPts val="0"/>
+                        </a:spcBef>
+                        <a:spcAft>
+                          <a:spcPts val="0"/>
+                        </a:spcAft>
+                      </a:pPr>
+                      <a:r>
+                        <a:rPr lang="x-none" sz="1100" dirty="0">
+                          <a:solidFill>
+                            <a:srgbClr val="000000"/>
+                          </a:solidFill>
+                          <a:effectLst/>
+                          <a:ea typeface="Malgun Gothic" panose="020B0503020000020004" pitchFamily="50" charset="-127"/>
+                        </a:rPr>
+                        <a:t>(billion)</a:t>
+                      </a:r>
+                    </a:p>
+                  </a:txBody>
+                  <a:tcPr marL="50800" marR="50800" marT="50800" marB="50800">
+                    <a:lnL w="12700" cap="flat" cmpd="sng" algn="ctr">
+                      <a:solidFill>
+                        <a:srgbClr val="A3A3A3"/>
+                      </a:solidFill>
+                      <a:prstDash val="solid"/>
+                      <a:round/>
+                      <a:headEnd type="none" w="med" len="med"/>
+                      <a:tailEnd type="none" w="med" len="med"/>
+                    </a:lnL>
+                    <a:lnR w="12700" cap="flat" cmpd="sng" algn="ctr">
+                      <a:solidFill>
+                        <a:srgbClr val="A3A3A3"/>
+                      </a:solidFill>
+                      <a:prstDash val="solid"/>
+                      <a:round/>
+                      <a:headEnd type="none" w="med" len="med"/>
+                      <a:tailEnd type="none" w="med" len="med"/>
+                    </a:lnR>
+                    <a:lnT w="12700" cap="flat" cmpd="sng" algn="ctr">
+                      <a:solidFill>
+                        <a:srgbClr val="A3A3A3"/>
+                      </a:solidFill>
+                      <a:prstDash val="solid"/>
+                      <a:round/>
+                      <a:headEnd type="none" w="med" len="med"/>
+                      <a:tailEnd type="none" w="med" len="med"/>
+                    </a:lnT>
+                    <a:lnB w="12700" cap="flat" cmpd="sng" algn="ctr">
+                      <a:solidFill>
+                        <a:srgbClr val="A3A3A3"/>
+                      </a:solidFill>
+                      <a:prstDash val="solid"/>
+                      <a:round/>
+                      <a:headEnd type="none" w="med" len="med"/>
+                      <a:tailEnd type="none" w="med" len="med"/>
+                    </a:lnB>
+                    <a:solidFill>
+                      <a:srgbClr val="FFFFFF"/>
+                    </a:solidFill>
+                  </a:tcPr>
+                </a:tc>
+                <a:tc>
+                  <a:txBody>
+                    <a:bodyPr/>
+                    <a:lstStyle/>
+                    <a:p>
+                      <a:pPr marL="0" marR="0" fontAlgn="t">
+                        <a:spcBef>
+                          <a:spcPts val="0"/>
+                        </a:spcBef>
+                        <a:spcAft>
+                          <a:spcPts val="0"/>
+                        </a:spcAft>
+                      </a:pPr>
+                      <a:r>
+                        <a:rPr lang="en-US" sz="1100">
+                          <a:effectLst/>
+                          <a:ea typeface="Calibri" panose="020F0502020204030204" pitchFamily="34" charset="0"/>
+                        </a:rPr>
+                        <a:t> </a:t>
+                      </a:r>
+                    </a:p>
+                  </a:txBody>
+                  <a:tcPr marL="50800" marR="50800" marT="50800" marB="50800">
+                    <a:lnL w="12700" cap="flat" cmpd="sng" algn="ctr">
+                      <a:solidFill>
+                        <a:srgbClr val="A3A3A3"/>
+                      </a:solidFill>
+                      <a:prstDash val="solid"/>
+                      <a:round/>
+                      <a:headEnd type="none" w="med" len="med"/>
+                      <a:tailEnd type="none" w="med" len="med"/>
+                    </a:lnL>
+                    <a:lnR w="12700" cap="flat" cmpd="sng" algn="ctr">
+                      <a:solidFill>
+                        <a:srgbClr val="A3A3A3"/>
+                      </a:solidFill>
+                      <a:prstDash val="solid"/>
+                      <a:round/>
+                      <a:headEnd type="none" w="med" len="med"/>
+                      <a:tailEnd type="none" w="med" len="med"/>
+                    </a:lnR>
+                    <a:lnT w="12700" cap="flat" cmpd="sng" algn="ctr">
+                      <a:solidFill>
+                        <a:srgbClr val="A3A3A3"/>
+                      </a:solidFill>
+                      <a:prstDash val="solid"/>
+                      <a:round/>
+                      <a:headEnd type="none" w="med" len="med"/>
+                      <a:tailEnd type="none" w="med" len="med"/>
+                    </a:lnT>
+                    <a:lnB w="12700" cap="flat" cmpd="sng" algn="ctr">
+                      <a:solidFill>
+                        <a:srgbClr val="A3A3A3"/>
+                      </a:solidFill>
+                      <a:prstDash val="solid"/>
+                      <a:round/>
+                      <a:headEnd type="none" w="med" len="med"/>
+                      <a:tailEnd type="none" w="med" len="med"/>
+                    </a:lnB>
+                    <a:solidFill>
+                      <a:srgbClr val="FFFFFF"/>
+                    </a:solidFill>
+                  </a:tcPr>
+                </a:tc>
+                <a:extLst>
+                  <a:ext uri="{0D108BD9-81ED-4DB2-BD59-A6C34878D82A}">
+                    <a16:rowId xmlns:a16="http://schemas.microsoft.com/office/drawing/2014/main" val="2783525944"/>
+                  </a:ext>
+                </a:extLst>
+              </a:tr>
+              <a:tr h="0">
+                <a:tc>
+                  <a:txBody>
+                    <a:bodyPr/>
+                    <a:lstStyle/>
+                    <a:p>
+                      <a:pPr marL="0" marR="0" fontAlgn="t">
+                        <a:spcBef>
+                          <a:spcPts val="0"/>
+                        </a:spcBef>
+                        <a:spcAft>
+                          <a:spcPts val="0"/>
+                        </a:spcAft>
+                      </a:pPr>
+                      <a:r>
+                        <a:rPr lang="ko-KR" sz="1200" dirty="0">
+                          <a:solidFill>
+                            <a:srgbClr val="1F1F1F"/>
+                          </a:solidFill>
+                          <a:effectLst/>
+                          <a:ea typeface="Google Sans"/>
+                        </a:rPr>
+                        <a:t>ChatGPT-1</a:t>
+                      </a:r>
+                    </a:p>
+                  </a:txBody>
+                  <a:tcPr marL="50800" marR="50800" marT="50800" marB="50800">
+                    <a:lnL w="12700" cap="flat" cmpd="sng" algn="ctr">
+                      <a:solidFill>
+                        <a:srgbClr val="A3A3A3"/>
+                      </a:solidFill>
+                      <a:prstDash val="solid"/>
+                      <a:round/>
+                      <a:headEnd type="none" w="med" len="med"/>
+                      <a:tailEnd type="none" w="med" len="med"/>
+                    </a:lnL>
+                    <a:lnR w="12700" cap="flat" cmpd="sng" algn="ctr">
+                      <a:solidFill>
+                        <a:srgbClr val="A3A3A3"/>
+                      </a:solidFill>
+                      <a:prstDash val="solid"/>
+                      <a:round/>
+                      <a:headEnd type="none" w="med" len="med"/>
+                      <a:tailEnd type="none" w="med" len="med"/>
+                    </a:lnR>
+                    <a:lnT w="12700" cap="flat" cmpd="sng" algn="ctr">
+                      <a:solidFill>
+                        <a:srgbClr val="A3A3A3"/>
+                      </a:solidFill>
+                      <a:prstDash val="solid"/>
+                      <a:round/>
+                      <a:headEnd type="none" w="med" len="med"/>
+                      <a:tailEnd type="none" w="med" len="med"/>
+                    </a:lnT>
+                    <a:lnB w="12700" cap="flat" cmpd="sng" algn="ctr">
+                      <a:solidFill>
+                        <a:srgbClr val="A3A3A3"/>
+                      </a:solidFill>
+                      <a:prstDash val="solid"/>
+                      <a:round/>
+                      <a:headEnd type="none" w="med" len="med"/>
+                      <a:tailEnd type="none" w="med" len="med"/>
+                    </a:lnB>
+                    <a:solidFill>
+                      <a:srgbClr val="FFFFFF"/>
+                    </a:solidFill>
+                  </a:tcPr>
+                </a:tc>
+                <a:tc>
+                  <a:txBody>
+                    <a:bodyPr/>
+                    <a:lstStyle/>
+                    <a:p>
+                      <a:pPr marL="0" marR="0" algn="r" fontAlgn="t">
+                        <a:spcBef>
+                          <a:spcPts val="0"/>
+                        </a:spcBef>
+                        <a:spcAft>
+                          <a:spcPts val="0"/>
+                        </a:spcAft>
+                      </a:pPr>
+                      <a:r>
+                        <a:rPr lang="ko-KR" sz="1200" dirty="0">
+                          <a:solidFill>
+                            <a:srgbClr val="1F1F1F"/>
+                          </a:solidFill>
+                          <a:effectLst/>
+                          <a:ea typeface="Malgun Gothic" panose="020B0503020000020004" pitchFamily="50" charset="-127"/>
+                        </a:rPr>
+                        <a:t>0.1</a:t>
+                      </a:r>
+                    </a:p>
+                  </a:txBody>
+                  <a:tcPr marL="50800" marR="50800" marT="50800" marB="50800">
+                    <a:lnL w="12700" cap="flat" cmpd="sng" algn="ctr">
+                      <a:solidFill>
+                        <a:srgbClr val="A3A3A3"/>
+                      </a:solidFill>
+                      <a:prstDash val="solid"/>
+                      <a:round/>
+                      <a:headEnd type="none" w="med" len="med"/>
+                      <a:tailEnd type="none" w="med" len="med"/>
+                    </a:lnL>
+                    <a:lnR w="12700" cap="flat" cmpd="sng" algn="ctr">
+                      <a:solidFill>
+                        <a:srgbClr val="A3A3A3"/>
+                      </a:solidFill>
+                      <a:prstDash val="solid"/>
+                      <a:round/>
+                      <a:headEnd type="none" w="med" len="med"/>
+                      <a:tailEnd type="none" w="med" len="med"/>
+                    </a:lnR>
+                    <a:lnT w="12700" cap="flat" cmpd="sng" algn="ctr">
+                      <a:solidFill>
+                        <a:srgbClr val="A3A3A3"/>
+                      </a:solidFill>
+                      <a:prstDash val="solid"/>
+                      <a:round/>
+                      <a:headEnd type="none" w="med" len="med"/>
+                      <a:tailEnd type="none" w="med" len="med"/>
+                    </a:lnT>
+                    <a:lnB w="12700" cap="flat" cmpd="sng" algn="ctr">
+                      <a:solidFill>
+                        <a:srgbClr val="A3A3A3"/>
+                      </a:solidFill>
+                      <a:prstDash val="solid"/>
+                      <a:round/>
+                      <a:headEnd type="none" w="med" len="med"/>
+                      <a:tailEnd type="none" w="med" len="med"/>
+                    </a:lnB>
+                    <a:solidFill>
+                      <a:srgbClr val="FFFFFF"/>
+                    </a:solidFill>
+                  </a:tcPr>
+                </a:tc>
+                <a:tc>
+                  <a:txBody>
+                    <a:bodyPr/>
+                    <a:lstStyle/>
+                    <a:p>
+                      <a:pPr marL="0" marR="0" algn="r" fontAlgn="t">
+                        <a:spcBef>
+                          <a:spcPts val="0"/>
+                        </a:spcBef>
+                        <a:spcAft>
+                          <a:spcPts val="0"/>
+                        </a:spcAft>
+                      </a:pPr>
+                      <a:r>
+                        <a:rPr lang="ko-KR" sz="1200">
+                          <a:solidFill>
+                            <a:srgbClr val="1F1F1F"/>
+                          </a:solidFill>
+                          <a:effectLst/>
+                          <a:ea typeface="Google Sans"/>
+                        </a:rPr>
+                        <a:t>12</a:t>
+                      </a:r>
+                    </a:p>
+                  </a:txBody>
+                  <a:tcPr marL="50800" marR="50800" marT="50800" marB="50800">
+                    <a:lnL w="12700" cap="flat" cmpd="sng" algn="ctr">
+                      <a:solidFill>
+                        <a:srgbClr val="A3A3A3"/>
+                      </a:solidFill>
+                      <a:prstDash val="solid"/>
+                      <a:round/>
+                      <a:headEnd type="none" w="med" len="med"/>
+                      <a:tailEnd type="none" w="med" len="med"/>
+                    </a:lnL>
+                    <a:lnR w="12700" cap="flat" cmpd="sng" algn="ctr">
+                      <a:solidFill>
+                        <a:srgbClr val="A3A3A3"/>
+                      </a:solidFill>
+                      <a:prstDash val="solid"/>
+                      <a:round/>
+                      <a:headEnd type="none" w="med" len="med"/>
+                      <a:tailEnd type="none" w="med" len="med"/>
+                    </a:lnR>
+                    <a:lnT w="12700" cap="flat" cmpd="sng" algn="ctr">
+                      <a:solidFill>
+                        <a:srgbClr val="A3A3A3"/>
+                      </a:solidFill>
+                      <a:prstDash val="solid"/>
+                      <a:round/>
+                      <a:headEnd type="none" w="med" len="med"/>
+                      <a:tailEnd type="none" w="med" len="med"/>
+                    </a:lnT>
+                    <a:lnB w="12700" cap="flat" cmpd="sng" algn="ctr">
+                      <a:solidFill>
+                        <a:srgbClr val="A3A3A3"/>
+                      </a:solidFill>
+                      <a:prstDash val="solid"/>
+                      <a:round/>
+                      <a:headEnd type="none" w="med" len="med"/>
+                      <a:tailEnd type="none" w="med" len="med"/>
+                    </a:lnB>
+                    <a:solidFill>
+                      <a:srgbClr val="FFFFFF"/>
+                    </a:solidFill>
+                  </a:tcPr>
+                </a:tc>
+                <a:extLst>
+                  <a:ext uri="{0D108BD9-81ED-4DB2-BD59-A6C34878D82A}">
+                    <a16:rowId xmlns:a16="http://schemas.microsoft.com/office/drawing/2014/main" val="1464020779"/>
+                  </a:ext>
+                </a:extLst>
+              </a:tr>
+              <a:tr h="0">
+                <a:tc>
+                  <a:txBody>
+                    <a:bodyPr/>
+                    <a:lstStyle/>
+                    <a:p>
+                      <a:pPr marL="0" marR="0" fontAlgn="t">
+                        <a:spcBef>
+                          <a:spcPts val="0"/>
+                        </a:spcBef>
+                        <a:spcAft>
+                          <a:spcPts val="0"/>
+                        </a:spcAft>
+                      </a:pPr>
+                      <a:r>
+                        <a:rPr lang="ko-KR" sz="1200" dirty="0">
+                          <a:solidFill>
+                            <a:srgbClr val="1F1F1F"/>
+                          </a:solidFill>
+                          <a:effectLst/>
+                          <a:ea typeface="Google Sans"/>
+                        </a:rPr>
+                        <a:t>ChatGPT-2</a:t>
+                      </a:r>
+                    </a:p>
+                  </a:txBody>
+                  <a:tcPr marL="50800" marR="50800" marT="50800" marB="50800">
+                    <a:lnL w="12700" cap="flat" cmpd="sng" algn="ctr">
+                      <a:solidFill>
+                        <a:srgbClr val="A3A3A3"/>
+                      </a:solidFill>
+                      <a:prstDash val="solid"/>
+                      <a:round/>
+                      <a:headEnd type="none" w="med" len="med"/>
+                      <a:tailEnd type="none" w="med" len="med"/>
+                    </a:lnL>
+                    <a:lnR w="12700" cap="flat" cmpd="sng" algn="ctr">
+                      <a:solidFill>
+                        <a:srgbClr val="A3A3A3"/>
+                      </a:solidFill>
+                      <a:prstDash val="solid"/>
+                      <a:round/>
+                      <a:headEnd type="none" w="med" len="med"/>
+                      <a:tailEnd type="none" w="med" len="med"/>
+                    </a:lnR>
+                    <a:lnT w="12700" cap="flat" cmpd="sng" algn="ctr">
+                      <a:solidFill>
+                        <a:srgbClr val="A3A3A3"/>
+                      </a:solidFill>
+                      <a:prstDash val="solid"/>
+                      <a:round/>
+                      <a:headEnd type="none" w="med" len="med"/>
+                      <a:tailEnd type="none" w="med" len="med"/>
+                    </a:lnT>
+                    <a:lnB w="12700" cap="flat" cmpd="sng" algn="ctr">
+                      <a:solidFill>
+                        <a:srgbClr val="A3A3A3"/>
+                      </a:solidFill>
+                      <a:prstDash val="solid"/>
+                      <a:round/>
+                      <a:headEnd type="none" w="med" len="med"/>
+                      <a:tailEnd type="none" w="med" len="med"/>
+                    </a:lnB>
+                    <a:solidFill>
+                      <a:srgbClr val="FFFFFF"/>
+                    </a:solidFill>
+                  </a:tcPr>
+                </a:tc>
+                <a:tc>
+                  <a:txBody>
+                    <a:bodyPr/>
+                    <a:lstStyle/>
+                    <a:p>
+                      <a:pPr marL="0" marR="0" algn="r" fontAlgn="t">
+                        <a:spcBef>
+                          <a:spcPts val="0"/>
+                        </a:spcBef>
+                        <a:spcAft>
+                          <a:spcPts val="0"/>
+                        </a:spcAft>
+                      </a:pPr>
+                      <a:r>
+                        <a:rPr lang="ko-KR" sz="1200" dirty="0">
+                          <a:solidFill>
+                            <a:srgbClr val="1F1F1F"/>
+                          </a:solidFill>
+                          <a:effectLst/>
+                          <a:ea typeface="Malgun Gothic" panose="020B0503020000020004" pitchFamily="50" charset="-127"/>
+                        </a:rPr>
+                        <a:t>0.3</a:t>
+                      </a:r>
+                    </a:p>
+                  </a:txBody>
+                  <a:tcPr marL="50800" marR="50800" marT="50800" marB="50800">
+                    <a:lnL w="12700" cap="flat" cmpd="sng" algn="ctr">
+                      <a:solidFill>
+                        <a:srgbClr val="A3A3A3"/>
+                      </a:solidFill>
+                      <a:prstDash val="solid"/>
+                      <a:round/>
+                      <a:headEnd type="none" w="med" len="med"/>
+                      <a:tailEnd type="none" w="med" len="med"/>
+                    </a:lnL>
+                    <a:lnR w="12700" cap="flat" cmpd="sng" algn="ctr">
+                      <a:solidFill>
+                        <a:srgbClr val="A3A3A3"/>
+                      </a:solidFill>
+                      <a:prstDash val="solid"/>
+                      <a:round/>
+                      <a:headEnd type="none" w="med" len="med"/>
+                      <a:tailEnd type="none" w="med" len="med"/>
+                    </a:lnR>
+                    <a:lnT w="12700" cap="flat" cmpd="sng" algn="ctr">
+                      <a:solidFill>
+                        <a:srgbClr val="A3A3A3"/>
+                      </a:solidFill>
+                      <a:prstDash val="solid"/>
+                      <a:round/>
+                      <a:headEnd type="none" w="med" len="med"/>
+                      <a:tailEnd type="none" w="med" len="med"/>
+                    </a:lnT>
+                    <a:lnB w="12700" cap="flat" cmpd="sng" algn="ctr">
+                      <a:solidFill>
+                        <a:srgbClr val="A3A3A3"/>
+                      </a:solidFill>
+                      <a:prstDash val="solid"/>
+                      <a:round/>
+                      <a:headEnd type="none" w="med" len="med"/>
+                      <a:tailEnd type="none" w="med" len="med"/>
+                    </a:lnB>
+                    <a:solidFill>
+                      <a:srgbClr val="FFFFFF"/>
+                    </a:solidFill>
+                  </a:tcPr>
+                </a:tc>
+                <a:tc>
+                  <a:txBody>
+                    <a:bodyPr/>
+                    <a:lstStyle/>
+                    <a:p>
+                      <a:pPr marL="0" marR="0" algn="r" fontAlgn="t">
+                        <a:spcBef>
+                          <a:spcPts val="0"/>
+                        </a:spcBef>
+                        <a:spcAft>
+                          <a:spcPts val="0"/>
+                        </a:spcAft>
+                      </a:pPr>
+                      <a:r>
+                        <a:rPr lang="ko-KR" sz="1200">
+                          <a:solidFill>
+                            <a:srgbClr val="1F1F1F"/>
+                          </a:solidFill>
+                          <a:effectLst/>
+                          <a:ea typeface="Google Sans"/>
+                        </a:rPr>
+                        <a:t>12</a:t>
+                      </a:r>
+                    </a:p>
+                  </a:txBody>
+                  <a:tcPr marL="50800" marR="50800" marT="50800" marB="50800">
+                    <a:lnL w="12700" cap="flat" cmpd="sng" algn="ctr">
+                      <a:solidFill>
+                        <a:srgbClr val="A3A3A3"/>
+                      </a:solidFill>
+                      <a:prstDash val="solid"/>
+                      <a:round/>
+                      <a:headEnd type="none" w="med" len="med"/>
+                      <a:tailEnd type="none" w="med" len="med"/>
+                    </a:lnL>
+                    <a:lnR w="12700" cap="flat" cmpd="sng" algn="ctr">
+                      <a:solidFill>
+                        <a:srgbClr val="A3A3A3"/>
+                      </a:solidFill>
+                      <a:prstDash val="solid"/>
+                      <a:round/>
+                      <a:headEnd type="none" w="med" len="med"/>
+                      <a:tailEnd type="none" w="med" len="med"/>
+                    </a:lnR>
+                    <a:lnT w="12700" cap="flat" cmpd="sng" algn="ctr">
+                      <a:solidFill>
+                        <a:srgbClr val="A3A3A3"/>
+                      </a:solidFill>
+                      <a:prstDash val="solid"/>
+                      <a:round/>
+                      <a:headEnd type="none" w="med" len="med"/>
+                      <a:tailEnd type="none" w="med" len="med"/>
+                    </a:lnT>
+                    <a:lnB w="12700" cap="flat" cmpd="sng" algn="ctr">
+                      <a:solidFill>
+                        <a:srgbClr val="A3A3A3"/>
+                      </a:solidFill>
+                      <a:prstDash val="solid"/>
+                      <a:round/>
+                      <a:headEnd type="none" w="med" len="med"/>
+                      <a:tailEnd type="none" w="med" len="med"/>
+                    </a:lnB>
+                    <a:solidFill>
+                      <a:srgbClr val="FFFFFF"/>
+                    </a:solidFill>
+                  </a:tcPr>
+                </a:tc>
+                <a:extLst>
+                  <a:ext uri="{0D108BD9-81ED-4DB2-BD59-A6C34878D82A}">
+                    <a16:rowId xmlns:a16="http://schemas.microsoft.com/office/drawing/2014/main" val="1926327051"/>
+                  </a:ext>
+                </a:extLst>
+              </a:tr>
+              <a:tr h="0">
+                <a:tc>
+                  <a:txBody>
+                    <a:bodyPr/>
+                    <a:lstStyle/>
+                    <a:p>
+                      <a:pPr marL="0" marR="0" fontAlgn="t">
+                        <a:spcBef>
+                          <a:spcPts val="0"/>
+                        </a:spcBef>
+                        <a:spcAft>
+                          <a:spcPts val="0"/>
+                        </a:spcAft>
+                      </a:pPr>
+                      <a:r>
+                        <a:rPr lang="ko-KR" sz="1200" dirty="0">
+                          <a:solidFill>
+                            <a:srgbClr val="1F1F1F"/>
+                          </a:solidFill>
+                          <a:effectLst/>
+                          <a:ea typeface="Google Sans"/>
+                        </a:rPr>
+                        <a:t>ChatGPT-3</a:t>
+                      </a:r>
+                    </a:p>
+                  </a:txBody>
+                  <a:tcPr marL="50800" marR="50800" marT="50800" marB="50800">
+                    <a:lnL w="12700" cap="flat" cmpd="sng" algn="ctr">
+                      <a:solidFill>
+                        <a:srgbClr val="A3A3A3"/>
+                      </a:solidFill>
+                      <a:prstDash val="solid"/>
+                      <a:round/>
+                      <a:headEnd type="none" w="med" len="med"/>
+                      <a:tailEnd type="none" w="med" len="med"/>
+                    </a:lnL>
+                    <a:lnR w="12700" cap="flat" cmpd="sng" algn="ctr">
+                      <a:solidFill>
+                        <a:srgbClr val="A3A3A3"/>
+                      </a:solidFill>
+                      <a:prstDash val="solid"/>
+                      <a:round/>
+                      <a:headEnd type="none" w="med" len="med"/>
+                      <a:tailEnd type="none" w="med" len="med"/>
+                    </a:lnR>
+                    <a:lnT w="12700" cap="flat" cmpd="sng" algn="ctr">
+                      <a:solidFill>
+                        <a:srgbClr val="A3A3A3"/>
+                      </a:solidFill>
+                      <a:prstDash val="solid"/>
+                      <a:round/>
+                      <a:headEnd type="none" w="med" len="med"/>
+                      <a:tailEnd type="none" w="med" len="med"/>
+                    </a:lnT>
+                    <a:lnB w="12700" cap="flat" cmpd="sng" algn="ctr">
+                      <a:solidFill>
+                        <a:srgbClr val="A3A3A3"/>
+                      </a:solidFill>
+                      <a:prstDash val="solid"/>
+                      <a:round/>
+                      <a:headEnd type="none" w="med" len="med"/>
+                      <a:tailEnd type="none" w="med" len="med"/>
+                    </a:lnB>
+                    <a:solidFill>
+                      <a:srgbClr val="FFFFFF"/>
+                    </a:solidFill>
+                  </a:tcPr>
+                </a:tc>
+                <a:tc>
+                  <a:txBody>
+                    <a:bodyPr/>
+                    <a:lstStyle/>
+                    <a:p>
+                      <a:pPr marL="0" marR="0" algn="r" fontAlgn="t">
+                        <a:spcBef>
+                          <a:spcPts val="0"/>
+                        </a:spcBef>
+                        <a:spcAft>
+                          <a:spcPts val="0"/>
+                        </a:spcAft>
+                      </a:pPr>
+                      <a:r>
+                        <a:rPr lang="x-none" sz="1200" dirty="0">
+                          <a:solidFill>
+                            <a:srgbClr val="1F1F1F"/>
+                          </a:solidFill>
+                          <a:effectLst/>
+                          <a:ea typeface="Malgun Gothic" panose="020B0503020000020004" pitchFamily="50" charset="-127"/>
+                        </a:rPr>
+                        <a:t>175</a:t>
+                      </a:r>
+                    </a:p>
+                  </a:txBody>
+                  <a:tcPr marL="50800" marR="50800" marT="50800" marB="50800">
+                    <a:lnL w="12700" cap="flat" cmpd="sng" algn="ctr">
+                      <a:solidFill>
+                        <a:srgbClr val="A3A3A3"/>
+                      </a:solidFill>
+                      <a:prstDash val="solid"/>
+                      <a:round/>
+                      <a:headEnd type="none" w="med" len="med"/>
+                      <a:tailEnd type="none" w="med" len="med"/>
+                    </a:lnL>
+                    <a:lnR w="12700" cap="flat" cmpd="sng" algn="ctr">
+                      <a:solidFill>
+                        <a:srgbClr val="A3A3A3"/>
+                      </a:solidFill>
+                      <a:prstDash val="solid"/>
+                      <a:round/>
+                      <a:headEnd type="none" w="med" len="med"/>
+                      <a:tailEnd type="none" w="med" len="med"/>
+                    </a:lnR>
+                    <a:lnT w="12700" cap="flat" cmpd="sng" algn="ctr">
+                      <a:solidFill>
+                        <a:srgbClr val="A3A3A3"/>
+                      </a:solidFill>
+                      <a:prstDash val="solid"/>
+                      <a:round/>
+                      <a:headEnd type="none" w="med" len="med"/>
+                      <a:tailEnd type="none" w="med" len="med"/>
+                    </a:lnT>
+                    <a:lnB w="12700" cap="flat" cmpd="sng" algn="ctr">
+                      <a:solidFill>
+                        <a:srgbClr val="A3A3A3"/>
+                      </a:solidFill>
+                      <a:prstDash val="solid"/>
+                      <a:round/>
+                      <a:headEnd type="none" w="med" len="med"/>
+                      <a:tailEnd type="none" w="med" len="med"/>
+                    </a:lnB>
+                    <a:solidFill>
+                      <a:srgbClr val="FFFFFF"/>
+                    </a:solidFill>
+                  </a:tcPr>
+                </a:tc>
+                <a:tc>
+                  <a:txBody>
+                    <a:bodyPr/>
+                    <a:lstStyle/>
+                    <a:p>
+                      <a:pPr marL="0" marR="0" algn="r" fontAlgn="t">
+                        <a:spcBef>
+                          <a:spcPts val="0"/>
+                        </a:spcBef>
+                        <a:spcAft>
+                          <a:spcPts val="0"/>
+                        </a:spcAft>
+                      </a:pPr>
+                      <a:r>
+                        <a:rPr lang="ko-KR" sz="1200" dirty="0">
+                          <a:solidFill>
+                            <a:srgbClr val="1F1F1F"/>
+                          </a:solidFill>
+                          <a:effectLst/>
+                          <a:ea typeface="Google Sans"/>
+                        </a:rPr>
+                        <a:t>17</a:t>
+                      </a:r>
+                    </a:p>
+                  </a:txBody>
+                  <a:tcPr marL="50800" marR="50800" marT="50800" marB="50800">
+                    <a:lnL w="12700" cap="flat" cmpd="sng" algn="ctr">
+                      <a:solidFill>
+                        <a:srgbClr val="A3A3A3"/>
+                      </a:solidFill>
+                      <a:prstDash val="solid"/>
+                      <a:round/>
+                      <a:headEnd type="none" w="med" len="med"/>
+                      <a:tailEnd type="none" w="med" len="med"/>
+                    </a:lnL>
+                    <a:lnR w="12700" cap="flat" cmpd="sng" algn="ctr">
+                      <a:solidFill>
+                        <a:srgbClr val="A3A3A3"/>
+                      </a:solidFill>
+                      <a:prstDash val="solid"/>
+                      <a:round/>
+                      <a:headEnd type="none" w="med" len="med"/>
+                      <a:tailEnd type="none" w="med" len="med"/>
+                    </a:lnR>
+                    <a:lnT w="12700" cap="flat" cmpd="sng" algn="ctr">
+                      <a:solidFill>
+                        <a:srgbClr val="A3A3A3"/>
+                      </a:solidFill>
+                      <a:prstDash val="solid"/>
+                      <a:round/>
+                      <a:headEnd type="none" w="med" len="med"/>
+                      <a:tailEnd type="none" w="med" len="med"/>
+                    </a:lnT>
+                    <a:lnB w="12700" cap="flat" cmpd="sng" algn="ctr">
+                      <a:solidFill>
+                        <a:srgbClr val="A3A3A3"/>
+                      </a:solidFill>
+                      <a:prstDash val="solid"/>
+                      <a:round/>
+                      <a:headEnd type="none" w="med" len="med"/>
+                      <a:tailEnd type="none" w="med" len="med"/>
+                    </a:lnB>
+                    <a:solidFill>
+                      <a:srgbClr val="FFFFFF"/>
+                    </a:solidFill>
+                  </a:tcPr>
+                </a:tc>
+                <a:extLst>
+                  <a:ext uri="{0D108BD9-81ED-4DB2-BD59-A6C34878D82A}">
+                    <a16:rowId xmlns:a16="http://schemas.microsoft.com/office/drawing/2014/main" val="3764516662"/>
+                  </a:ext>
+                </a:extLst>
+              </a:tr>
+            </a:tbl>
+          </a:graphicData>
+        </a:graphic>
+      </p:graphicFrame>
+      <p:sp>
+        <p:nvSpPr>
+          <p:cNvPr id="20" name="직사각형 19">
+            <a:extLst>
+              <a:ext uri="{FF2B5EF4-FFF2-40B4-BE49-F238E27FC236}">
+                <a16:creationId xmlns:a16="http://schemas.microsoft.com/office/drawing/2014/main" id="{CD2F7CAA-A1BF-47F9-A7EA-741BDB4E709D}"/>
+              </a:ext>
+            </a:extLst>
+          </p:cNvPr>
+          <p:cNvSpPr/>
+          <p:nvPr/>
+        </p:nvSpPr>
+        <p:spPr>
+          <a:xfrm>
+            <a:off x="9054919" y="5993223"/>
+            <a:ext cx="2824065" cy="457200"/>
+          </a:xfrm>
+          <a:prstGeom prst="rect">
+            <a:avLst/>
+          </a:prstGeom>
+        </p:spPr>
+        <p:style>
+          <a:lnRef idx="2">
+            <a:schemeClr val="accent6">
+              <a:shade val="50000"/>
+            </a:schemeClr>
+          </a:lnRef>
+          <a:fillRef idx="1">
+            <a:schemeClr val="accent6"/>
+          </a:fillRef>
+          <a:effectRef idx="0">
+            <a:schemeClr val="accent6"/>
+          </a:effectRef>
+          <a:fontRef idx="minor">
+            <a:schemeClr val="lt1"/>
+          </a:fontRef>
+        </p:style>
+        <p:txBody>
+          <a:bodyPr rtlCol="0" anchor="ctr"/>
+          <a:lstStyle/>
+          <a:p>
+            <a:pPr algn="ctr"/>
+            <a:r>
+              <a:rPr lang="en-US" altLang="ko-KR" dirty="0"/>
+              <a:t>chat GPT4ALL  </a:t>
+            </a:r>
+            <a:r>
+              <a:rPr lang="en-US" altLang="ko-KR" sz="1050" dirty="0"/>
+              <a:t>2023</a:t>
+            </a:r>
+            <a:endParaRPr lang="ko-KR" altLang="en-US" dirty="0"/>
+          </a:p>
+        </p:txBody>
+      </p:sp>
     </p:spTree>
     <p:extLst>
       <p:ext uri="{BB962C8B-B14F-4D97-AF65-F5344CB8AC3E}">
@@ -5869,6 +5977,2341 @@
 </file>
 
 <file path=ppt/slides/slide4.xml><?xml version="1.0" encoding="utf-8"?>
+<p:sld xmlns:a="http://schemas.openxmlformats.org/drawingml/2006/main" xmlns:r="http://schemas.openxmlformats.org/officeDocument/2006/relationships" xmlns:p="http://schemas.openxmlformats.org/presentationml/2006/main">
+  <p:cSld>
+    <p:spTree>
+      <p:nvGrpSpPr>
+        <p:cNvPr id="1" name=""/>
+        <p:cNvGrpSpPr/>
+        <p:nvPr/>
+      </p:nvGrpSpPr>
+      <p:grpSpPr>
+        <a:xfrm>
+          <a:off x="0" y="0"/>
+          <a:ext cx="0" cy="0"/>
+          <a:chOff x="0" y="0"/>
+          <a:chExt cx="0" cy="0"/>
+        </a:xfrm>
+      </p:grpSpPr>
+      <p:sp>
+        <p:nvSpPr>
+          <p:cNvPr id="2" name="제목 1">
+            <a:extLst>
+              <a:ext uri="{FF2B5EF4-FFF2-40B4-BE49-F238E27FC236}">
+                <a16:creationId xmlns:a16="http://schemas.microsoft.com/office/drawing/2014/main" id="{114D034B-360C-4197-93B4-DD94950D1092}"/>
+              </a:ext>
+            </a:extLst>
+          </p:cNvPr>
+          <p:cNvSpPr>
+            <a:spLocks noGrp="1"/>
+          </p:cNvSpPr>
+          <p:nvPr>
+            <p:ph type="title"/>
+          </p:nvPr>
+        </p:nvSpPr>
+        <p:spPr/>
+        <p:txBody>
+          <a:bodyPr/>
+          <a:lstStyle/>
+          <a:p>
+            <a:r>
+              <a:rPr lang="en-US" altLang="ko-KR"/>
+              <a:t>Truth GPT</a:t>
+            </a:r>
+            <a:endParaRPr lang="ko-KR" altLang="en-US"/>
+          </a:p>
+        </p:txBody>
+      </p:sp>
+      <p:sp>
+        <p:nvSpPr>
+          <p:cNvPr id="3" name="내용 개체 틀 2">
+            <a:extLst>
+              <a:ext uri="{FF2B5EF4-FFF2-40B4-BE49-F238E27FC236}">
+                <a16:creationId xmlns:a16="http://schemas.microsoft.com/office/drawing/2014/main" id="{6559BE3E-9E9C-4623-9880-29A073500B99}"/>
+              </a:ext>
+            </a:extLst>
+          </p:cNvPr>
+          <p:cNvSpPr>
+            <a:spLocks noGrp="1"/>
+          </p:cNvSpPr>
+          <p:nvPr>
+            <p:ph idx="1"/>
+          </p:nvPr>
+        </p:nvSpPr>
+        <p:spPr/>
+        <p:txBody>
+          <a:bodyPr>
+            <a:normAutofit/>
+          </a:bodyPr>
+          <a:lstStyle/>
+          <a:p>
+            <a:r>
+              <a:rPr lang="en-US" altLang="ko-KR" sz="1400" dirty="0"/>
+              <a:t>Sure, here is the translation of the text you provided in Korean:</a:t>
+            </a:r>
+          </a:p>
+          <a:p>
+            <a:r>
+              <a:rPr lang="ko-KR" altLang="en-US" sz="1400" dirty="0" err="1"/>
+              <a:t>트루</a:t>
+            </a:r>
+            <a:r>
+              <a:rPr lang="en-US" altLang="ko-KR" sz="1400" dirty="0"/>
+              <a:t>GPT</a:t>
+            </a:r>
+            <a:r>
+              <a:rPr lang="ko-KR" altLang="en-US" sz="1400" dirty="0"/>
+              <a:t>는 대규모 텍스트 및 코드 데이터 세트에서 훈련된 사실 언어 모델입니다</a:t>
+            </a:r>
+            <a:r>
+              <a:rPr lang="en-US" altLang="ko-KR" sz="1400" dirty="0"/>
+              <a:t>. </a:t>
+            </a:r>
+            <a:r>
+              <a:rPr lang="ko-KR" altLang="en-US" sz="1400" dirty="0"/>
+              <a:t>즉</a:t>
+            </a:r>
+            <a:r>
+              <a:rPr lang="en-US" altLang="ko-KR" sz="1400" dirty="0"/>
+              <a:t>, </a:t>
+            </a:r>
+            <a:r>
+              <a:rPr lang="ko-KR" altLang="en-US" sz="1400" dirty="0" err="1"/>
+              <a:t>트루</a:t>
+            </a:r>
+            <a:r>
+              <a:rPr lang="en-US" altLang="ko-KR" sz="1400" dirty="0"/>
+              <a:t>GPT</a:t>
+            </a:r>
+            <a:r>
+              <a:rPr lang="ko-KR" altLang="en-US" sz="1400" dirty="0"/>
+              <a:t>는 세계에 대한 깊은 이해를 가지고 있으며 사실적으로 정확한 텍스트를 생성할 수 있습니다</a:t>
+            </a:r>
+            <a:r>
+              <a:rPr lang="en-US" altLang="ko-KR" sz="1400" dirty="0"/>
+              <a:t>. </a:t>
+            </a:r>
+            <a:r>
+              <a:rPr lang="ko-KR" altLang="en-US" sz="1400" dirty="0" err="1"/>
+              <a:t>트루</a:t>
+            </a:r>
+            <a:r>
+              <a:rPr lang="en-US" altLang="ko-KR" sz="1400" dirty="0"/>
+              <a:t>GPT</a:t>
+            </a:r>
+            <a:r>
+              <a:rPr lang="ko-KR" altLang="en-US" sz="1400" dirty="0"/>
+              <a:t>는 또한 출력에서 편향을 식별하고 피할 수 있습니다</a:t>
+            </a:r>
+            <a:r>
+              <a:rPr lang="en-US" altLang="ko-KR" sz="1400" dirty="0"/>
+              <a:t>. </a:t>
+            </a:r>
+            <a:r>
+              <a:rPr lang="ko-KR" altLang="en-US" sz="1400" dirty="0"/>
+              <a:t>이는 보고서 작성</a:t>
+            </a:r>
+            <a:r>
+              <a:rPr lang="en-US" altLang="ko-KR" sz="1400" dirty="0"/>
+              <a:t>, </a:t>
+            </a:r>
+            <a:r>
+              <a:rPr lang="ko-KR" altLang="en-US" sz="1400" dirty="0"/>
+              <a:t>법률 문서 생성 또는 고객 지원과 같은 작업에 사용하기 위한 언어 모델에 중요합니다</a:t>
+            </a:r>
+            <a:r>
+              <a:rPr lang="en-US" altLang="ko-KR" sz="1400" dirty="0"/>
+              <a:t>. </a:t>
+            </a:r>
+            <a:r>
+              <a:rPr lang="ko-KR" altLang="en-US" sz="1400" dirty="0" err="1"/>
+              <a:t>트루</a:t>
+            </a:r>
+            <a:r>
+              <a:rPr lang="en-US" altLang="ko-KR" sz="1400" dirty="0"/>
+              <a:t>GPT</a:t>
+            </a:r>
+            <a:r>
+              <a:rPr lang="ko-KR" altLang="en-US" sz="1400" dirty="0"/>
+              <a:t>는 아직 개발 중이지만 이미 다양한 사실적이고 창의적인 텍스트 형식을 생성하는 데 사용되었습니다</a:t>
+            </a:r>
+            <a:r>
+              <a:rPr lang="en-US" altLang="ko-KR" sz="1400" dirty="0"/>
+              <a:t>. </a:t>
+            </a:r>
+            <a:r>
+              <a:rPr lang="ko-KR" altLang="en-US" sz="1400" dirty="0"/>
+              <a:t>여기에는 뉴스 기사</a:t>
+            </a:r>
+            <a:r>
+              <a:rPr lang="en-US" altLang="ko-KR" sz="1400" dirty="0"/>
+              <a:t>, </a:t>
+            </a:r>
+            <a:r>
+              <a:rPr lang="ko-KR" altLang="en-US" sz="1400" dirty="0"/>
+              <a:t>블로그 게시물</a:t>
+            </a:r>
+            <a:r>
+              <a:rPr lang="en-US" altLang="ko-KR" sz="1400" dirty="0"/>
+              <a:t>, </a:t>
+            </a:r>
+            <a:r>
+              <a:rPr lang="ko-KR" altLang="en-US" sz="1400" dirty="0"/>
+              <a:t>제품 설명</a:t>
+            </a:r>
+            <a:r>
+              <a:rPr lang="en-US" altLang="ko-KR" sz="1400" dirty="0"/>
+              <a:t>, </a:t>
+            </a:r>
+            <a:r>
+              <a:rPr lang="ko-KR" altLang="en-US" sz="1400" dirty="0"/>
+              <a:t>심지어 시도 포함됩니다</a:t>
+            </a:r>
+            <a:r>
+              <a:rPr lang="en-US" altLang="ko-KR" sz="1400" dirty="0"/>
+              <a:t>.</a:t>
+            </a:r>
+          </a:p>
+          <a:p>
+            <a:r>
+              <a:rPr lang="en-US" altLang="ko-KR" sz="1400" dirty="0"/>
+              <a:t>Here is a more literal translation:</a:t>
+            </a:r>
+          </a:p>
+          <a:p>
+            <a:r>
+              <a:rPr lang="ko-KR" altLang="en-US" sz="1400" dirty="0" err="1"/>
+              <a:t>트루</a:t>
+            </a:r>
+            <a:r>
+              <a:rPr lang="en-US" altLang="ko-KR" sz="1400" dirty="0"/>
+              <a:t>GPT</a:t>
+            </a:r>
+            <a:r>
+              <a:rPr lang="ko-KR" altLang="en-US" sz="1400" dirty="0"/>
+              <a:t>는 사실 언어 모델입니다</a:t>
+            </a:r>
+            <a:r>
+              <a:rPr lang="en-US" altLang="ko-KR" sz="1400" dirty="0"/>
+              <a:t>. </a:t>
+            </a:r>
+            <a:r>
+              <a:rPr lang="ko-KR" altLang="en-US" sz="1400" dirty="0"/>
+              <a:t>그것은 텍스트와 코드의 대규모 데이터 세트에서 훈련됩니다</a:t>
+            </a:r>
+            <a:r>
+              <a:rPr lang="en-US" altLang="ko-KR" sz="1400" dirty="0"/>
+              <a:t>. </a:t>
+            </a:r>
+            <a:r>
+              <a:rPr lang="ko-KR" altLang="en-US" sz="1400" dirty="0"/>
+              <a:t>이것은 </a:t>
+            </a:r>
+            <a:r>
+              <a:rPr lang="ko-KR" altLang="en-US" sz="1400" dirty="0" err="1"/>
+              <a:t>트루</a:t>
+            </a:r>
+            <a:r>
+              <a:rPr lang="en-US" altLang="ko-KR" sz="1400" dirty="0"/>
+              <a:t>GPT</a:t>
+            </a:r>
+            <a:r>
+              <a:rPr lang="ko-KR" altLang="en-US" sz="1400" dirty="0"/>
+              <a:t>가 세계에 대한 깊은 이해를 가지고 있고 사실적으로 정확한 텍스트를 생성할 수 있음을 의미합니다</a:t>
+            </a:r>
+            <a:r>
+              <a:rPr lang="en-US" altLang="ko-KR" sz="1400" dirty="0"/>
+              <a:t>. </a:t>
+            </a:r>
+            <a:r>
+              <a:rPr lang="ko-KR" altLang="en-US" sz="1400" dirty="0" err="1"/>
+              <a:t>트루</a:t>
+            </a:r>
+            <a:r>
+              <a:rPr lang="en-US" altLang="ko-KR" sz="1400" dirty="0"/>
+              <a:t>GPT</a:t>
+            </a:r>
+            <a:r>
+              <a:rPr lang="ko-KR" altLang="en-US" sz="1400" dirty="0"/>
+              <a:t>는 또한 출력에서 편향을 식별하고 피할 수 있습니다</a:t>
+            </a:r>
+            <a:r>
+              <a:rPr lang="en-US" altLang="ko-KR" sz="1400" dirty="0"/>
+              <a:t>. </a:t>
+            </a:r>
+            <a:r>
+              <a:rPr lang="ko-KR" altLang="en-US" sz="1400" dirty="0"/>
+              <a:t>이는 보고서 작성</a:t>
+            </a:r>
+            <a:r>
+              <a:rPr lang="en-US" altLang="ko-KR" sz="1400" dirty="0"/>
+              <a:t>, </a:t>
+            </a:r>
+            <a:r>
+              <a:rPr lang="ko-KR" altLang="en-US" sz="1400" dirty="0"/>
+              <a:t>법률 문서 생성 또는 고객 지원과 같은 작업에 사용하기 위한 언어 모델에 중요합니다</a:t>
+            </a:r>
+            <a:r>
+              <a:rPr lang="en-US" altLang="ko-KR" sz="1400" dirty="0"/>
+              <a:t>. </a:t>
+            </a:r>
+            <a:r>
+              <a:rPr lang="ko-KR" altLang="en-US" sz="1400" dirty="0" err="1"/>
+              <a:t>트루</a:t>
+            </a:r>
+            <a:r>
+              <a:rPr lang="en-US" altLang="ko-KR" sz="1400" dirty="0"/>
+              <a:t>GPT</a:t>
+            </a:r>
+            <a:r>
+              <a:rPr lang="ko-KR" altLang="en-US" sz="1400" dirty="0"/>
+              <a:t>는 아직 개발 중이지만 이미 다양한 사실적이고 창의적인 텍스트 형식을 생성하는 데 사용되었습니다</a:t>
+            </a:r>
+            <a:r>
+              <a:rPr lang="en-US" altLang="ko-KR" sz="1400" dirty="0"/>
+              <a:t>. </a:t>
+            </a:r>
+            <a:r>
+              <a:rPr lang="ko-KR" altLang="en-US" sz="1400" dirty="0"/>
+              <a:t>여기에는 뉴스 기사</a:t>
+            </a:r>
+            <a:r>
+              <a:rPr lang="en-US" altLang="ko-KR" sz="1400" dirty="0"/>
+              <a:t>, </a:t>
+            </a:r>
+            <a:r>
+              <a:rPr lang="ko-KR" altLang="en-US" sz="1400" dirty="0"/>
+              <a:t>블로그 게시물</a:t>
+            </a:r>
+            <a:r>
+              <a:rPr lang="en-US" altLang="ko-KR" sz="1400" dirty="0"/>
+              <a:t>, </a:t>
+            </a:r>
+            <a:r>
+              <a:rPr lang="ko-KR" altLang="en-US" sz="1400" dirty="0"/>
+              <a:t>제품 설명</a:t>
+            </a:r>
+            <a:r>
+              <a:rPr lang="en-US" altLang="ko-KR" sz="1400" dirty="0"/>
+              <a:t>, </a:t>
+            </a:r>
+            <a:r>
+              <a:rPr lang="ko-KR" altLang="en-US" sz="1400" dirty="0"/>
+              <a:t>심지어 시도 포함됩니다</a:t>
+            </a:r>
+            <a:r>
+              <a:rPr lang="en-US" altLang="ko-KR" sz="1400" dirty="0"/>
+              <a:t>.</a:t>
+            </a:r>
+          </a:p>
+          <a:p>
+            <a:endParaRPr lang="ko-KR" altLang="en-US" sz="1400" dirty="0"/>
+          </a:p>
+        </p:txBody>
+      </p:sp>
+    </p:spTree>
+    <p:extLst>
+      <p:ext uri="{BB962C8B-B14F-4D97-AF65-F5344CB8AC3E}">
+        <p14:creationId xmlns:p14="http://schemas.microsoft.com/office/powerpoint/2010/main" val="3792732807"/>
+      </p:ext>
+    </p:extLst>
+  </p:cSld>
+  <p:clrMapOvr>
+    <a:masterClrMapping/>
+  </p:clrMapOvr>
+</p:sld>
+</file>
+
+<file path=ppt/slides/slide5.xml><?xml version="1.0" encoding="utf-8"?>
+<p:sld xmlns:a="http://schemas.openxmlformats.org/drawingml/2006/main" xmlns:r="http://schemas.openxmlformats.org/officeDocument/2006/relationships" xmlns:p="http://schemas.openxmlformats.org/presentationml/2006/main">
+  <p:cSld>
+    <p:spTree>
+      <p:nvGrpSpPr>
+        <p:cNvPr id="1" name=""/>
+        <p:cNvGrpSpPr/>
+        <p:nvPr/>
+      </p:nvGrpSpPr>
+      <p:grpSpPr>
+        <a:xfrm>
+          <a:off x="0" y="0"/>
+          <a:ext cx="0" cy="0"/>
+          <a:chOff x="0" y="0"/>
+          <a:chExt cx="0" cy="0"/>
+        </a:xfrm>
+      </p:grpSpPr>
+      <p:sp>
+        <p:nvSpPr>
+          <p:cNvPr id="2" name="제목 1">
+            <a:extLst>
+              <a:ext uri="{FF2B5EF4-FFF2-40B4-BE49-F238E27FC236}">
+                <a16:creationId xmlns:a16="http://schemas.microsoft.com/office/drawing/2014/main" id="{634AF5A1-4EB9-482B-956A-035F2C15959D}"/>
+              </a:ext>
+            </a:extLst>
+          </p:cNvPr>
+          <p:cNvSpPr>
+            <a:spLocks noGrp="1"/>
+          </p:cNvSpPr>
+          <p:nvPr>
+            <p:ph type="title"/>
+          </p:nvPr>
+        </p:nvSpPr>
+        <p:spPr/>
+        <p:txBody>
+          <a:bodyPr/>
+          <a:lstStyle/>
+          <a:p>
+            <a:r>
+              <a:rPr lang="en-US" altLang="ko-KR" dirty="0"/>
+              <a:t>AI</a:t>
+            </a:r>
+            <a:endParaRPr lang="ko-KR" altLang="en-US" dirty="0"/>
+          </a:p>
+        </p:txBody>
+      </p:sp>
+      <p:graphicFrame>
+        <p:nvGraphicFramePr>
+          <p:cNvPr id="4" name="내용 개체 틀 3">
+            <a:extLst>
+              <a:ext uri="{FF2B5EF4-FFF2-40B4-BE49-F238E27FC236}">
+                <a16:creationId xmlns:a16="http://schemas.microsoft.com/office/drawing/2014/main" id="{5873CC4C-28F9-49A8-8D30-01BF91896089}"/>
+              </a:ext>
+            </a:extLst>
+          </p:cNvPr>
+          <p:cNvGraphicFramePr>
+            <a:graphicFrameLocks noGrp="1"/>
+          </p:cNvGraphicFramePr>
+          <p:nvPr>
+            <p:ph idx="1"/>
+            <p:extLst>
+              <p:ext uri="{D42A27DB-BD31-4B8C-83A1-F6EECF244321}">
+                <p14:modId xmlns:p14="http://schemas.microsoft.com/office/powerpoint/2010/main" val="3367511320"/>
+              </p:ext>
+            </p:extLst>
+          </p:nvPr>
+        </p:nvGraphicFramePr>
+        <p:xfrm>
+          <a:off x="746619" y="1891999"/>
+          <a:ext cx="10515599" cy="3525520"/>
+        </p:xfrm>
+        <a:graphic>
+          <a:graphicData uri="http://schemas.openxmlformats.org/drawingml/2006/table">
+            <a:tbl>
+              <a:tblPr/>
+              <a:tblGrid>
+                <a:gridCol w="3861631">
+                  <a:extLst>
+                    <a:ext uri="{9D8B030D-6E8A-4147-A177-3AD203B41FA5}">
+                      <a16:colId xmlns:a16="http://schemas.microsoft.com/office/drawing/2014/main" val="3113257203"/>
+                    </a:ext>
+                  </a:extLst>
+                </a:gridCol>
+                <a:gridCol w="3578427">
+                  <a:extLst>
+                    <a:ext uri="{9D8B030D-6E8A-4147-A177-3AD203B41FA5}">
+                      <a16:colId xmlns:a16="http://schemas.microsoft.com/office/drawing/2014/main" val="1746573529"/>
+                    </a:ext>
+                  </a:extLst>
+                </a:gridCol>
+                <a:gridCol w="3075541">
+                  <a:extLst>
+                    <a:ext uri="{9D8B030D-6E8A-4147-A177-3AD203B41FA5}">
+                      <a16:colId xmlns:a16="http://schemas.microsoft.com/office/drawing/2014/main" val="1021582733"/>
+                    </a:ext>
+                  </a:extLst>
+                </a:gridCol>
+              </a:tblGrid>
+              <a:tr h="0">
+                <a:tc>
+                  <a:txBody>
+                    <a:bodyPr/>
+                    <a:lstStyle/>
+                    <a:p>
+                      <a:pPr marL="0" marR="0" fontAlgn="t">
+                        <a:spcBef>
+                          <a:spcPts val="0"/>
+                        </a:spcBef>
+                        <a:spcAft>
+                          <a:spcPts val="0"/>
+                        </a:spcAft>
+                      </a:pPr>
+                      <a:r>
+                        <a:rPr lang="ko-KR" sz="2000">
+                          <a:solidFill>
+                            <a:srgbClr val="1F1F1F"/>
+                          </a:solidFill>
+                          <a:effectLst/>
+                          <a:ea typeface="Google Sans"/>
+                        </a:rPr>
+                        <a:t>Company</a:t>
+                      </a:r>
+                    </a:p>
+                  </a:txBody>
+                  <a:tcPr marL="50800" marR="50800" marT="50800" marB="50800">
+                    <a:lnL>
+                      <a:noFill/>
+                    </a:lnL>
+                    <a:lnR>
+                      <a:noFill/>
+                    </a:lnR>
+                    <a:lnT>
+                      <a:noFill/>
+                    </a:lnT>
+                    <a:lnB>
+                      <a:noFill/>
+                    </a:lnB>
+                    <a:solidFill>
+                      <a:srgbClr val="FFFFFF"/>
+                    </a:solidFill>
+                  </a:tcPr>
+                </a:tc>
+                <a:tc>
+                  <a:txBody>
+                    <a:bodyPr/>
+                    <a:lstStyle/>
+                    <a:p>
+                      <a:pPr marL="0" marR="0" fontAlgn="t">
+                        <a:spcBef>
+                          <a:spcPts val="0"/>
+                        </a:spcBef>
+                        <a:spcAft>
+                          <a:spcPts val="0"/>
+                        </a:spcAft>
+                      </a:pPr>
+                      <a:r>
+                        <a:rPr lang="ko-KR" sz="2000">
+                          <a:solidFill>
+                            <a:srgbClr val="1F1F1F"/>
+                          </a:solidFill>
+                          <a:effectLst/>
+                          <a:ea typeface="Google Sans"/>
+                        </a:rPr>
+                        <a:t>AI model</a:t>
+                      </a:r>
+                    </a:p>
+                  </a:txBody>
+                  <a:tcPr marL="50800" marR="50800" marT="50800" marB="50800">
+                    <a:lnL>
+                      <a:noFill/>
+                    </a:lnL>
+                    <a:lnR>
+                      <a:noFill/>
+                    </a:lnR>
+                    <a:lnT>
+                      <a:noFill/>
+                    </a:lnT>
+                    <a:lnB>
+                      <a:noFill/>
+                    </a:lnB>
+                    <a:solidFill>
+                      <a:srgbClr val="FFFFFF"/>
+                    </a:solidFill>
+                  </a:tcPr>
+                </a:tc>
+                <a:tc>
+                  <a:txBody>
+                    <a:bodyPr/>
+                    <a:lstStyle/>
+                    <a:p>
+                      <a:pPr marL="0" marR="0" fontAlgn="t">
+                        <a:spcBef>
+                          <a:spcPts val="0"/>
+                        </a:spcBef>
+                        <a:spcAft>
+                          <a:spcPts val="0"/>
+                        </a:spcAft>
+                      </a:pPr>
+                      <a:r>
+                        <a:rPr lang="ko-KR" sz="2000">
+                          <a:solidFill>
+                            <a:srgbClr val="1F1F1F"/>
+                          </a:solidFill>
+                          <a:effectLst/>
+                          <a:ea typeface="Google Sans"/>
+                        </a:rPr>
+                        <a:t>Launching year</a:t>
+                      </a:r>
+                    </a:p>
+                    <a:p>
+                      <a:pPr marL="0" marR="0" fontAlgn="t">
+                        <a:spcBef>
+                          <a:spcPts val="0"/>
+                        </a:spcBef>
+                        <a:spcAft>
+                          <a:spcPts val="0"/>
+                        </a:spcAft>
+                      </a:pPr>
+                      <a:r>
+                        <a:rPr lang="en-US" sz="1800">
+                          <a:effectLst/>
+                          <a:ea typeface="Calibri" panose="020F0502020204030204" pitchFamily="34" charset="0"/>
+                        </a:rPr>
+                        <a:t> </a:t>
+                      </a:r>
+                    </a:p>
+                  </a:txBody>
+                  <a:tcPr marL="50800" marR="50800" marT="50800" marB="50800">
+                    <a:lnL>
+                      <a:noFill/>
+                    </a:lnL>
+                    <a:lnR>
+                      <a:noFill/>
+                    </a:lnR>
+                    <a:lnT>
+                      <a:noFill/>
+                    </a:lnT>
+                    <a:lnB>
+                      <a:noFill/>
+                    </a:lnB>
+                    <a:solidFill>
+                      <a:srgbClr val="FFFFFF"/>
+                    </a:solidFill>
+                  </a:tcPr>
+                </a:tc>
+                <a:extLst>
+                  <a:ext uri="{0D108BD9-81ED-4DB2-BD59-A6C34878D82A}">
+                    <a16:rowId xmlns:a16="http://schemas.microsoft.com/office/drawing/2014/main" val="3649093051"/>
+                  </a:ext>
+                </a:extLst>
+              </a:tr>
+              <a:tr h="0">
+                <a:tc>
+                  <a:txBody>
+                    <a:bodyPr/>
+                    <a:lstStyle/>
+                    <a:p>
+                      <a:pPr marL="0" marR="0" fontAlgn="t">
+                        <a:spcBef>
+                          <a:spcPts val="0"/>
+                        </a:spcBef>
+                        <a:spcAft>
+                          <a:spcPts val="0"/>
+                        </a:spcAft>
+                      </a:pPr>
+                      <a:r>
+                        <a:rPr lang="ko-KR" sz="2000">
+                          <a:solidFill>
+                            <a:srgbClr val="1F1F1F"/>
+                          </a:solidFill>
+                          <a:effectLst/>
+                          <a:ea typeface="Google Sans"/>
+                        </a:rPr>
+                        <a:t>Apple</a:t>
+                      </a:r>
+                    </a:p>
+                  </a:txBody>
+                  <a:tcPr marL="50800" marR="50800" marT="50800" marB="50800">
+                    <a:lnL>
+                      <a:noFill/>
+                    </a:lnL>
+                    <a:lnR>
+                      <a:noFill/>
+                    </a:lnR>
+                    <a:lnT>
+                      <a:noFill/>
+                    </a:lnT>
+                    <a:lnB>
+                      <a:noFill/>
+                    </a:lnB>
+                    <a:solidFill>
+                      <a:srgbClr val="FFFFFF"/>
+                    </a:solidFill>
+                  </a:tcPr>
+                </a:tc>
+                <a:tc>
+                  <a:txBody>
+                    <a:bodyPr/>
+                    <a:lstStyle/>
+                    <a:p>
+                      <a:pPr marL="0" marR="0" fontAlgn="t">
+                        <a:spcBef>
+                          <a:spcPts val="0"/>
+                        </a:spcBef>
+                        <a:spcAft>
+                          <a:spcPts val="0"/>
+                        </a:spcAft>
+                      </a:pPr>
+                      <a:r>
+                        <a:rPr lang="ko-KR" sz="2000">
+                          <a:solidFill>
+                            <a:srgbClr val="1F1F1F"/>
+                          </a:solidFill>
+                          <a:effectLst/>
+                          <a:ea typeface="Google Sans"/>
+                        </a:rPr>
+                        <a:t>Siri</a:t>
+                      </a:r>
+                    </a:p>
+                  </a:txBody>
+                  <a:tcPr marL="50800" marR="50800" marT="50800" marB="50800">
+                    <a:lnL>
+                      <a:noFill/>
+                    </a:lnL>
+                    <a:lnR>
+                      <a:noFill/>
+                    </a:lnR>
+                    <a:lnT>
+                      <a:noFill/>
+                    </a:lnT>
+                    <a:lnB>
+                      <a:noFill/>
+                    </a:lnB>
+                    <a:solidFill>
+                      <a:srgbClr val="FFFFFF"/>
+                    </a:solidFill>
+                  </a:tcPr>
+                </a:tc>
+                <a:tc>
+                  <a:txBody>
+                    <a:bodyPr/>
+                    <a:lstStyle/>
+                    <a:p>
+                      <a:pPr marL="0" marR="0" fontAlgn="t">
+                        <a:spcBef>
+                          <a:spcPts val="0"/>
+                        </a:spcBef>
+                        <a:spcAft>
+                          <a:spcPts val="0"/>
+                        </a:spcAft>
+                      </a:pPr>
+                      <a:r>
+                        <a:rPr lang="ko-KR" sz="2000">
+                          <a:solidFill>
+                            <a:srgbClr val="1F1F1F"/>
+                          </a:solidFill>
+                          <a:effectLst/>
+                          <a:ea typeface="Google Sans"/>
+                        </a:rPr>
+                        <a:t>2011</a:t>
+                      </a:r>
+                    </a:p>
+                  </a:txBody>
+                  <a:tcPr marL="50800" marR="50800" marT="50800" marB="50800">
+                    <a:lnL>
+                      <a:noFill/>
+                    </a:lnL>
+                    <a:lnR>
+                      <a:noFill/>
+                    </a:lnR>
+                    <a:lnT>
+                      <a:noFill/>
+                    </a:lnT>
+                    <a:lnB>
+                      <a:noFill/>
+                    </a:lnB>
+                    <a:solidFill>
+                      <a:srgbClr val="FFFFFF"/>
+                    </a:solidFill>
+                  </a:tcPr>
+                </a:tc>
+                <a:extLst>
+                  <a:ext uri="{0D108BD9-81ED-4DB2-BD59-A6C34878D82A}">
+                    <a16:rowId xmlns:a16="http://schemas.microsoft.com/office/drawing/2014/main" val="2133059113"/>
+                  </a:ext>
+                </a:extLst>
+              </a:tr>
+              <a:tr h="0">
+                <a:tc>
+                  <a:txBody>
+                    <a:bodyPr/>
+                    <a:lstStyle/>
+                    <a:p>
+                      <a:pPr marL="0" marR="0" fontAlgn="t">
+                        <a:spcBef>
+                          <a:spcPts val="0"/>
+                        </a:spcBef>
+                        <a:spcAft>
+                          <a:spcPts val="0"/>
+                        </a:spcAft>
+                      </a:pPr>
+                      <a:r>
+                        <a:rPr lang="ko-KR" sz="2000">
+                          <a:solidFill>
+                            <a:srgbClr val="1F1F1F"/>
+                          </a:solidFill>
+                          <a:effectLst/>
+                          <a:ea typeface="Google Sans"/>
+                        </a:rPr>
+                        <a:t>Microsoft</a:t>
+                      </a:r>
+                    </a:p>
+                  </a:txBody>
+                  <a:tcPr marL="50800" marR="50800" marT="50800" marB="50800">
+                    <a:lnL>
+                      <a:noFill/>
+                    </a:lnL>
+                    <a:lnR>
+                      <a:noFill/>
+                    </a:lnR>
+                    <a:lnT>
+                      <a:noFill/>
+                    </a:lnT>
+                    <a:lnB>
+                      <a:noFill/>
+                    </a:lnB>
+                    <a:solidFill>
+                      <a:srgbClr val="FFFFFF"/>
+                    </a:solidFill>
+                  </a:tcPr>
+                </a:tc>
+                <a:tc>
+                  <a:txBody>
+                    <a:bodyPr/>
+                    <a:lstStyle/>
+                    <a:p>
+                      <a:pPr marL="0" marR="0" fontAlgn="t">
+                        <a:spcBef>
+                          <a:spcPts val="0"/>
+                        </a:spcBef>
+                        <a:spcAft>
+                          <a:spcPts val="0"/>
+                        </a:spcAft>
+                      </a:pPr>
+                      <a:r>
+                        <a:rPr lang="ko-KR" sz="2000">
+                          <a:solidFill>
+                            <a:srgbClr val="1F1F1F"/>
+                          </a:solidFill>
+                          <a:effectLst/>
+                          <a:ea typeface="Google Sans"/>
+                        </a:rPr>
+                        <a:t>Cortana</a:t>
+                      </a:r>
+                    </a:p>
+                  </a:txBody>
+                  <a:tcPr marL="50800" marR="50800" marT="50800" marB="50800">
+                    <a:lnL>
+                      <a:noFill/>
+                    </a:lnL>
+                    <a:lnR>
+                      <a:noFill/>
+                    </a:lnR>
+                    <a:lnT>
+                      <a:noFill/>
+                    </a:lnT>
+                    <a:lnB>
+                      <a:noFill/>
+                    </a:lnB>
+                    <a:solidFill>
+                      <a:srgbClr val="FFFFFF"/>
+                    </a:solidFill>
+                  </a:tcPr>
+                </a:tc>
+                <a:tc>
+                  <a:txBody>
+                    <a:bodyPr/>
+                    <a:lstStyle/>
+                    <a:p>
+                      <a:pPr marL="0" marR="0" fontAlgn="t">
+                        <a:spcBef>
+                          <a:spcPts val="0"/>
+                        </a:spcBef>
+                        <a:spcAft>
+                          <a:spcPts val="0"/>
+                        </a:spcAft>
+                      </a:pPr>
+                      <a:r>
+                        <a:rPr lang="ko-KR" sz="2000">
+                          <a:solidFill>
+                            <a:srgbClr val="1F1F1F"/>
+                          </a:solidFill>
+                          <a:effectLst/>
+                          <a:ea typeface="Google Sans"/>
+                        </a:rPr>
+                        <a:t>2014</a:t>
+                      </a:r>
+                    </a:p>
+                  </a:txBody>
+                  <a:tcPr marL="50800" marR="50800" marT="50800" marB="50800">
+                    <a:lnL>
+                      <a:noFill/>
+                    </a:lnL>
+                    <a:lnR>
+                      <a:noFill/>
+                    </a:lnR>
+                    <a:lnT>
+                      <a:noFill/>
+                    </a:lnT>
+                    <a:lnB>
+                      <a:noFill/>
+                    </a:lnB>
+                    <a:solidFill>
+                      <a:srgbClr val="FFFFFF"/>
+                    </a:solidFill>
+                  </a:tcPr>
+                </a:tc>
+                <a:extLst>
+                  <a:ext uri="{0D108BD9-81ED-4DB2-BD59-A6C34878D82A}">
+                    <a16:rowId xmlns:a16="http://schemas.microsoft.com/office/drawing/2014/main" val="4185259651"/>
+                  </a:ext>
+                </a:extLst>
+              </a:tr>
+              <a:tr h="0">
+                <a:tc>
+                  <a:txBody>
+                    <a:bodyPr/>
+                    <a:lstStyle/>
+                    <a:p>
+                      <a:pPr marL="0" marR="0" fontAlgn="t">
+                        <a:spcBef>
+                          <a:spcPts val="0"/>
+                        </a:spcBef>
+                        <a:spcAft>
+                          <a:spcPts val="0"/>
+                        </a:spcAft>
+                      </a:pPr>
+                      <a:r>
+                        <a:rPr lang="ko-KR" sz="2000">
+                          <a:solidFill>
+                            <a:srgbClr val="1F1F1F"/>
+                          </a:solidFill>
+                          <a:effectLst/>
+                          <a:ea typeface="Google Sans"/>
+                        </a:rPr>
+                        <a:t>Alphabet (Google)</a:t>
+                      </a:r>
+                    </a:p>
+                  </a:txBody>
+                  <a:tcPr marL="50800" marR="50800" marT="50800" marB="50800">
+                    <a:lnL>
+                      <a:noFill/>
+                    </a:lnL>
+                    <a:lnR>
+                      <a:noFill/>
+                    </a:lnR>
+                    <a:lnT>
+                      <a:noFill/>
+                    </a:lnT>
+                    <a:lnB>
+                      <a:noFill/>
+                    </a:lnB>
+                    <a:solidFill>
+                      <a:srgbClr val="FFFFFF"/>
+                    </a:solidFill>
+                  </a:tcPr>
+                </a:tc>
+                <a:tc>
+                  <a:txBody>
+                    <a:bodyPr/>
+                    <a:lstStyle/>
+                    <a:p>
+                      <a:pPr marL="0" marR="0" fontAlgn="t">
+                        <a:spcBef>
+                          <a:spcPts val="0"/>
+                        </a:spcBef>
+                        <a:spcAft>
+                          <a:spcPts val="0"/>
+                        </a:spcAft>
+                      </a:pPr>
+                      <a:r>
+                        <a:rPr lang="ko-KR" sz="2000">
+                          <a:solidFill>
+                            <a:srgbClr val="1F1F1F"/>
+                          </a:solidFill>
+                          <a:effectLst/>
+                          <a:ea typeface="Google Sans"/>
+                        </a:rPr>
+                        <a:t>Google Assistant</a:t>
+                      </a:r>
+                    </a:p>
+                  </a:txBody>
+                  <a:tcPr marL="50800" marR="50800" marT="50800" marB="50800">
+                    <a:lnL>
+                      <a:noFill/>
+                    </a:lnL>
+                    <a:lnR>
+                      <a:noFill/>
+                    </a:lnR>
+                    <a:lnT>
+                      <a:noFill/>
+                    </a:lnT>
+                    <a:lnB>
+                      <a:noFill/>
+                    </a:lnB>
+                    <a:solidFill>
+                      <a:srgbClr val="FFFFFF"/>
+                    </a:solidFill>
+                  </a:tcPr>
+                </a:tc>
+                <a:tc>
+                  <a:txBody>
+                    <a:bodyPr/>
+                    <a:lstStyle/>
+                    <a:p>
+                      <a:pPr marL="0" marR="0" fontAlgn="t">
+                        <a:spcBef>
+                          <a:spcPts val="0"/>
+                        </a:spcBef>
+                        <a:spcAft>
+                          <a:spcPts val="0"/>
+                        </a:spcAft>
+                      </a:pPr>
+                      <a:r>
+                        <a:rPr lang="ko-KR" sz="2000">
+                          <a:solidFill>
+                            <a:srgbClr val="1F1F1F"/>
+                          </a:solidFill>
+                          <a:effectLst/>
+                          <a:ea typeface="Google Sans"/>
+                        </a:rPr>
+                        <a:t>2016</a:t>
+                      </a:r>
+                    </a:p>
+                  </a:txBody>
+                  <a:tcPr marL="50800" marR="50800" marT="50800" marB="50800">
+                    <a:lnL>
+                      <a:noFill/>
+                    </a:lnL>
+                    <a:lnR>
+                      <a:noFill/>
+                    </a:lnR>
+                    <a:lnT>
+                      <a:noFill/>
+                    </a:lnT>
+                    <a:lnB>
+                      <a:noFill/>
+                    </a:lnB>
+                    <a:solidFill>
+                      <a:srgbClr val="FFFFFF"/>
+                    </a:solidFill>
+                  </a:tcPr>
+                </a:tc>
+                <a:extLst>
+                  <a:ext uri="{0D108BD9-81ED-4DB2-BD59-A6C34878D82A}">
+                    <a16:rowId xmlns:a16="http://schemas.microsoft.com/office/drawing/2014/main" val="2656983935"/>
+                  </a:ext>
+                </a:extLst>
+              </a:tr>
+              <a:tr h="0">
+                <a:tc>
+                  <a:txBody>
+                    <a:bodyPr/>
+                    <a:lstStyle/>
+                    <a:p>
+                      <a:pPr marL="0" marR="0" fontAlgn="t">
+                        <a:spcBef>
+                          <a:spcPts val="0"/>
+                        </a:spcBef>
+                        <a:spcAft>
+                          <a:spcPts val="0"/>
+                        </a:spcAft>
+                      </a:pPr>
+                      <a:r>
+                        <a:rPr lang="ko-KR" sz="2000">
+                          <a:solidFill>
+                            <a:srgbClr val="1F1F1F"/>
+                          </a:solidFill>
+                          <a:effectLst/>
+                          <a:ea typeface="Google Sans"/>
+                        </a:rPr>
+                        <a:t>Amazon</a:t>
+                      </a:r>
+                    </a:p>
+                  </a:txBody>
+                  <a:tcPr marL="50800" marR="50800" marT="50800" marB="50800">
+                    <a:lnL>
+                      <a:noFill/>
+                    </a:lnL>
+                    <a:lnR>
+                      <a:noFill/>
+                    </a:lnR>
+                    <a:lnT>
+                      <a:noFill/>
+                    </a:lnT>
+                    <a:lnB>
+                      <a:noFill/>
+                    </a:lnB>
+                    <a:solidFill>
+                      <a:srgbClr val="FFFFFF"/>
+                    </a:solidFill>
+                  </a:tcPr>
+                </a:tc>
+                <a:tc>
+                  <a:txBody>
+                    <a:bodyPr/>
+                    <a:lstStyle/>
+                    <a:p>
+                      <a:pPr marL="0" marR="0" fontAlgn="t">
+                        <a:spcBef>
+                          <a:spcPts val="0"/>
+                        </a:spcBef>
+                        <a:spcAft>
+                          <a:spcPts val="0"/>
+                        </a:spcAft>
+                      </a:pPr>
+                      <a:r>
+                        <a:rPr lang="ko-KR" sz="2000">
+                          <a:solidFill>
+                            <a:srgbClr val="1F1F1F"/>
+                          </a:solidFill>
+                          <a:effectLst/>
+                          <a:ea typeface="Google Sans"/>
+                        </a:rPr>
+                        <a:t>Alexa</a:t>
+                      </a:r>
+                    </a:p>
+                  </a:txBody>
+                  <a:tcPr marL="50800" marR="50800" marT="50800" marB="50800">
+                    <a:lnL>
+                      <a:noFill/>
+                    </a:lnL>
+                    <a:lnR>
+                      <a:noFill/>
+                    </a:lnR>
+                    <a:lnT>
+                      <a:noFill/>
+                    </a:lnT>
+                    <a:lnB>
+                      <a:noFill/>
+                    </a:lnB>
+                    <a:solidFill>
+                      <a:srgbClr val="FFFFFF"/>
+                    </a:solidFill>
+                  </a:tcPr>
+                </a:tc>
+                <a:tc>
+                  <a:txBody>
+                    <a:bodyPr/>
+                    <a:lstStyle/>
+                    <a:p>
+                      <a:pPr marL="0" marR="0" fontAlgn="t">
+                        <a:spcBef>
+                          <a:spcPts val="0"/>
+                        </a:spcBef>
+                        <a:spcAft>
+                          <a:spcPts val="0"/>
+                        </a:spcAft>
+                      </a:pPr>
+                      <a:r>
+                        <a:rPr lang="ko-KR" sz="2000">
+                          <a:solidFill>
+                            <a:srgbClr val="1F1F1F"/>
+                          </a:solidFill>
+                          <a:effectLst/>
+                          <a:ea typeface="Google Sans"/>
+                        </a:rPr>
+                        <a:t>2014</a:t>
+                      </a:r>
+                    </a:p>
+                  </a:txBody>
+                  <a:tcPr marL="50800" marR="50800" marT="50800" marB="50800">
+                    <a:lnL>
+                      <a:noFill/>
+                    </a:lnL>
+                    <a:lnR>
+                      <a:noFill/>
+                    </a:lnR>
+                    <a:lnT>
+                      <a:noFill/>
+                    </a:lnT>
+                    <a:lnB>
+                      <a:noFill/>
+                    </a:lnB>
+                    <a:solidFill>
+                      <a:srgbClr val="FFFFFF"/>
+                    </a:solidFill>
+                  </a:tcPr>
+                </a:tc>
+                <a:extLst>
+                  <a:ext uri="{0D108BD9-81ED-4DB2-BD59-A6C34878D82A}">
+                    <a16:rowId xmlns:a16="http://schemas.microsoft.com/office/drawing/2014/main" val="172486344"/>
+                  </a:ext>
+                </a:extLst>
+              </a:tr>
+              <a:tr h="0">
+                <a:tc>
+                  <a:txBody>
+                    <a:bodyPr/>
+                    <a:lstStyle/>
+                    <a:p>
+                      <a:pPr marL="0" marR="0" fontAlgn="t">
+                        <a:spcBef>
+                          <a:spcPts val="0"/>
+                        </a:spcBef>
+                        <a:spcAft>
+                          <a:spcPts val="0"/>
+                        </a:spcAft>
+                      </a:pPr>
+                      <a:r>
+                        <a:rPr lang="ko-KR" sz="2000">
+                          <a:solidFill>
+                            <a:srgbClr val="1F1F1F"/>
+                          </a:solidFill>
+                          <a:effectLst/>
+                          <a:ea typeface="Google Sans"/>
+                        </a:rPr>
+                        <a:t>Tesla</a:t>
+                      </a:r>
+                    </a:p>
+                  </a:txBody>
+                  <a:tcPr marL="50800" marR="50800" marT="50800" marB="50800">
+                    <a:lnL>
+                      <a:noFill/>
+                    </a:lnL>
+                    <a:lnR>
+                      <a:noFill/>
+                    </a:lnR>
+                    <a:lnT>
+                      <a:noFill/>
+                    </a:lnT>
+                    <a:lnB>
+                      <a:noFill/>
+                    </a:lnB>
+                    <a:solidFill>
+                      <a:srgbClr val="FFFFFF"/>
+                    </a:solidFill>
+                  </a:tcPr>
+                </a:tc>
+                <a:tc>
+                  <a:txBody>
+                    <a:bodyPr/>
+                    <a:lstStyle/>
+                    <a:p>
+                      <a:pPr marL="0" marR="0" fontAlgn="t">
+                        <a:spcBef>
+                          <a:spcPts val="0"/>
+                        </a:spcBef>
+                        <a:spcAft>
+                          <a:spcPts val="0"/>
+                        </a:spcAft>
+                      </a:pPr>
+                      <a:r>
+                        <a:rPr lang="ko-KR" sz="2000">
+                          <a:solidFill>
+                            <a:srgbClr val="1F1F1F"/>
+                          </a:solidFill>
+                          <a:effectLst/>
+                          <a:ea typeface="Google Sans"/>
+                        </a:rPr>
+                        <a:t>Autopilot</a:t>
+                      </a:r>
+                    </a:p>
+                  </a:txBody>
+                  <a:tcPr marL="50800" marR="50800" marT="50800" marB="50800">
+                    <a:lnL>
+                      <a:noFill/>
+                    </a:lnL>
+                    <a:lnR>
+                      <a:noFill/>
+                    </a:lnR>
+                    <a:lnT>
+                      <a:noFill/>
+                    </a:lnT>
+                    <a:lnB>
+                      <a:noFill/>
+                    </a:lnB>
+                    <a:solidFill>
+                      <a:srgbClr val="FFFFFF"/>
+                    </a:solidFill>
+                  </a:tcPr>
+                </a:tc>
+                <a:tc>
+                  <a:txBody>
+                    <a:bodyPr/>
+                    <a:lstStyle/>
+                    <a:p>
+                      <a:pPr marL="0" marR="0" fontAlgn="t">
+                        <a:spcBef>
+                          <a:spcPts val="0"/>
+                        </a:spcBef>
+                        <a:spcAft>
+                          <a:spcPts val="0"/>
+                        </a:spcAft>
+                      </a:pPr>
+                      <a:r>
+                        <a:rPr lang="ko-KR" sz="2000">
+                          <a:solidFill>
+                            <a:srgbClr val="1F1F1F"/>
+                          </a:solidFill>
+                          <a:effectLst/>
+                          <a:ea typeface="Google Sans"/>
+                        </a:rPr>
+                        <a:t>2015</a:t>
+                      </a:r>
+                    </a:p>
+                  </a:txBody>
+                  <a:tcPr marL="50800" marR="50800" marT="50800" marB="50800">
+                    <a:lnL>
+                      <a:noFill/>
+                    </a:lnL>
+                    <a:lnR>
+                      <a:noFill/>
+                    </a:lnR>
+                    <a:lnT>
+                      <a:noFill/>
+                    </a:lnT>
+                    <a:lnB>
+                      <a:noFill/>
+                    </a:lnB>
+                    <a:solidFill>
+                      <a:srgbClr val="FFFFFF"/>
+                    </a:solidFill>
+                  </a:tcPr>
+                </a:tc>
+                <a:extLst>
+                  <a:ext uri="{0D108BD9-81ED-4DB2-BD59-A6C34878D82A}">
+                    <a16:rowId xmlns:a16="http://schemas.microsoft.com/office/drawing/2014/main" val="2171270011"/>
+                  </a:ext>
+                </a:extLst>
+              </a:tr>
+              <a:tr h="0">
+                <a:tc>
+                  <a:txBody>
+                    <a:bodyPr/>
+                    <a:lstStyle/>
+                    <a:p>
+                      <a:pPr marL="0" marR="0" fontAlgn="t">
+                        <a:spcBef>
+                          <a:spcPts val="0"/>
+                        </a:spcBef>
+                        <a:spcAft>
+                          <a:spcPts val="0"/>
+                        </a:spcAft>
+                      </a:pPr>
+                      <a:r>
+                        <a:rPr lang="ko-KR" sz="2000">
+                          <a:solidFill>
+                            <a:srgbClr val="1F1F1F"/>
+                          </a:solidFill>
+                          <a:effectLst/>
+                          <a:ea typeface="Google Sans"/>
+                        </a:rPr>
+                        <a:t>Nvidia</a:t>
+                      </a:r>
+                    </a:p>
+                  </a:txBody>
+                  <a:tcPr marL="50800" marR="50800" marT="50800" marB="50800">
+                    <a:lnL>
+                      <a:noFill/>
+                    </a:lnL>
+                    <a:lnR>
+                      <a:noFill/>
+                    </a:lnR>
+                    <a:lnT>
+                      <a:noFill/>
+                    </a:lnT>
+                    <a:lnB>
+                      <a:noFill/>
+                    </a:lnB>
+                    <a:solidFill>
+                      <a:srgbClr val="FFFFFF"/>
+                    </a:solidFill>
+                  </a:tcPr>
+                </a:tc>
+                <a:tc>
+                  <a:txBody>
+                    <a:bodyPr/>
+                    <a:lstStyle/>
+                    <a:p>
+                      <a:pPr marL="0" marR="0" fontAlgn="t">
+                        <a:spcBef>
+                          <a:spcPts val="0"/>
+                        </a:spcBef>
+                        <a:spcAft>
+                          <a:spcPts val="0"/>
+                        </a:spcAft>
+                      </a:pPr>
+                      <a:r>
+                        <a:rPr lang="ko-KR" sz="2000">
+                          <a:solidFill>
+                            <a:srgbClr val="1F1F1F"/>
+                          </a:solidFill>
+                          <a:effectLst/>
+                          <a:ea typeface="Google Sans"/>
+                        </a:rPr>
+                        <a:t>Jarvis</a:t>
+                      </a:r>
+                    </a:p>
+                  </a:txBody>
+                  <a:tcPr marL="50800" marR="50800" marT="50800" marB="50800">
+                    <a:lnL>
+                      <a:noFill/>
+                    </a:lnL>
+                    <a:lnR>
+                      <a:noFill/>
+                    </a:lnR>
+                    <a:lnT>
+                      <a:noFill/>
+                    </a:lnT>
+                    <a:lnB>
+                      <a:noFill/>
+                    </a:lnB>
+                    <a:solidFill>
+                      <a:srgbClr val="FFFFFF"/>
+                    </a:solidFill>
+                  </a:tcPr>
+                </a:tc>
+                <a:tc>
+                  <a:txBody>
+                    <a:bodyPr/>
+                    <a:lstStyle/>
+                    <a:p>
+                      <a:pPr marL="0" marR="0" fontAlgn="t">
+                        <a:spcBef>
+                          <a:spcPts val="0"/>
+                        </a:spcBef>
+                        <a:spcAft>
+                          <a:spcPts val="0"/>
+                        </a:spcAft>
+                      </a:pPr>
+                      <a:r>
+                        <a:rPr lang="ko-KR" sz="2000">
+                          <a:solidFill>
+                            <a:srgbClr val="1F1F1F"/>
+                          </a:solidFill>
+                          <a:effectLst/>
+                          <a:ea typeface="Google Sans"/>
+                        </a:rPr>
+                        <a:t>2018</a:t>
+                      </a:r>
+                    </a:p>
+                  </a:txBody>
+                  <a:tcPr marL="50800" marR="50800" marT="50800" marB="50800">
+                    <a:lnL>
+                      <a:noFill/>
+                    </a:lnL>
+                    <a:lnR>
+                      <a:noFill/>
+                    </a:lnR>
+                    <a:lnT>
+                      <a:noFill/>
+                    </a:lnT>
+                    <a:lnB>
+                      <a:noFill/>
+                    </a:lnB>
+                    <a:solidFill>
+                      <a:srgbClr val="FFFFFF"/>
+                    </a:solidFill>
+                  </a:tcPr>
+                </a:tc>
+                <a:extLst>
+                  <a:ext uri="{0D108BD9-81ED-4DB2-BD59-A6C34878D82A}">
+                    <a16:rowId xmlns:a16="http://schemas.microsoft.com/office/drawing/2014/main" val="3335096807"/>
+                  </a:ext>
+                </a:extLst>
+              </a:tr>
+              <a:tr h="0">
+                <a:tc>
+                  <a:txBody>
+                    <a:bodyPr/>
+                    <a:lstStyle/>
+                    <a:p>
+                      <a:pPr marL="0" marR="0" fontAlgn="t">
+                        <a:spcBef>
+                          <a:spcPts val="0"/>
+                        </a:spcBef>
+                        <a:spcAft>
+                          <a:spcPts val="0"/>
+                        </a:spcAft>
+                      </a:pPr>
+                      <a:r>
+                        <a:rPr lang="ko-KR" sz="2000">
+                          <a:solidFill>
+                            <a:srgbClr val="1F1F1F"/>
+                          </a:solidFill>
+                          <a:effectLst/>
+                          <a:ea typeface="Google Sans"/>
+                        </a:rPr>
+                        <a:t>Meta Platforms</a:t>
+                      </a:r>
+                    </a:p>
+                  </a:txBody>
+                  <a:tcPr marL="50800" marR="50800" marT="50800" marB="50800">
+                    <a:lnL>
+                      <a:noFill/>
+                    </a:lnL>
+                    <a:lnR>
+                      <a:noFill/>
+                    </a:lnR>
+                    <a:lnT>
+                      <a:noFill/>
+                    </a:lnT>
+                    <a:lnB>
+                      <a:noFill/>
+                    </a:lnB>
+                    <a:solidFill>
+                      <a:srgbClr val="FFFFFF"/>
+                    </a:solidFill>
+                  </a:tcPr>
+                </a:tc>
+                <a:tc>
+                  <a:txBody>
+                    <a:bodyPr/>
+                    <a:lstStyle/>
+                    <a:p>
+                      <a:pPr marL="0" marR="0" fontAlgn="t">
+                        <a:spcBef>
+                          <a:spcPts val="0"/>
+                        </a:spcBef>
+                        <a:spcAft>
+                          <a:spcPts val="0"/>
+                        </a:spcAft>
+                      </a:pPr>
+                      <a:r>
+                        <a:rPr lang="ko-KR" sz="2000">
+                          <a:solidFill>
+                            <a:srgbClr val="1F1F1F"/>
+                          </a:solidFill>
+                          <a:effectLst/>
+                          <a:ea typeface="Google Sans"/>
+                        </a:rPr>
+                        <a:t>M</a:t>
+                      </a:r>
+                    </a:p>
+                  </a:txBody>
+                  <a:tcPr marL="50800" marR="50800" marT="50800" marB="50800">
+                    <a:lnL>
+                      <a:noFill/>
+                    </a:lnL>
+                    <a:lnR>
+                      <a:noFill/>
+                    </a:lnR>
+                    <a:lnT>
+                      <a:noFill/>
+                    </a:lnT>
+                    <a:lnB>
+                      <a:noFill/>
+                    </a:lnB>
+                    <a:solidFill>
+                      <a:srgbClr val="FFFFFF"/>
+                    </a:solidFill>
+                  </a:tcPr>
+                </a:tc>
+                <a:tc>
+                  <a:txBody>
+                    <a:bodyPr/>
+                    <a:lstStyle/>
+                    <a:p>
+                      <a:pPr marL="0" marR="0" fontAlgn="t">
+                        <a:spcBef>
+                          <a:spcPts val="0"/>
+                        </a:spcBef>
+                        <a:spcAft>
+                          <a:spcPts val="0"/>
+                        </a:spcAft>
+                      </a:pPr>
+                      <a:r>
+                        <a:rPr lang="ko-KR" sz="2000" dirty="0">
+                          <a:solidFill>
+                            <a:srgbClr val="1F1F1F"/>
+                          </a:solidFill>
+                          <a:effectLst/>
+                          <a:ea typeface="Google Sans"/>
+                        </a:rPr>
+                        <a:t>2022</a:t>
+                      </a:r>
+                    </a:p>
+                  </a:txBody>
+                  <a:tcPr marL="50800" marR="50800" marT="50800" marB="50800">
+                    <a:lnL>
+                      <a:noFill/>
+                    </a:lnL>
+                    <a:lnR>
+                      <a:noFill/>
+                    </a:lnR>
+                    <a:lnT>
+                      <a:noFill/>
+                    </a:lnT>
+                    <a:lnB>
+                      <a:noFill/>
+                    </a:lnB>
+                    <a:solidFill>
+                      <a:srgbClr val="FFFFFF"/>
+                    </a:solidFill>
+                  </a:tcPr>
+                </a:tc>
+                <a:extLst>
+                  <a:ext uri="{0D108BD9-81ED-4DB2-BD59-A6C34878D82A}">
+                    <a16:rowId xmlns:a16="http://schemas.microsoft.com/office/drawing/2014/main" val="2290822822"/>
+                  </a:ext>
+                </a:extLst>
+              </a:tr>
+            </a:tbl>
+          </a:graphicData>
+        </a:graphic>
+      </p:graphicFrame>
+    </p:spTree>
+    <p:extLst>
+      <p:ext uri="{BB962C8B-B14F-4D97-AF65-F5344CB8AC3E}">
+        <p14:creationId xmlns:p14="http://schemas.microsoft.com/office/powerpoint/2010/main" val="3737086036"/>
+      </p:ext>
+    </p:extLst>
+  </p:cSld>
+  <p:clrMapOvr>
+    <a:masterClrMapping/>
+  </p:clrMapOvr>
+</p:sld>
+</file>
+
+<file path=ppt/slides/slide6.xml><?xml version="1.0" encoding="utf-8"?>
+<p:sld xmlns:a="http://schemas.openxmlformats.org/drawingml/2006/main" xmlns:r="http://schemas.openxmlformats.org/officeDocument/2006/relationships" xmlns:p="http://schemas.openxmlformats.org/presentationml/2006/main">
+  <p:cSld>
+    <p:spTree>
+      <p:nvGrpSpPr>
+        <p:cNvPr id="1" name=""/>
+        <p:cNvGrpSpPr/>
+        <p:nvPr/>
+      </p:nvGrpSpPr>
+      <p:grpSpPr>
+        <a:xfrm>
+          <a:off x="0" y="0"/>
+          <a:ext cx="0" cy="0"/>
+          <a:chOff x="0" y="0"/>
+          <a:chExt cx="0" cy="0"/>
+        </a:xfrm>
+      </p:grpSpPr>
+      <p:sp>
+        <p:nvSpPr>
+          <p:cNvPr id="2" name="제목 1">
+            <a:extLst>
+              <a:ext uri="{FF2B5EF4-FFF2-40B4-BE49-F238E27FC236}">
+                <a16:creationId xmlns:a16="http://schemas.microsoft.com/office/drawing/2014/main" id="{B6645E44-4E45-4932-BB85-6B019D6B4253}"/>
+              </a:ext>
+            </a:extLst>
+          </p:cNvPr>
+          <p:cNvSpPr>
+            <a:spLocks noGrp="1"/>
+          </p:cNvSpPr>
+          <p:nvPr>
+            <p:ph type="title"/>
+          </p:nvPr>
+        </p:nvSpPr>
+        <p:spPr/>
+        <p:txBody>
+          <a:bodyPr/>
+          <a:lstStyle/>
+          <a:p>
+            <a:r>
+              <a:rPr lang="en-US" altLang="ko-KR" dirty="0"/>
+              <a:t>TPU</a:t>
+            </a:r>
+            <a:endParaRPr lang="ko-KR" altLang="en-US" dirty="0"/>
+          </a:p>
+        </p:txBody>
+      </p:sp>
+      <p:sp>
+        <p:nvSpPr>
+          <p:cNvPr id="3" name="내용 개체 틀 2">
+            <a:extLst>
+              <a:ext uri="{FF2B5EF4-FFF2-40B4-BE49-F238E27FC236}">
+                <a16:creationId xmlns:a16="http://schemas.microsoft.com/office/drawing/2014/main" id="{A66D5955-2169-494F-8565-CF5D7D008F9A}"/>
+              </a:ext>
+            </a:extLst>
+          </p:cNvPr>
+          <p:cNvSpPr>
+            <a:spLocks noGrp="1"/>
+          </p:cNvSpPr>
+          <p:nvPr>
+            <p:ph idx="1"/>
+          </p:nvPr>
+        </p:nvSpPr>
+        <p:spPr/>
+        <p:txBody>
+          <a:bodyPr/>
+          <a:lstStyle/>
+          <a:p>
+            <a:r>
+              <a:rPr lang="en-US" altLang="ko-KR" sz="2000" dirty="0"/>
+              <a:t>A Tensor Processing Unit (TPU) is an application-specific integrated circuit (ASIC) developed by </a:t>
+            </a:r>
+            <a:r>
+              <a:rPr lang="en-US" altLang="ko-KR" sz="2000" dirty="0">
+                <a:highlight>
+                  <a:srgbClr val="00FFFF"/>
+                </a:highlight>
+              </a:rPr>
+              <a:t>Google</a:t>
+            </a:r>
+            <a:r>
+              <a:rPr lang="en-US" altLang="ko-KR" sz="2000" dirty="0"/>
+              <a:t> for machine learning workloads. TPUs are specifically designed to accelerate the matrix multiplication operations that are common in </a:t>
+            </a:r>
+            <a:r>
+              <a:rPr lang="en-US" altLang="ko-KR" sz="2000" dirty="0">
+                <a:highlight>
+                  <a:srgbClr val="00FFFF"/>
+                </a:highlight>
+              </a:rPr>
+              <a:t>neural network </a:t>
+            </a:r>
+            <a:r>
+              <a:rPr lang="en-US" altLang="ko-KR" sz="2000" dirty="0"/>
+              <a:t>training and inference.</a:t>
+            </a:r>
+          </a:p>
+          <a:p>
+            <a:endParaRPr lang="ko-KR" altLang="en-US" dirty="0"/>
+          </a:p>
+        </p:txBody>
+      </p:sp>
+      <p:graphicFrame>
+        <p:nvGraphicFramePr>
+          <p:cNvPr id="4" name="표 3">
+            <a:extLst>
+              <a:ext uri="{FF2B5EF4-FFF2-40B4-BE49-F238E27FC236}">
+                <a16:creationId xmlns:a16="http://schemas.microsoft.com/office/drawing/2014/main" id="{0F124962-606B-4001-B8A5-BFFEBE0B2433}"/>
+              </a:ext>
+            </a:extLst>
+          </p:cNvPr>
+          <p:cNvGraphicFramePr>
+            <a:graphicFrameLocks noGrp="1"/>
+          </p:cNvGraphicFramePr>
+          <p:nvPr>
+            <p:extLst>
+              <p:ext uri="{D42A27DB-BD31-4B8C-83A1-F6EECF244321}">
+                <p14:modId xmlns:p14="http://schemas.microsoft.com/office/powerpoint/2010/main" val="2635607812"/>
+              </p:ext>
+            </p:extLst>
+          </p:nvPr>
+        </p:nvGraphicFramePr>
+        <p:xfrm>
+          <a:off x="1098272" y="3728109"/>
+          <a:ext cx="10754422" cy="2194560"/>
+        </p:xfrm>
+        <a:graphic>
+          <a:graphicData uri="http://schemas.openxmlformats.org/drawingml/2006/table">
+            <a:tbl>
+              <a:tblPr/>
+              <a:tblGrid>
+                <a:gridCol w="3826942">
+                  <a:extLst>
+                    <a:ext uri="{9D8B030D-6E8A-4147-A177-3AD203B41FA5}">
+                      <a16:colId xmlns:a16="http://schemas.microsoft.com/office/drawing/2014/main" val="3217455044"/>
+                    </a:ext>
+                  </a:extLst>
+                </a:gridCol>
+                <a:gridCol w="3342673">
+                  <a:extLst>
+                    <a:ext uri="{9D8B030D-6E8A-4147-A177-3AD203B41FA5}">
+                      <a16:colId xmlns:a16="http://schemas.microsoft.com/office/drawing/2014/main" val="2391270064"/>
+                    </a:ext>
+                  </a:extLst>
+                </a:gridCol>
+                <a:gridCol w="3584807">
+                  <a:extLst>
+                    <a:ext uri="{9D8B030D-6E8A-4147-A177-3AD203B41FA5}">
+                      <a16:colId xmlns:a16="http://schemas.microsoft.com/office/drawing/2014/main" val="2664147621"/>
+                    </a:ext>
+                  </a:extLst>
+                </a:gridCol>
+              </a:tblGrid>
+              <a:tr h="0">
+                <a:tc>
+                  <a:txBody>
+                    <a:bodyPr/>
+                    <a:lstStyle/>
+                    <a:p>
+                      <a:r>
+                        <a:rPr lang="en-US">
+                          <a:effectLst/>
+                        </a:rPr>
+                        <a:t>CPU</a:t>
+                      </a:r>
+                    </a:p>
+                  </a:txBody>
+                  <a:tcPr anchor="ctr">
+                    <a:lnL>
+                      <a:noFill/>
+                    </a:lnL>
+                    <a:lnR>
+                      <a:noFill/>
+                    </a:lnR>
+                    <a:lnT>
+                      <a:noFill/>
+                    </a:lnT>
+                    <a:lnB>
+                      <a:noFill/>
+                    </a:lnB>
+                    <a:solidFill>
+                      <a:srgbClr val="F0F0F0"/>
+                    </a:solidFill>
+                  </a:tcPr>
+                </a:tc>
+                <a:tc>
+                  <a:txBody>
+                    <a:bodyPr/>
+                    <a:lstStyle/>
+                    <a:p>
+                      <a:r>
+                        <a:rPr lang="en-US">
+                          <a:effectLst/>
+                        </a:rPr>
+                        <a:t>GPU</a:t>
+                      </a:r>
+                    </a:p>
+                  </a:txBody>
+                  <a:tcPr anchor="ctr">
+                    <a:lnL>
+                      <a:noFill/>
+                    </a:lnL>
+                    <a:lnR>
+                      <a:noFill/>
+                    </a:lnR>
+                    <a:lnT>
+                      <a:noFill/>
+                    </a:lnT>
+                    <a:lnB>
+                      <a:noFill/>
+                    </a:lnB>
+                    <a:solidFill>
+                      <a:srgbClr val="F0F0F0"/>
+                    </a:solidFill>
+                  </a:tcPr>
+                </a:tc>
+                <a:tc>
+                  <a:txBody>
+                    <a:bodyPr/>
+                    <a:lstStyle/>
+                    <a:p>
+                      <a:r>
+                        <a:rPr lang="en-US">
+                          <a:effectLst/>
+                        </a:rPr>
+                        <a:t>TPU</a:t>
+                      </a:r>
+                    </a:p>
+                  </a:txBody>
+                  <a:tcPr anchor="ctr">
+                    <a:lnL>
+                      <a:noFill/>
+                    </a:lnL>
+                    <a:lnR>
+                      <a:noFill/>
+                    </a:lnR>
+                    <a:lnT>
+                      <a:noFill/>
+                    </a:lnT>
+                    <a:lnB>
+                      <a:noFill/>
+                    </a:lnB>
+                    <a:solidFill>
+                      <a:srgbClr val="F0F0F0"/>
+                    </a:solidFill>
+                  </a:tcPr>
+                </a:tc>
+                <a:extLst>
+                  <a:ext uri="{0D108BD9-81ED-4DB2-BD59-A6C34878D82A}">
+                    <a16:rowId xmlns:a16="http://schemas.microsoft.com/office/drawing/2014/main" val="2581561501"/>
+                  </a:ext>
+                </a:extLst>
+              </a:tr>
+              <a:tr h="0">
+                <a:tc>
+                  <a:txBody>
+                    <a:bodyPr/>
+                    <a:lstStyle/>
+                    <a:p>
+                      <a:r>
+                        <a:rPr lang="en-US">
+                          <a:effectLst/>
+                        </a:rPr>
+                        <a:t>Several core</a:t>
+                      </a:r>
+                    </a:p>
+                  </a:txBody>
+                  <a:tcPr anchor="ctr">
+                    <a:lnL>
+                      <a:noFill/>
+                    </a:lnL>
+                    <a:lnR>
+                      <a:noFill/>
+                    </a:lnR>
+                    <a:lnT>
+                      <a:noFill/>
+                    </a:lnT>
+                    <a:lnB>
+                      <a:noFill/>
+                    </a:lnB>
+                    <a:solidFill>
+                      <a:srgbClr val="FFFFFF"/>
+                    </a:solidFill>
+                  </a:tcPr>
+                </a:tc>
+                <a:tc>
+                  <a:txBody>
+                    <a:bodyPr/>
+                    <a:lstStyle/>
+                    <a:p>
+                      <a:r>
+                        <a:rPr lang="en-US">
+                          <a:effectLst/>
+                        </a:rPr>
+                        <a:t>Thousands of Cores</a:t>
+                      </a:r>
+                    </a:p>
+                  </a:txBody>
+                  <a:tcPr anchor="ctr">
+                    <a:lnL>
+                      <a:noFill/>
+                    </a:lnL>
+                    <a:lnR>
+                      <a:noFill/>
+                    </a:lnR>
+                    <a:lnT>
+                      <a:noFill/>
+                    </a:lnT>
+                    <a:lnB>
+                      <a:noFill/>
+                    </a:lnB>
+                    <a:solidFill>
+                      <a:srgbClr val="FFFFFF"/>
+                    </a:solidFill>
+                  </a:tcPr>
+                </a:tc>
+                <a:tc>
+                  <a:txBody>
+                    <a:bodyPr/>
+                    <a:lstStyle/>
+                    <a:p>
+                      <a:r>
+                        <a:rPr lang="en-US">
+                          <a:effectLst/>
+                        </a:rPr>
+                        <a:t>Matrix based workload</a:t>
+                      </a:r>
+                    </a:p>
+                  </a:txBody>
+                  <a:tcPr anchor="ctr">
+                    <a:lnL>
+                      <a:noFill/>
+                    </a:lnL>
+                    <a:lnR>
+                      <a:noFill/>
+                    </a:lnR>
+                    <a:lnT>
+                      <a:noFill/>
+                    </a:lnT>
+                    <a:lnB>
+                      <a:noFill/>
+                    </a:lnB>
+                    <a:solidFill>
+                      <a:srgbClr val="FFFFFF"/>
+                    </a:solidFill>
+                  </a:tcPr>
+                </a:tc>
+                <a:extLst>
+                  <a:ext uri="{0D108BD9-81ED-4DB2-BD59-A6C34878D82A}">
+                    <a16:rowId xmlns:a16="http://schemas.microsoft.com/office/drawing/2014/main" val="942646690"/>
+                  </a:ext>
+                </a:extLst>
+              </a:tr>
+              <a:tr h="0">
+                <a:tc>
+                  <a:txBody>
+                    <a:bodyPr/>
+                    <a:lstStyle/>
+                    <a:p>
+                      <a:r>
+                        <a:rPr lang="en-US" dirty="0">
+                          <a:effectLst/>
+                        </a:rPr>
+                        <a:t>Low latency</a:t>
+                      </a:r>
+                    </a:p>
+                  </a:txBody>
+                  <a:tcPr anchor="ctr">
+                    <a:lnL>
+                      <a:noFill/>
+                    </a:lnL>
+                    <a:lnR>
+                      <a:noFill/>
+                    </a:lnR>
+                    <a:lnT>
+                      <a:noFill/>
+                    </a:lnT>
+                    <a:lnB>
+                      <a:noFill/>
+                    </a:lnB>
+                    <a:solidFill>
+                      <a:srgbClr val="F0F0F0"/>
+                    </a:solidFill>
+                  </a:tcPr>
+                </a:tc>
+                <a:tc>
+                  <a:txBody>
+                    <a:bodyPr/>
+                    <a:lstStyle/>
+                    <a:p>
+                      <a:r>
+                        <a:rPr lang="en-US">
+                          <a:effectLst/>
+                        </a:rPr>
+                        <a:t>High data throughput</a:t>
+                      </a:r>
+                    </a:p>
+                  </a:txBody>
+                  <a:tcPr anchor="ctr">
+                    <a:lnL>
+                      <a:noFill/>
+                    </a:lnL>
+                    <a:lnR>
+                      <a:noFill/>
+                    </a:lnR>
+                    <a:lnT>
+                      <a:noFill/>
+                    </a:lnT>
+                    <a:lnB>
+                      <a:noFill/>
+                    </a:lnB>
+                    <a:solidFill>
+                      <a:srgbClr val="F0F0F0"/>
+                    </a:solidFill>
+                  </a:tcPr>
+                </a:tc>
+                <a:tc>
+                  <a:txBody>
+                    <a:bodyPr/>
+                    <a:lstStyle/>
+                    <a:p>
+                      <a:r>
+                        <a:rPr lang="en-US" dirty="0">
+                          <a:effectLst/>
+                        </a:rPr>
+                        <a:t>High latency</a:t>
+                      </a:r>
+                    </a:p>
+                  </a:txBody>
+                  <a:tcPr anchor="ctr">
+                    <a:lnL>
+                      <a:noFill/>
+                    </a:lnL>
+                    <a:lnR>
+                      <a:noFill/>
+                    </a:lnR>
+                    <a:lnT>
+                      <a:noFill/>
+                    </a:lnT>
+                    <a:lnB>
+                      <a:noFill/>
+                    </a:lnB>
+                    <a:solidFill>
+                      <a:srgbClr val="F0F0F0"/>
+                    </a:solidFill>
+                  </a:tcPr>
+                </a:tc>
+                <a:extLst>
+                  <a:ext uri="{0D108BD9-81ED-4DB2-BD59-A6C34878D82A}">
+                    <a16:rowId xmlns:a16="http://schemas.microsoft.com/office/drawing/2014/main" val="1070904418"/>
+                  </a:ext>
+                </a:extLst>
+              </a:tr>
+              <a:tr h="0">
+                <a:tc>
+                  <a:txBody>
+                    <a:bodyPr/>
+                    <a:lstStyle/>
+                    <a:p>
+                      <a:r>
+                        <a:rPr lang="en-US">
+                          <a:effectLst/>
+                        </a:rPr>
+                        <a:t>Serial processing</a:t>
+                      </a:r>
+                    </a:p>
+                  </a:txBody>
+                  <a:tcPr anchor="ctr">
+                    <a:lnL>
+                      <a:noFill/>
+                    </a:lnL>
+                    <a:lnR>
+                      <a:noFill/>
+                    </a:lnR>
+                    <a:lnT>
+                      <a:noFill/>
+                    </a:lnT>
+                    <a:lnB>
+                      <a:noFill/>
+                    </a:lnB>
+                    <a:solidFill>
+                      <a:srgbClr val="FFFFFF"/>
+                    </a:solidFill>
+                  </a:tcPr>
+                </a:tc>
+                <a:tc>
+                  <a:txBody>
+                    <a:bodyPr/>
+                    <a:lstStyle/>
+                    <a:p>
+                      <a:r>
+                        <a:rPr lang="en-US">
+                          <a:effectLst/>
+                        </a:rPr>
+                        <a:t>Massive parallel computing</a:t>
+                      </a:r>
+                    </a:p>
+                  </a:txBody>
+                  <a:tcPr anchor="ctr">
+                    <a:lnL>
+                      <a:noFill/>
+                    </a:lnL>
+                    <a:lnR>
+                      <a:noFill/>
+                    </a:lnR>
+                    <a:lnT>
+                      <a:noFill/>
+                    </a:lnT>
+                    <a:lnB>
+                      <a:noFill/>
+                    </a:lnB>
+                    <a:solidFill>
+                      <a:srgbClr val="FFFFFF"/>
+                    </a:solidFill>
+                  </a:tcPr>
+                </a:tc>
+                <a:tc>
+                  <a:txBody>
+                    <a:bodyPr/>
+                    <a:lstStyle/>
+                    <a:p>
+                      <a:r>
+                        <a:rPr lang="en-US">
+                          <a:effectLst/>
+                        </a:rPr>
+                        <a:t>High data throughput</a:t>
+                      </a:r>
+                    </a:p>
+                  </a:txBody>
+                  <a:tcPr anchor="ctr">
+                    <a:lnL>
+                      <a:noFill/>
+                    </a:lnL>
+                    <a:lnR>
+                      <a:noFill/>
+                    </a:lnR>
+                    <a:lnT>
+                      <a:noFill/>
+                    </a:lnT>
+                    <a:lnB>
+                      <a:noFill/>
+                    </a:lnB>
+                    <a:solidFill>
+                      <a:srgbClr val="FFFFFF"/>
+                    </a:solidFill>
+                  </a:tcPr>
+                </a:tc>
+                <a:extLst>
+                  <a:ext uri="{0D108BD9-81ED-4DB2-BD59-A6C34878D82A}">
+                    <a16:rowId xmlns:a16="http://schemas.microsoft.com/office/drawing/2014/main" val="3155647622"/>
+                  </a:ext>
+                </a:extLst>
+              </a:tr>
+              <a:tr h="0">
+                <a:tc>
+                  <a:txBody>
+                    <a:bodyPr/>
+                    <a:lstStyle/>
+                    <a:p>
+                      <a:r>
+                        <a:rPr lang="en-US" dirty="0">
+                          <a:effectLst/>
+                        </a:rPr>
+                        <a:t>Limited simultaneous operations</a:t>
+                      </a:r>
+                    </a:p>
+                  </a:txBody>
+                  <a:tcPr anchor="ctr">
+                    <a:lnL>
+                      <a:noFill/>
+                    </a:lnL>
+                    <a:lnR>
+                      <a:noFill/>
+                    </a:lnR>
+                    <a:lnT>
+                      <a:noFill/>
+                    </a:lnT>
+                    <a:lnB>
+                      <a:noFill/>
+                    </a:lnB>
+                    <a:solidFill>
+                      <a:srgbClr val="F0F0F0"/>
+                    </a:solidFill>
+                  </a:tcPr>
+                </a:tc>
+                <a:tc>
+                  <a:txBody>
+                    <a:bodyPr/>
+                    <a:lstStyle/>
+                    <a:p>
+                      <a:r>
+                        <a:rPr lang="en-US">
+                          <a:effectLst/>
+                        </a:rPr>
+                        <a:t>Limited multitasking</a:t>
+                      </a:r>
+                    </a:p>
+                  </a:txBody>
+                  <a:tcPr anchor="ctr">
+                    <a:lnL>
+                      <a:noFill/>
+                    </a:lnL>
+                    <a:lnR>
+                      <a:noFill/>
+                    </a:lnR>
+                    <a:lnT>
+                      <a:noFill/>
+                    </a:lnT>
+                    <a:lnB>
+                      <a:noFill/>
+                    </a:lnB>
+                    <a:solidFill>
+                      <a:srgbClr val="F0F0F0"/>
+                    </a:solidFill>
+                  </a:tcPr>
+                </a:tc>
+                <a:tc>
+                  <a:txBody>
+                    <a:bodyPr/>
+                    <a:lstStyle/>
+                    <a:p>
+                      <a:r>
+                        <a:rPr lang="en-US">
+                          <a:effectLst/>
+                        </a:rPr>
+                        <a:t>Suited for large batch sizes</a:t>
+                      </a:r>
+                    </a:p>
+                  </a:txBody>
+                  <a:tcPr anchor="ctr">
+                    <a:lnL>
+                      <a:noFill/>
+                    </a:lnL>
+                    <a:lnR>
+                      <a:noFill/>
+                    </a:lnR>
+                    <a:lnT>
+                      <a:noFill/>
+                    </a:lnT>
+                    <a:lnB>
+                      <a:noFill/>
+                    </a:lnB>
+                    <a:solidFill>
+                      <a:srgbClr val="F0F0F0"/>
+                    </a:solidFill>
+                  </a:tcPr>
+                </a:tc>
+                <a:extLst>
+                  <a:ext uri="{0D108BD9-81ED-4DB2-BD59-A6C34878D82A}">
+                    <a16:rowId xmlns:a16="http://schemas.microsoft.com/office/drawing/2014/main" val="1931597481"/>
+                  </a:ext>
+                </a:extLst>
+              </a:tr>
+              <a:tr h="0">
+                <a:tc>
+                  <a:txBody>
+                    <a:bodyPr/>
+                    <a:lstStyle/>
+                    <a:p>
+                      <a:r>
+                        <a:rPr lang="en-US">
+                          <a:effectLst/>
+                        </a:rPr>
+                        <a:t>Large memory capacity</a:t>
+                      </a:r>
+                    </a:p>
+                  </a:txBody>
+                  <a:tcPr anchor="ctr">
+                    <a:lnL>
+                      <a:noFill/>
+                    </a:lnL>
+                    <a:lnR>
+                      <a:noFill/>
+                    </a:lnR>
+                    <a:lnT>
+                      <a:noFill/>
+                    </a:lnT>
+                    <a:lnB>
+                      <a:noFill/>
+                    </a:lnB>
+                    <a:solidFill>
+                      <a:srgbClr val="FFFFFF"/>
+                    </a:solidFill>
+                  </a:tcPr>
+                </a:tc>
+                <a:tc>
+                  <a:txBody>
+                    <a:bodyPr/>
+                    <a:lstStyle/>
+                    <a:p>
+                      <a:r>
+                        <a:rPr lang="en-US">
+                          <a:effectLst/>
+                        </a:rPr>
+                        <a:t>Low memory</a:t>
+                      </a:r>
+                    </a:p>
+                  </a:txBody>
+                  <a:tcPr anchor="ctr">
+                    <a:lnL>
+                      <a:noFill/>
+                    </a:lnL>
+                    <a:lnR>
+                      <a:noFill/>
+                    </a:lnR>
+                    <a:lnT>
+                      <a:noFill/>
+                    </a:lnT>
+                    <a:lnB>
+                      <a:noFill/>
+                    </a:lnB>
+                    <a:solidFill>
+                      <a:srgbClr val="FFFFFF"/>
+                    </a:solidFill>
+                  </a:tcPr>
+                </a:tc>
+                <a:tc>
+                  <a:txBody>
+                    <a:bodyPr/>
+                    <a:lstStyle/>
+                    <a:p>
+                      <a:r>
+                        <a:rPr lang="en-US" dirty="0">
+                          <a:effectLst/>
+                        </a:rPr>
+                        <a:t>Complex neural network models</a:t>
+                      </a:r>
+                    </a:p>
+                  </a:txBody>
+                  <a:tcPr anchor="ctr">
+                    <a:lnL>
+                      <a:noFill/>
+                    </a:lnL>
+                    <a:lnR>
+                      <a:noFill/>
+                    </a:lnR>
+                    <a:lnT>
+                      <a:noFill/>
+                    </a:lnT>
+                    <a:lnB>
+                      <a:noFill/>
+                    </a:lnB>
+                    <a:solidFill>
+                      <a:srgbClr val="FFFFFF"/>
+                    </a:solidFill>
+                  </a:tcPr>
+                </a:tc>
+                <a:extLst>
+                  <a:ext uri="{0D108BD9-81ED-4DB2-BD59-A6C34878D82A}">
+                    <a16:rowId xmlns:a16="http://schemas.microsoft.com/office/drawing/2014/main" val="3452943241"/>
+                  </a:ext>
+                </a:extLst>
+              </a:tr>
+            </a:tbl>
+          </a:graphicData>
+        </a:graphic>
+      </p:graphicFrame>
+    </p:spTree>
+    <p:extLst>
+      <p:ext uri="{BB962C8B-B14F-4D97-AF65-F5344CB8AC3E}">
+        <p14:creationId xmlns:p14="http://schemas.microsoft.com/office/powerpoint/2010/main" val="1544382963"/>
+      </p:ext>
+    </p:extLst>
+  </p:cSld>
+  <p:clrMapOvr>
+    <a:masterClrMapping/>
+  </p:clrMapOvr>
+</p:sld>
+</file>
+
+<file path=ppt/slides/slide7.xml><?xml version="1.0" encoding="utf-8"?>
 <p:sld xmlns:a="http://schemas.openxmlformats.org/drawingml/2006/main" xmlns:r="http://schemas.openxmlformats.org/officeDocument/2006/relationships" xmlns:p="http://schemas.openxmlformats.org/presentationml/2006/main">
   <p:cSld>
     <p:spTree>
@@ -7985,6 +10428,156 @@
     <p:extLst>
       <p:ext uri="{BB962C8B-B14F-4D97-AF65-F5344CB8AC3E}">
         <p14:creationId xmlns:p14="http://schemas.microsoft.com/office/powerpoint/2010/main" val="2312936086"/>
+      </p:ext>
+    </p:extLst>
+  </p:cSld>
+  <p:clrMapOvr>
+    <a:masterClrMapping/>
+  </p:clrMapOvr>
+</p:sld>
+</file>
+
+<file path=ppt/slides/slide8.xml><?xml version="1.0" encoding="utf-8"?>
+<p:sld xmlns:a="http://schemas.openxmlformats.org/drawingml/2006/main" xmlns:r="http://schemas.openxmlformats.org/officeDocument/2006/relationships" xmlns:p="http://schemas.openxmlformats.org/presentationml/2006/main">
+  <p:cSld>
+    <p:spTree>
+      <p:nvGrpSpPr>
+        <p:cNvPr id="1" name=""/>
+        <p:cNvGrpSpPr/>
+        <p:nvPr/>
+      </p:nvGrpSpPr>
+      <p:grpSpPr>
+        <a:xfrm>
+          <a:off x="0" y="0"/>
+          <a:ext cx="0" cy="0"/>
+          <a:chOff x="0" y="0"/>
+          <a:chExt cx="0" cy="0"/>
+        </a:xfrm>
+      </p:grpSpPr>
+      <p:sp>
+        <p:nvSpPr>
+          <p:cNvPr id="2" name="제목 1">
+            <a:extLst>
+              <a:ext uri="{FF2B5EF4-FFF2-40B4-BE49-F238E27FC236}">
+                <a16:creationId xmlns:a16="http://schemas.microsoft.com/office/drawing/2014/main" id="{7B9AE2C1-0C14-471E-9DB3-9545298B9163}"/>
+              </a:ext>
+            </a:extLst>
+          </p:cNvPr>
+          <p:cNvSpPr>
+            <a:spLocks noGrp="1"/>
+          </p:cNvSpPr>
+          <p:nvPr>
+            <p:ph type="title"/>
+          </p:nvPr>
+        </p:nvSpPr>
+        <p:spPr>
+          <a:xfrm>
+            <a:off x="251670" y="365125"/>
+            <a:ext cx="11102130" cy="1325563"/>
+          </a:xfrm>
+        </p:spPr>
+        <p:txBody>
+          <a:bodyPr/>
+          <a:lstStyle/>
+          <a:p>
+            <a:r>
+              <a:rPr lang="en-US" altLang="ko-KR" dirty="0"/>
+              <a:t>Quantum computing</a:t>
+            </a:r>
+            <a:br>
+              <a:rPr lang="en-US" altLang="ko-KR" dirty="0"/>
+            </a:br>
+            <a:endParaRPr lang="ko-KR" altLang="en-US" dirty="0"/>
+          </a:p>
+        </p:txBody>
+      </p:sp>
+      <p:sp>
+        <p:nvSpPr>
+          <p:cNvPr id="3" name="내용 개체 틀 2">
+            <a:extLst>
+              <a:ext uri="{FF2B5EF4-FFF2-40B4-BE49-F238E27FC236}">
+                <a16:creationId xmlns:a16="http://schemas.microsoft.com/office/drawing/2014/main" id="{C3096637-F3F3-4A72-AF3C-90C0ED8143A9}"/>
+              </a:ext>
+            </a:extLst>
+          </p:cNvPr>
+          <p:cNvSpPr>
+            <a:spLocks noGrp="1"/>
+          </p:cNvSpPr>
+          <p:nvPr>
+            <p:ph idx="1"/>
+          </p:nvPr>
+        </p:nvSpPr>
+        <p:spPr>
+          <a:xfrm>
+            <a:off x="458637" y="1690688"/>
+            <a:ext cx="2922918" cy="4351338"/>
+          </a:xfrm>
+        </p:spPr>
+        <p:txBody>
+          <a:bodyPr/>
+          <a:lstStyle/>
+          <a:p>
+            <a:r>
+              <a:rPr lang="en-US" altLang="ko-KR" sz="2000" dirty="0"/>
+              <a:t>Qubit: A qubit is the basic unit of information in a quantum computer. Qubits can be in a superposition of two states, 0 and 1, at the same time. This means that a quantum computer can perform calculations on all possible values of a variable at once.</a:t>
+            </a:r>
+          </a:p>
+          <a:p>
+            <a:endParaRPr lang="ko-KR" altLang="en-US" dirty="0"/>
+          </a:p>
+        </p:txBody>
+      </p:sp>
+      <p:pic>
+        <p:nvPicPr>
+          <p:cNvPr id="4098" name="Picture 2" descr="Quantum Computing Vs. Classical Computing In One Graphic - CB Insights  Research">
+            <a:extLst>
+              <a:ext uri="{FF2B5EF4-FFF2-40B4-BE49-F238E27FC236}">
+                <a16:creationId xmlns:a16="http://schemas.microsoft.com/office/drawing/2014/main" id="{3F8B25B8-5583-4E19-96CD-627441A0EFF2}"/>
+              </a:ext>
+            </a:extLst>
+          </p:cNvPr>
+          <p:cNvPicPr>
+            <a:picLocks noChangeAspect="1" noChangeArrowheads="1"/>
+          </p:cNvPicPr>
+          <p:nvPr/>
+        </p:nvPicPr>
+        <p:blipFill>
+          <a:blip r:embed="rId2">
+            <a:extLst>
+              <a:ext uri="{28A0092B-C50C-407E-A947-70E740481C1C}">
+                <a14:useLocalDpi xmlns:a14="http://schemas.microsoft.com/office/drawing/2010/main" val="0"/>
+              </a:ext>
+            </a:extLst>
+          </a:blip>
+          <a:srcRect/>
+          <a:stretch>
+            <a:fillRect/>
+          </a:stretch>
+        </p:blipFill>
+        <p:spPr bwMode="auto">
+          <a:xfrm>
+            <a:off x="6207853" y="65926"/>
+            <a:ext cx="5351543" cy="6792074"/>
+          </a:xfrm>
+          <a:prstGeom prst="rect">
+            <a:avLst/>
+          </a:prstGeom>
+          <a:noFill/>
+          <a:extLst>
+            <a:ext uri="{909E8E84-426E-40DD-AFC4-6F175D3DCCD1}">
+              <a14:hiddenFill xmlns:a14="http://schemas.microsoft.com/office/drawing/2010/main">
+                <a:solidFill>
+                  <a:srgbClr val="FFFFFF"/>
+                </a:solidFill>
+              </a14:hiddenFill>
+            </a:ext>
+          </a:extLst>
+        </p:spPr>
+      </p:pic>
+    </p:spTree>
+    <p:extLst>
+      <p:ext uri="{BB962C8B-B14F-4D97-AF65-F5344CB8AC3E}">
+        <p14:creationId xmlns:p14="http://schemas.microsoft.com/office/powerpoint/2010/main" val="2568563468"/>
       </p:ext>
     </p:extLst>
   </p:cSld>
